--- a/3-10_PCA.pptx
+++ b/3-10_PCA.pptx
@@ -6,6 +6,19 @@
   </p:sldMasterIdLst>
   <p:sldIdLst>
     <p:sldId id="256" r:id="rId2"/>
+    <p:sldId id="257" r:id="rId3"/>
+    <p:sldId id="258" r:id="rId4"/>
+    <p:sldId id="259" r:id="rId5"/>
+    <p:sldId id="260" r:id="rId6"/>
+    <p:sldId id="261" r:id="rId7"/>
+    <p:sldId id="265" r:id="rId8"/>
+    <p:sldId id="266" r:id="rId9"/>
+    <p:sldId id="267" r:id="rId10"/>
+    <p:sldId id="268" r:id="rId11"/>
+    <p:sldId id="269" r:id="rId12"/>
+    <p:sldId id="262" r:id="rId13"/>
+    <p:sldId id="263" r:id="rId14"/>
+    <p:sldId id="264" r:id="rId15"/>
   </p:sldIdLst>
   <p:sldSz cx="12192000" cy="6858000"/>
   <p:notesSz cx="6858000" cy="9144000"/>
@@ -104,6 +117,11 @@
       </a:defRPr>
     </a:lvl9pPr>
   </p:defaultTextStyle>
+  <p:extLst>
+    <p:ext uri="{EFAFB233-063F-42B5-8137-9DF3F51BA10A}">
+      <p15:sldGuideLst xmlns:p15="http://schemas.microsoft.com/office/powerpoint/2012/main"/>
+    </p:ext>
+  </p:extLst>
 </p:presentation>
 </file>
 
@@ -254,7 +272,7 @@
           <a:p>
             <a:fld id="{DE9039BF-D454-4A16-968E-9B3FD4D4FA31}" type="datetimeFigureOut">
               <a:rPr lang="ko-KR" altLang="en-US" smtClean="0"/>
-              <a:t>2022-04-04</a:t>
+              <a:t>2022-04-05</a:t>
             </a:fld>
             <a:endParaRPr lang="ko-KR" altLang="en-US"/>
           </a:p>
@@ -452,7 +470,7 @@
           <a:p>
             <a:fld id="{DE9039BF-D454-4A16-968E-9B3FD4D4FA31}" type="datetimeFigureOut">
               <a:rPr lang="ko-KR" altLang="en-US" smtClean="0"/>
-              <a:t>2022-04-04</a:t>
+              <a:t>2022-04-05</a:t>
             </a:fld>
             <a:endParaRPr lang="ko-KR" altLang="en-US"/>
           </a:p>
@@ -660,7 +678,7 @@
           <a:p>
             <a:fld id="{DE9039BF-D454-4A16-968E-9B3FD4D4FA31}" type="datetimeFigureOut">
               <a:rPr lang="ko-KR" altLang="en-US" smtClean="0"/>
-              <a:t>2022-04-04</a:t>
+              <a:t>2022-04-05</a:t>
             </a:fld>
             <a:endParaRPr lang="ko-KR" altLang="en-US"/>
           </a:p>
@@ -858,7 +876,7 @@
           <a:p>
             <a:fld id="{DE9039BF-D454-4A16-968E-9B3FD4D4FA31}" type="datetimeFigureOut">
               <a:rPr lang="ko-KR" altLang="en-US" smtClean="0"/>
-              <a:t>2022-04-04</a:t>
+              <a:t>2022-04-05</a:t>
             </a:fld>
             <a:endParaRPr lang="ko-KR" altLang="en-US"/>
           </a:p>
@@ -1133,7 +1151,7 @@
           <a:p>
             <a:fld id="{DE9039BF-D454-4A16-968E-9B3FD4D4FA31}" type="datetimeFigureOut">
               <a:rPr lang="ko-KR" altLang="en-US" smtClean="0"/>
-              <a:t>2022-04-04</a:t>
+              <a:t>2022-04-05</a:t>
             </a:fld>
             <a:endParaRPr lang="ko-KR" altLang="en-US"/>
           </a:p>
@@ -1398,7 +1416,7 @@
           <a:p>
             <a:fld id="{DE9039BF-D454-4A16-968E-9B3FD4D4FA31}" type="datetimeFigureOut">
               <a:rPr lang="ko-KR" altLang="en-US" smtClean="0"/>
-              <a:t>2022-04-04</a:t>
+              <a:t>2022-04-05</a:t>
             </a:fld>
             <a:endParaRPr lang="ko-KR" altLang="en-US"/>
           </a:p>
@@ -1810,7 +1828,7 @@
           <a:p>
             <a:fld id="{DE9039BF-D454-4A16-968E-9B3FD4D4FA31}" type="datetimeFigureOut">
               <a:rPr lang="ko-KR" altLang="en-US" smtClean="0"/>
-              <a:t>2022-04-04</a:t>
+              <a:t>2022-04-05</a:t>
             </a:fld>
             <a:endParaRPr lang="ko-KR" altLang="en-US"/>
           </a:p>
@@ -1951,7 +1969,7 @@
           <a:p>
             <a:fld id="{DE9039BF-D454-4A16-968E-9B3FD4D4FA31}" type="datetimeFigureOut">
               <a:rPr lang="ko-KR" altLang="en-US" smtClean="0"/>
-              <a:t>2022-04-04</a:t>
+              <a:t>2022-04-05</a:t>
             </a:fld>
             <a:endParaRPr lang="ko-KR" altLang="en-US"/>
           </a:p>
@@ -2064,7 +2082,7 @@
           <a:p>
             <a:fld id="{DE9039BF-D454-4A16-968E-9B3FD4D4FA31}" type="datetimeFigureOut">
               <a:rPr lang="ko-KR" altLang="en-US" smtClean="0"/>
-              <a:t>2022-04-04</a:t>
+              <a:t>2022-04-05</a:t>
             </a:fld>
             <a:endParaRPr lang="ko-KR" altLang="en-US"/>
           </a:p>
@@ -2375,7 +2393,7 @@
           <a:p>
             <a:fld id="{DE9039BF-D454-4A16-968E-9B3FD4D4FA31}" type="datetimeFigureOut">
               <a:rPr lang="ko-KR" altLang="en-US" smtClean="0"/>
-              <a:t>2022-04-04</a:t>
+              <a:t>2022-04-05</a:t>
             </a:fld>
             <a:endParaRPr lang="ko-KR" altLang="en-US"/>
           </a:p>
@@ -2663,7 +2681,7 @@
           <a:p>
             <a:fld id="{DE9039BF-D454-4A16-968E-9B3FD4D4FA31}" type="datetimeFigureOut">
               <a:rPr lang="ko-KR" altLang="en-US" smtClean="0"/>
-              <a:t>2022-04-04</a:t>
+              <a:t>2022-04-05</a:t>
             </a:fld>
             <a:endParaRPr lang="ko-KR" altLang="en-US"/>
           </a:p>
@@ -2904,7 +2922,7 @@
           <a:p>
             <a:fld id="{DE9039BF-D454-4A16-968E-9B3FD4D4FA31}" type="datetimeFigureOut">
               <a:rPr lang="ko-KR" altLang="en-US" smtClean="0"/>
-              <a:t>2022-04-04</a:t>
+              <a:t>2022-04-05</a:t>
             </a:fld>
             <a:endParaRPr lang="ko-KR" altLang="en-US"/>
           </a:p>
@@ -3428,6 +3446,4960 @@
 </p:sld>
 </file>
 
+<file path=ppt/slides/slide10.xml><?xml version="1.0" encoding="utf-8"?>
+<p:sld xmlns:a="http://schemas.openxmlformats.org/drawingml/2006/main" xmlns:r="http://schemas.openxmlformats.org/officeDocument/2006/relationships" xmlns:p="http://schemas.openxmlformats.org/presentationml/2006/main">
+  <p:cSld>
+    <p:spTree>
+      <p:nvGrpSpPr>
+        <p:cNvPr id="1" name=""/>
+        <p:cNvGrpSpPr/>
+        <p:nvPr/>
+      </p:nvGrpSpPr>
+      <p:grpSpPr>
+        <a:xfrm>
+          <a:off x="0" y="0"/>
+          <a:ext cx="0" cy="0"/>
+          <a:chOff x="0" y="0"/>
+          <a:chExt cx="0" cy="0"/>
+        </a:xfrm>
+      </p:grpSpPr>
+      <p:sp>
+        <p:nvSpPr>
+          <p:cNvPr id="2" name="제목 1">
+            <a:extLst>
+              <a:ext uri="{FF2B5EF4-FFF2-40B4-BE49-F238E27FC236}">
+                <a16:creationId xmlns:a16="http://schemas.microsoft.com/office/drawing/2014/main" id="{6166E8EE-6B62-48E8-9FF1-9D1DBC7A7802}"/>
+              </a:ext>
+            </a:extLst>
+          </p:cNvPr>
+          <p:cNvSpPr>
+            <a:spLocks noGrp="1"/>
+          </p:cNvSpPr>
+          <p:nvPr>
+            <p:ph type="title"/>
+          </p:nvPr>
+        </p:nvSpPr>
+        <p:spPr/>
+        <p:txBody>
+          <a:bodyPr/>
+          <a:lstStyle/>
+          <a:p>
+            <a:r>
+              <a:rPr lang="en-US" altLang="ko-KR" dirty="0"/>
+              <a:t>Algorithm</a:t>
+            </a:r>
+            <a:br>
+              <a:rPr lang="en-US" altLang="ko-KR" dirty="0"/>
+            </a:br>
+            <a:r>
+              <a:rPr lang="en-US" altLang="ko-KR" sz="2400" dirty="0"/>
+              <a:t>Covariance Matrix</a:t>
+            </a:r>
+            <a:endParaRPr lang="ko-KR" altLang="en-US" dirty="0"/>
+          </a:p>
+        </p:txBody>
+      </p:sp>
+      <mc:AlternateContent xmlns:mc="http://schemas.openxmlformats.org/markup-compatibility/2006">
+        <mc:Choice xmlns:a14="http://schemas.microsoft.com/office/drawing/2010/main" Requires="a14">
+          <p:sp>
+            <p:nvSpPr>
+              <p:cNvPr id="3" name="내용 개체 틀 2">
+                <a:extLst>
+                  <a:ext uri="{FF2B5EF4-FFF2-40B4-BE49-F238E27FC236}">
+                    <a16:creationId xmlns:a16="http://schemas.microsoft.com/office/drawing/2014/main" id="{95CEB723-4D47-4A31-B6AC-79A38743128B}"/>
+                  </a:ext>
+                </a:extLst>
+              </p:cNvPr>
+              <p:cNvSpPr>
+                <a:spLocks noGrp="1"/>
+              </p:cNvSpPr>
+              <p:nvPr>
+                <p:ph idx="1"/>
+              </p:nvPr>
+            </p:nvSpPr>
+            <p:spPr/>
+            <p:txBody>
+              <a:bodyPr>
+                <a:normAutofit/>
+              </a:bodyPr>
+              <a:lstStyle/>
+              <a:p>
+                <a:r>
+                  <a:rPr lang="en-US" altLang="ko-KR" b="0" i="0" dirty="0">
+                    <a:solidFill>
+                      <a:srgbClr val="000000"/>
+                    </a:solidFill>
+                    <a:effectLst/>
+                  </a:rPr>
+                  <a:t>The covariance matrix is made into a matrix by calculating the covariance of each of the two or more data.</a:t>
+                </a:r>
+              </a:p>
+              <a:p>
+                <a14:m>
+                  <m:oMath xmlns:m="http://schemas.openxmlformats.org/officeDocument/2006/math">
+                    <m:nary>
+                      <m:naryPr>
+                        <m:chr m:val="∑"/>
+                        <m:subHide m:val="on"/>
+                        <m:supHide m:val="on"/>
+                        <m:ctrlPr>
+                          <a:rPr lang="ko-KR" altLang="en-US" i="1" smtClean="0">
+                            <a:latin typeface="Cambria Math" panose="02040503050406030204" pitchFamily="18" charset="0"/>
+                          </a:rPr>
+                        </m:ctrlPr>
+                      </m:naryPr>
+                      <m:sub/>
+                      <m:sup/>
+                      <m:e>
+                        <m:r>
+                          <a:rPr lang="en-US" altLang="ko-KR" b="0" i="1" smtClean="0">
+                            <a:latin typeface="Cambria Math" panose="02040503050406030204" pitchFamily="18" charset="0"/>
+                          </a:rPr>
+                          <m:t>=</m:t>
+                        </m:r>
+                        <m:d>
+                          <m:dPr>
+                            <m:begChr m:val="["/>
+                            <m:endChr m:val="]"/>
+                            <m:ctrlPr>
+                              <a:rPr lang="en-US" altLang="ko-KR" b="0" i="1" smtClean="0">
+                                <a:latin typeface="Cambria Math" panose="02040503050406030204" pitchFamily="18" charset="0"/>
+                              </a:rPr>
+                            </m:ctrlPr>
+                          </m:dPr>
+                          <m:e>
+                            <m:m>
+                              <m:mPr>
+                                <m:mcs>
+                                  <m:mc>
+                                    <m:mcPr>
+                                      <m:count m:val="3"/>
+                                      <m:mcJc m:val="center"/>
+                                    </m:mcPr>
+                                  </m:mc>
+                                </m:mcs>
+                                <m:ctrlPr>
+                                  <a:rPr lang="en-US" altLang="ko-KR" b="0" i="1" smtClean="0">
+                                    <a:latin typeface="Cambria Math" panose="02040503050406030204" pitchFamily="18" charset="0"/>
+                                  </a:rPr>
+                                </m:ctrlPr>
+                              </m:mPr>
+                              <m:mr>
+                                <m:e>
+                                  <m:sSub>
+                                    <m:sSubPr>
+                                      <m:ctrlPr>
+                                        <a:rPr lang="en-US" altLang="ko-KR" b="0" i="1" smtClean="0">
+                                          <a:latin typeface="Cambria Math" panose="02040503050406030204" pitchFamily="18" charset="0"/>
+                                        </a:rPr>
+                                      </m:ctrlPr>
+                                    </m:sSubPr>
+                                    <m:e>
+                                      <m:r>
+                                        <a:rPr lang="en-US" altLang="ko-KR" b="0" i="1" smtClean="0">
+                                          <a:latin typeface="Cambria Math" panose="02040503050406030204" pitchFamily="18" charset="0"/>
+                                        </a:rPr>
+                                        <m:t>𝑠</m:t>
+                                      </m:r>
+                                    </m:e>
+                                    <m:sub>
+                                      <m:sSub>
+                                        <m:sSubPr>
+                                          <m:ctrlPr>
+                                            <a:rPr lang="en-US" altLang="ko-KR" b="0" i="1" smtClean="0">
+                                              <a:latin typeface="Cambria Math" panose="02040503050406030204" pitchFamily="18" charset="0"/>
+                                            </a:rPr>
+                                          </m:ctrlPr>
+                                        </m:sSubPr>
+                                        <m:e>
+                                          <m:r>
+                                            <a:rPr lang="en-US" altLang="ko-KR" b="0" i="1" smtClean="0">
+                                              <a:latin typeface="Cambria Math" panose="02040503050406030204" pitchFamily="18" charset="0"/>
+                                            </a:rPr>
+                                            <m:t>𝑥</m:t>
+                                          </m:r>
+                                        </m:e>
+                                        <m:sub>
+                                          <m:r>
+                                            <a:rPr lang="en-US" altLang="ko-KR" b="0" i="1" smtClean="0">
+                                              <a:latin typeface="Cambria Math" panose="02040503050406030204" pitchFamily="18" charset="0"/>
+                                            </a:rPr>
+                                            <m:t>1</m:t>
+                                          </m:r>
+                                        </m:sub>
+                                      </m:sSub>
+                                      <m:sSub>
+                                        <m:sSubPr>
+                                          <m:ctrlPr>
+                                            <a:rPr lang="en-US" altLang="ko-KR" b="0" i="1" smtClean="0">
+                                              <a:latin typeface="Cambria Math" panose="02040503050406030204" pitchFamily="18" charset="0"/>
+                                            </a:rPr>
+                                          </m:ctrlPr>
+                                        </m:sSubPr>
+                                        <m:e>
+                                          <m:r>
+                                            <a:rPr lang="en-US" altLang="ko-KR" b="0" i="1" smtClean="0">
+                                              <a:latin typeface="Cambria Math" panose="02040503050406030204" pitchFamily="18" charset="0"/>
+                                            </a:rPr>
+                                            <m:t>𝑥</m:t>
+                                          </m:r>
+                                        </m:e>
+                                        <m:sub>
+                                          <m:r>
+                                            <a:rPr lang="en-US" altLang="ko-KR" b="0" i="1" smtClean="0">
+                                              <a:latin typeface="Cambria Math" panose="02040503050406030204" pitchFamily="18" charset="0"/>
+                                            </a:rPr>
+                                            <m:t>1</m:t>
+                                          </m:r>
+                                        </m:sub>
+                                      </m:sSub>
+                                    </m:sub>
+                                  </m:sSub>
+                                </m:e>
+                                <m:e>
+                                  <m:r>
+                                    <a:rPr lang="en-US" altLang="ko-KR" b="0" i="1" smtClean="0">
+                                      <a:latin typeface="Cambria Math" panose="02040503050406030204" pitchFamily="18" charset="0"/>
+                                    </a:rPr>
+                                    <m:t>⋯</m:t>
+                                  </m:r>
+                                </m:e>
+                                <m:e>
+                                  <m:sSub>
+                                    <m:sSubPr>
+                                      <m:ctrlPr>
+                                        <a:rPr lang="en-US" altLang="ko-KR" i="1">
+                                          <a:latin typeface="Cambria Math" panose="02040503050406030204" pitchFamily="18" charset="0"/>
+                                        </a:rPr>
+                                      </m:ctrlPr>
+                                    </m:sSubPr>
+                                    <m:e>
+                                      <m:r>
+                                        <a:rPr lang="en-US" altLang="ko-KR" i="1">
+                                          <a:latin typeface="Cambria Math" panose="02040503050406030204" pitchFamily="18" charset="0"/>
+                                        </a:rPr>
+                                        <m:t>𝑠</m:t>
+                                      </m:r>
+                                    </m:e>
+                                    <m:sub>
+                                      <m:sSub>
+                                        <m:sSubPr>
+                                          <m:ctrlPr>
+                                            <a:rPr lang="en-US" altLang="ko-KR" i="1">
+                                              <a:latin typeface="Cambria Math" panose="02040503050406030204" pitchFamily="18" charset="0"/>
+                                            </a:rPr>
+                                          </m:ctrlPr>
+                                        </m:sSubPr>
+                                        <m:e>
+                                          <m:r>
+                                            <a:rPr lang="en-US" altLang="ko-KR" i="1">
+                                              <a:latin typeface="Cambria Math" panose="02040503050406030204" pitchFamily="18" charset="0"/>
+                                            </a:rPr>
+                                            <m:t>𝑥</m:t>
+                                          </m:r>
+                                        </m:e>
+                                        <m:sub>
+                                          <m:r>
+                                            <a:rPr lang="en-US" altLang="ko-KR" i="1">
+                                              <a:latin typeface="Cambria Math" panose="02040503050406030204" pitchFamily="18" charset="0"/>
+                                            </a:rPr>
+                                            <m:t>1</m:t>
+                                          </m:r>
+                                        </m:sub>
+                                      </m:sSub>
+                                      <m:sSub>
+                                        <m:sSubPr>
+                                          <m:ctrlPr>
+                                            <a:rPr lang="en-US" altLang="ko-KR" i="1">
+                                              <a:latin typeface="Cambria Math" panose="02040503050406030204" pitchFamily="18" charset="0"/>
+                                            </a:rPr>
+                                          </m:ctrlPr>
+                                        </m:sSubPr>
+                                        <m:e>
+                                          <m:r>
+                                            <a:rPr lang="en-US" altLang="ko-KR" i="1">
+                                              <a:latin typeface="Cambria Math" panose="02040503050406030204" pitchFamily="18" charset="0"/>
+                                            </a:rPr>
+                                            <m:t>𝑥</m:t>
+                                          </m:r>
+                                        </m:e>
+                                        <m:sub>
+                                          <m:r>
+                                            <a:rPr lang="en-US" altLang="ko-KR" b="0" i="1" smtClean="0">
+                                              <a:latin typeface="Cambria Math" panose="02040503050406030204" pitchFamily="18" charset="0"/>
+                                            </a:rPr>
+                                            <m:t>𝑛</m:t>
+                                          </m:r>
+                                        </m:sub>
+                                      </m:sSub>
+                                    </m:sub>
+                                  </m:sSub>
+                                </m:e>
+                              </m:mr>
+                              <m:mr>
+                                <m:e>
+                                  <m:r>
+                                    <a:rPr lang="en-US" altLang="ko-KR" b="0" i="1" smtClean="0">
+                                      <a:latin typeface="Cambria Math" panose="02040503050406030204" pitchFamily="18" charset="0"/>
+                                    </a:rPr>
+                                    <m:t>⋮</m:t>
+                                  </m:r>
+                                </m:e>
+                                <m:e>
+                                  <m:r>
+                                    <a:rPr lang="en-US" altLang="ko-KR" b="0" i="1" smtClean="0">
+                                      <a:latin typeface="Cambria Math" panose="02040503050406030204" pitchFamily="18" charset="0"/>
+                                    </a:rPr>
+                                    <m:t>⋱</m:t>
+                                  </m:r>
+                                </m:e>
+                                <m:e>
+                                  <m:r>
+                                    <a:rPr lang="en-US" altLang="ko-KR" b="0" i="1" smtClean="0">
+                                      <a:latin typeface="Cambria Math" panose="02040503050406030204" pitchFamily="18" charset="0"/>
+                                    </a:rPr>
+                                    <m:t>⋮</m:t>
+                                  </m:r>
+                                </m:e>
+                              </m:mr>
+                              <m:mr>
+                                <m:e>
+                                  <m:sSub>
+                                    <m:sSubPr>
+                                      <m:ctrlPr>
+                                        <a:rPr lang="en-US" altLang="ko-KR" i="1">
+                                          <a:latin typeface="Cambria Math" panose="02040503050406030204" pitchFamily="18" charset="0"/>
+                                        </a:rPr>
+                                      </m:ctrlPr>
+                                    </m:sSubPr>
+                                    <m:e>
+                                      <m:r>
+                                        <a:rPr lang="en-US" altLang="ko-KR" i="1">
+                                          <a:latin typeface="Cambria Math" panose="02040503050406030204" pitchFamily="18" charset="0"/>
+                                        </a:rPr>
+                                        <m:t>𝑠</m:t>
+                                      </m:r>
+                                    </m:e>
+                                    <m:sub>
+                                      <m:sSub>
+                                        <m:sSubPr>
+                                          <m:ctrlPr>
+                                            <a:rPr lang="en-US" altLang="ko-KR" i="1">
+                                              <a:latin typeface="Cambria Math" panose="02040503050406030204" pitchFamily="18" charset="0"/>
+                                            </a:rPr>
+                                          </m:ctrlPr>
+                                        </m:sSubPr>
+                                        <m:e>
+                                          <m:r>
+                                            <a:rPr lang="en-US" altLang="ko-KR" i="1">
+                                              <a:latin typeface="Cambria Math" panose="02040503050406030204" pitchFamily="18" charset="0"/>
+                                            </a:rPr>
+                                            <m:t>𝑥</m:t>
+                                          </m:r>
+                                        </m:e>
+                                        <m:sub>
+                                          <m:r>
+                                            <a:rPr lang="en-US" altLang="ko-KR" b="0" i="1" smtClean="0">
+                                              <a:latin typeface="Cambria Math" panose="02040503050406030204" pitchFamily="18" charset="0"/>
+                                            </a:rPr>
+                                            <m:t>𝑛</m:t>
+                                          </m:r>
+                                        </m:sub>
+                                      </m:sSub>
+                                      <m:sSub>
+                                        <m:sSubPr>
+                                          <m:ctrlPr>
+                                            <a:rPr lang="en-US" altLang="ko-KR" i="1">
+                                              <a:latin typeface="Cambria Math" panose="02040503050406030204" pitchFamily="18" charset="0"/>
+                                            </a:rPr>
+                                          </m:ctrlPr>
+                                        </m:sSubPr>
+                                        <m:e>
+                                          <m:r>
+                                            <a:rPr lang="en-US" altLang="ko-KR" i="1">
+                                              <a:latin typeface="Cambria Math" panose="02040503050406030204" pitchFamily="18" charset="0"/>
+                                            </a:rPr>
+                                            <m:t>𝑥</m:t>
+                                          </m:r>
+                                        </m:e>
+                                        <m:sub>
+                                          <m:r>
+                                            <a:rPr lang="en-US" altLang="ko-KR" b="0" i="1" smtClean="0">
+                                              <a:latin typeface="Cambria Math" panose="02040503050406030204" pitchFamily="18" charset="0"/>
+                                            </a:rPr>
+                                            <m:t>1</m:t>
+                                          </m:r>
+                                        </m:sub>
+                                      </m:sSub>
+                                    </m:sub>
+                                  </m:sSub>
+                                </m:e>
+                                <m:e>
+                                  <m:r>
+                                    <a:rPr lang="en-US" altLang="ko-KR" b="0" i="1" smtClean="0">
+                                      <a:latin typeface="Cambria Math" panose="02040503050406030204" pitchFamily="18" charset="0"/>
+                                    </a:rPr>
+                                    <m:t>⋯</m:t>
+                                  </m:r>
+                                </m:e>
+                                <m:e>
+                                  <m:sSub>
+                                    <m:sSubPr>
+                                      <m:ctrlPr>
+                                        <a:rPr lang="en-US" altLang="ko-KR" i="1">
+                                          <a:latin typeface="Cambria Math" panose="02040503050406030204" pitchFamily="18" charset="0"/>
+                                        </a:rPr>
+                                      </m:ctrlPr>
+                                    </m:sSubPr>
+                                    <m:e>
+                                      <m:r>
+                                        <a:rPr lang="en-US" altLang="ko-KR" i="1">
+                                          <a:latin typeface="Cambria Math" panose="02040503050406030204" pitchFamily="18" charset="0"/>
+                                        </a:rPr>
+                                        <m:t>𝑠</m:t>
+                                      </m:r>
+                                    </m:e>
+                                    <m:sub>
+                                      <m:sSub>
+                                        <m:sSubPr>
+                                          <m:ctrlPr>
+                                            <a:rPr lang="en-US" altLang="ko-KR" i="1">
+                                              <a:latin typeface="Cambria Math" panose="02040503050406030204" pitchFamily="18" charset="0"/>
+                                            </a:rPr>
+                                          </m:ctrlPr>
+                                        </m:sSubPr>
+                                        <m:e>
+                                          <m:r>
+                                            <a:rPr lang="en-US" altLang="ko-KR" i="1">
+                                              <a:latin typeface="Cambria Math" panose="02040503050406030204" pitchFamily="18" charset="0"/>
+                                            </a:rPr>
+                                            <m:t>𝑥</m:t>
+                                          </m:r>
+                                        </m:e>
+                                        <m:sub>
+                                          <m:r>
+                                            <a:rPr lang="en-US" altLang="ko-KR" b="0" i="1" smtClean="0">
+                                              <a:latin typeface="Cambria Math" panose="02040503050406030204" pitchFamily="18" charset="0"/>
+                                            </a:rPr>
+                                            <m:t>𝑛</m:t>
+                                          </m:r>
+                                        </m:sub>
+                                      </m:sSub>
+                                      <m:sSub>
+                                        <m:sSubPr>
+                                          <m:ctrlPr>
+                                            <a:rPr lang="en-US" altLang="ko-KR" i="1">
+                                              <a:latin typeface="Cambria Math" panose="02040503050406030204" pitchFamily="18" charset="0"/>
+                                            </a:rPr>
+                                          </m:ctrlPr>
+                                        </m:sSubPr>
+                                        <m:e>
+                                          <m:r>
+                                            <a:rPr lang="en-US" altLang="ko-KR" i="1">
+                                              <a:latin typeface="Cambria Math" panose="02040503050406030204" pitchFamily="18" charset="0"/>
+                                            </a:rPr>
+                                            <m:t>𝑥</m:t>
+                                          </m:r>
+                                        </m:e>
+                                        <m:sub>
+                                          <m:r>
+                                            <a:rPr lang="en-US" altLang="ko-KR" b="0" i="1" smtClean="0">
+                                              <a:latin typeface="Cambria Math" panose="02040503050406030204" pitchFamily="18" charset="0"/>
+                                            </a:rPr>
+                                            <m:t>𝑛</m:t>
+                                          </m:r>
+                                        </m:sub>
+                                      </m:sSub>
+                                    </m:sub>
+                                  </m:sSub>
+                                </m:e>
+                              </m:mr>
+                            </m:m>
+                          </m:e>
+                        </m:d>
+                      </m:e>
+                    </m:nary>
+                  </m:oMath>
+                </a14:m>
+                <a:endParaRPr lang="en-US" altLang="ko-KR" dirty="0"/>
+              </a:p>
+              <a:p>
+                <a14:m>
+                  <m:oMath xmlns:m="http://schemas.openxmlformats.org/officeDocument/2006/math">
+                    <m:sSub>
+                      <m:sSubPr>
+                        <m:ctrlPr>
+                          <a:rPr lang="en-US" altLang="ko-KR" i="1">
+                            <a:latin typeface="Cambria Math" panose="02040503050406030204" pitchFamily="18" charset="0"/>
+                          </a:rPr>
+                        </m:ctrlPr>
+                      </m:sSubPr>
+                      <m:e>
+                        <m:r>
+                          <a:rPr lang="en-US" altLang="ko-KR" i="1">
+                            <a:latin typeface="Cambria Math" panose="02040503050406030204" pitchFamily="18" charset="0"/>
+                          </a:rPr>
+                          <m:t>𝑠</m:t>
+                        </m:r>
+                      </m:e>
+                      <m:sub>
+                        <m:sSub>
+                          <m:sSubPr>
+                            <m:ctrlPr>
+                              <a:rPr lang="en-US" altLang="ko-KR" i="1">
+                                <a:latin typeface="Cambria Math" panose="02040503050406030204" pitchFamily="18" charset="0"/>
+                              </a:rPr>
+                            </m:ctrlPr>
+                          </m:sSubPr>
+                          <m:e>
+                            <m:r>
+                              <a:rPr lang="en-US" altLang="ko-KR" i="1">
+                                <a:latin typeface="Cambria Math" panose="02040503050406030204" pitchFamily="18" charset="0"/>
+                              </a:rPr>
+                              <m:t>𝑥</m:t>
+                            </m:r>
+                          </m:e>
+                          <m:sub>
+                            <m:r>
+                              <a:rPr lang="en-US" altLang="ko-KR" b="0" i="1" smtClean="0">
+                                <a:latin typeface="Cambria Math" panose="02040503050406030204" pitchFamily="18" charset="0"/>
+                              </a:rPr>
+                              <m:t>𝑖</m:t>
+                            </m:r>
+                          </m:sub>
+                        </m:sSub>
+                        <m:sSub>
+                          <m:sSubPr>
+                            <m:ctrlPr>
+                              <a:rPr lang="en-US" altLang="ko-KR" i="1">
+                                <a:latin typeface="Cambria Math" panose="02040503050406030204" pitchFamily="18" charset="0"/>
+                              </a:rPr>
+                            </m:ctrlPr>
+                          </m:sSubPr>
+                          <m:e>
+                            <m:r>
+                              <a:rPr lang="en-US" altLang="ko-KR" i="1">
+                                <a:latin typeface="Cambria Math" panose="02040503050406030204" pitchFamily="18" charset="0"/>
+                              </a:rPr>
+                              <m:t>𝑥</m:t>
+                            </m:r>
+                          </m:e>
+                          <m:sub>
+                            <m:r>
+                              <a:rPr lang="en-US" altLang="ko-KR" b="0" i="1" smtClean="0">
+                                <a:latin typeface="Cambria Math" panose="02040503050406030204" pitchFamily="18" charset="0"/>
+                              </a:rPr>
+                              <m:t>𝑗</m:t>
+                            </m:r>
+                          </m:sub>
+                        </m:sSub>
+                      </m:sub>
+                    </m:sSub>
+                  </m:oMath>
+                </a14:m>
+                <a:r>
+                  <a:rPr lang="en-US" altLang="ko-KR" dirty="0"/>
+                  <a:t>represents the covariance of data point </a:t>
+                </a:r>
+                <a14:m>
+                  <m:oMath xmlns:m="http://schemas.openxmlformats.org/officeDocument/2006/math">
+                    <m:sSub>
+                      <m:sSubPr>
+                        <m:ctrlPr>
+                          <a:rPr lang="en-US" altLang="ko-KR" i="1">
+                            <a:latin typeface="Cambria Math" panose="02040503050406030204" pitchFamily="18" charset="0"/>
+                          </a:rPr>
+                        </m:ctrlPr>
+                      </m:sSubPr>
+                      <m:e>
+                        <m:r>
+                          <a:rPr lang="en-US" altLang="ko-KR" i="1">
+                            <a:latin typeface="Cambria Math" panose="02040503050406030204" pitchFamily="18" charset="0"/>
+                          </a:rPr>
+                          <m:t>𝑥</m:t>
+                        </m:r>
+                      </m:e>
+                      <m:sub>
+                        <m:r>
+                          <a:rPr lang="en-US" altLang="ko-KR" i="1">
+                            <a:latin typeface="Cambria Math" panose="02040503050406030204" pitchFamily="18" charset="0"/>
+                          </a:rPr>
+                          <m:t>𝑖</m:t>
+                        </m:r>
+                      </m:sub>
+                    </m:sSub>
+                  </m:oMath>
+                </a14:m>
+                <a:r>
+                  <a:rPr lang="en-US" altLang="ko-KR" dirty="0"/>
+                  <a:t> and </a:t>
+                </a:r>
+                <a14:m>
+                  <m:oMath xmlns:m="http://schemas.openxmlformats.org/officeDocument/2006/math">
+                    <m:sSub>
+                      <m:sSubPr>
+                        <m:ctrlPr>
+                          <a:rPr lang="en-US" altLang="ko-KR" i="1">
+                            <a:latin typeface="Cambria Math" panose="02040503050406030204" pitchFamily="18" charset="0"/>
+                          </a:rPr>
+                        </m:ctrlPr>
+                      </m:sSubPr>
+                      <m:e>
+                        <m:r>
+                          <a:rPr lang="en-US" altLang="ko-KR" i="1">
+                            <a:latin typeface="Cambria Math" panose="02040503050406030204" pitchFamily="18" charset="0"/>
+                          </a:rPr>
+                          <m:t>𝑥</m:t>
+                        </m:r>
+                      </m:e>
+                      <m:sub>
+                        <m:r>
+                          <a:rPr lang="en-US" altLang="ko-KR" i="1">
+                            <a:latin typeface="Cambria Math" panose="02040503050406030204" pitchFamily="18" charset="0"/>
+                          </a:rPr>
+                          <m:t>𝑗</m:t>
+                        </m:r>
+                      </m:sub>
+                    </m:sSub>
+                  </m:oMath>
+                </a14:m>
+                <a:r>
+                  <a:rPr lang="ko-KR" altLang="en-US" dirty="0"/>
+                  <a:t> </a:t>
+                </a:r>
+              </a:p>
+            </p:txBody>
+          </p:sp>
+        </mc:Choice>
+        <mc:Fallback>
+          <p:sp>
+            <p:nvSpPr>
+              <p:cNvPr id="3" name="내용 개체 틀 2">
+                <a:extLst>
+                  <a:ext uri="{FF2B5EF4-FFF2-40B4-BE49-F238E27FC236}">
+                    <a16:creationId xmlns:a16="http://schemas.microsoft.com/office/drawing/2014/main" id="{95CEB723-4D47-4A31-B6AC-79A38743128B}"/>
+                  </a:ext>
+                </a:extLst>
+              </p:cNvPr>
+              <p:cNvSpPr>
+                <a:spLocks noGrp="1" noRot="1" noChangeAspect="1" noMove="1" noResize="1" noEditPoints="1" noAdjustHandles="1" noChangeArrowheads="1" noChangeShapeType="1" noTextEdit="1"/>
+              </p:cNvSpPr>
+              <p:nvPr>
+                <p:ph idx="1"/>
+              </p:nvPr>
+            </p:nvSpPr>
+            <p:spPr>
+              <a:blipFill>
+                <a:blip r:embed="rId2"/>
+                <a:stretch>
+                  <a:fillRect l="-1043" t="-2381"/>
+                </a:stretch>
+              </a:blipFill>
+            </p:spPr>
+            <p:txBody>
+              <a:bodyPr/>
+              <a:lstStyle/>
+              <a:p>
+                <a:r>
+                  <a:rPr lang="ko-KR" altLang="en-US">
+                    <a:noFill/>
+                  </a:rPr>
+                  <a:t> </a:t>
+                </a:r>
+              </a:p>
+            </p:txBody>
+          </p:sp>
+        </mc:Fallback>
+      </mc:AlternateContent>
+      <p:pic>
+        <p:nvPicPr>
+          <p:cNvPr id="4" name="그림 3">
+            <a:extLst>
+              <a:ext uri="{FF2B5EF4-FFF2-40B4-BE49-F238E27FC236}">
+                <a16:creationId xmlns:a16="http://schemas.microsoft.com/office/drawing/2014/main" id="{9C40C19B-6FA5-4EAD-A011-5807CEE34AA9}"/>
+              </a:ext>
+            </a:extLst>
+          </p:cNvPr>
+          <p:cNvPicPr>
+            <a:picLocks noChangeAspect="1"/>
+          </p:cNvPicPr>
+          <p:nvPr/>
+        </p:nvPicPr>
+        <p:blipFill>
+          <a:blip r:embed="rId3">
+            <a:extLst>
+              <a:ext uri="{28A0092B-C50C-407E-A947-70E740481C1C}">
+                <a14:useLocalDpi xmlns:a14="http://schemas.microsoft.com/office/drawing/2010/main" val="0"/>
+              </a:ext>
+            </a:extLst>
+          </a:blip>
+          <a:stretch>
+            <a:fillRect/>
+          </a:stretch>
+        </p:blipFill>
+        <p:spPr>
+          <a:xfrm>
+            <a:off x="9017429" y="6124103"/>
+            <a:ext cx="3031958" cy="733897"/>
+          </a:xfrm>
+          <a:prstGeom prst="rect">
+            <a:avLst/>
+          </a:prstGeom>
+        </p:spPr>
+      </p:pic>
+    </p:spTree>
+    <p:extLst>
+      <p:ext uri="{BB962C8B-B14F-4D97-AF65-F5344CB8AC3E}">
+        <p14:creationId xmlns:p14="http://schemas.microsoft.com/office/powerpoint/2010/main" val="36897479"/>
+      </p:ext>
+    </p:extLst>
+  </p:cSld>
+  <p:clrMapOvr>
+    <a:masterClrMapping/>
+  </p:clrMapOvr>
+</p:sld>
+</file>
+
+<file path=ppt/slides/slide11.xml><?xml version="1.0" encoding="utf-8"?>
+<p:sld xmlns:a="http://schemas.openxmlformats.org/drawingml/2006/main" xmlns:r="http://schemas.openxmlformats.org/officeDocument/2006/relationships" xmlns:p="http://schemas.openxmlformats.org/presentationml/2006/main">
+  <p:cSld>
+    <p:spTree>
+      <p:nvGrpSpPr>
+        <p:cNvPr id="1" name=""/>
+        <p:cNvGrpSpPr/>
+        <p:nvPr/>
+      </p:nvGrpSpPr>
+      <p:grpSpPr>
+        <a:xfrm>
+          <a:off x="0" y="0"/>
+          <a:ext cx="0" cy="0"/>
+          <a:chOff x="0" y="0"/>
+          <a:chExt cx="0" cy="0"/>
+        </a:xfrm>
+      </p:grpSpPr>
+      <p:sp>
+        <p:nvSpPr>
+          <p:cNvPr id="2" name="제목 1">
+            <a:extLst>
+              <a:ext uri="{FF2B5EF4-FFF2-40B4-BE49-F238E27FC236}">
+                <a16:creationId xmlns:a16="http://schemas.microsoft.com/office/drawing/2014/main" id="{6166E8EE-6B62-48E8-9FF1-9D1DBC7A7802}"/>
+              </a:ext>
+            </a:extLst>
+          </p:cNvPr>
+          <p:cNvSpPr>
+            <a:spLocks noGrp="1"/>
+          </p:cNvSpPr>
+          <p:nvPr>
+            <p:ph type="title"/>
+          </p:nvPr>
+        </p:nvSpPr>
+        <p:spPr/>
+        <p:txBody>
+          <a:bodyPr/>
+          <a:lstStyle/>
+          <a:p>
+            <a:r>
+              <a:rPr lang="en-US" altLang="ko-KR" dirty="0"/>
+              <a:t>Algorithm</a:t>
+            </a:r>
+            <a:br>
+              <a:rPr lang="en-US" altLang="ko-KR" dirty="0"/>
+            </a:br>
+            <a:r>
+              <a:rPr lang="en-US" altLang="ko-KR" sz="2400" dirty="0"/>
+              <a:t>Correlation Matrix</a:t>
+            </a:r>
+            <a:endParaRPr lang="ko-KR" altLang="en-US" dirty="0"/>
+          </a:p>
+        </p:txBody>
+      </p:sp>
+      <mc:AlternateContent xmlns:mc="http://schemas.openxmlformats.org/markup-compatibility/2006">
+        <mc:Choice xmlns:a14="http://schemas.microsoft.com/office/drawing/2010/main" Requires="a14">
+          <p:sp>
+            <p:nvSpPr>
+              <p:cNvPr id="3" name="내용 개체 틀 2">
+                <a:extLst>
+                  <a:ext uri="{FF2B5EF4-FFF2-40B4-BE49-F238E27FC236}">
+                    <a16:creationId xmlns:a16="http://schemas.microsoft.com/office/drawing/2014/main" id="{95CEB723-4D47-4A31-B6AC-79A38743128B}"/>
+                  </a:ext>
+                </a:extLst>
+              </p:cNvPr>
+              <p:cNvSpPr>
+                <a:spLocks noGrp="1"/>
+              </p:cNvSpPr>
+              <p:nvPr>
+                <p:ph idx="1"/>
+              </p:nvPr>
+            </p:nvSpPr>
+            <p:spPr/>
+            <p:txBody>
+              <a:bodyPr>
+                <a:normAutofit/>
+              </a:bodyPr>
+              <a:lstStyle/>
+              <a:p>
+                <a:r>
+                  <a:rPr lang="en-US" altLang="ko-KR" b="0" i="0" dirty="0">
+                    <a:solidFill>
+                      <a:srgbClr val="000000"/>
+                    </a:solidFill>
+                    <a:effectLst/>
+                  </a:rPr>
+                  <a:t>The correlation matrix is made into a matrix by calculating the correlation of each of the two or more data.</a:t>
+                </a:r>
+              </a:p>
+              <a:p>
+                <a14:m>
+                  <m:oMath xmlns:m="http://schemas.openxmlformats.org/officeDocument/2006/math">
+                    <m:nary>
+                      <m:naryPr>
+                        <m:chr m:val="∑"/>
+                        <m:subHide m:val="on"/>
+                        <m:supHide m:val="on"/>
+                        <m:ctrlPr>
+                          <a:rPr lang="ko-KR" altLang="en-US" i="1" smtClean="0">
+                            <a:latin typeface="Cambria Math" panose="02040503050406030204" pitchFamily="18" charset="0"/>
+                          </a:rPr>
+                        </m:ctrlPr>
+                      </m:naryPr>
+                      <m:sub/>
+                      <m:sup/>
+                      <m:e>
+                        <m:r>
+                          <a:rPr lang="en-US" altLang="ko-KR" b="0" i="1" smtClean="0">
+                            <a:latin typeface="Cambria Math" panose="02040503050406030204" pitchFamily="18" charset="0"/>
+                          </a:rPr>
+                          <m:t>=</m:t>
+                        </m:r>
+                        <m:d>
+                          <m:dPr>
+                            <m:begChr m:val="["/>
+                            <m:endChr m:val="]"/>
+                            <m:ctrlPr>
+                              <a:rPr lang="en-US" altLang="ko-KR" b="0" i="1" smtClean="0">
+                                <a:latin typeface="Cambria Math" panose="02040503050406030204" pitchFamily="18" charset="0"/>
+                              </a:rPr>
+                            </m:ctrlPr>
+                          </m:dPr>
+                          <m:e>
+                            <m:m>
+                              <m:mPr>
+                                <m:mcs>
+                                  <m:mc>
+                                    <m:mcPr>
+                                      <m:count m:val="3"/>
+                                      <m:mcJc m:val="center"/>
+                                    </m:mcPr>
+                                  </m:mc>
+                                </m:mcs>
+                                <m:ctrlPr>
+                                  <a:rPr lang="en-US" altLang="ko-KR" b="0" i="1" smtClean="0">
+                                    <a:latin typeface="Cambria Math" panose="02040503050406030204" pitchFamily="18" charset="0"/>
+                                  </a:rPr>
+                                </m:ctrlPr>
+                              </m:mPr>
+                              <m:mr>
+                                <m:e>
+                                  <m:sSub>
+                                    <m:sSubPr>
+                                      <m:ctrlPr>
+                                        <a:rPr lang="en-US" altLang="ko-KR" b="0" i="1" smtClean="0">
+                                          <a:latin typeface="Cambria Math" panose="02040503050406030204" pitchFamily="18" charset="0"/>
+                                        </a:rPr>
+                                      </m:ctrlPr>
+                                    </m:sSubPr>
+                                    <m:e>
+                                      <m:r>
+                                        <a:rPr lang="en-US" altLang="ko-KR" b="0" i="1" smtClean="0">
+                                          <a:latin typeface="Cambria Math" panose="02040503050406030204" pitchFamily="18" charset="0"/>
+                                        </a:rPr>
+                                        <m:t>𝑟</m:t>
+                                      </m:r>
+                                    </m:e>
+                                    <m:sub>
+                                      <m:sSub>
+                                        <m:sSubPr>
+                                          <m:ctrlPr>
+                                            <a:rPr lang="en-US" altLang="ko-KR" b="0" i="1" smtClean="0">
+                                              <a:latin typeface="Cambria Math" panose="02040503050406030204" pitchFamily="18" charset="0"/>
+                                            </a:rPr>
+                                          </m:ctrlPr>
+                                        </m:sSubPr>
+                                        <m:e>
+                                          <m:r>
+                                            <a:rPr lang="en-US" altLang="ko-KR" b="0" i="1" smtClean="0">
+                                              <a:latin typeface="Cambria Math" panose="02040503050406030204" pitchFamily="18" charset="0"/>
+                                            </a:rPr>
+                                            <m:t>𝑥</m:t>
+                                          </m:r>
+                                        </m:e>
+                                        <m:sub>
+                                          <m:r>
+                                            <a:rPr lang="en-US" altLang="ko-KR" b="0" i="1" smtClean="0">
+                                              <a:latin typeface="Cambria Math" panose="02040503050406030204" pitchFamily="18" charset="0"/>
+                                            </a:rPr>
+                                            <m:t>1</m:t>
+                                          </m:r>
+                                        </m:sub>
+                                      </m:sSub>
+                                      <m:sSub>
+                                        <m:sSubPr>
+                                          <m:ctrlPr>
+                                            <a:rPr lang="en-US" altLang="ko-KR" b="0" i="1" smtClean="0">
+                                              <a:latin typeface="Cambria Math" panose="02040503050406030204" pitchFamily="18" charset="0"/>
+                                            </a:rPr>
+                                          </m:ctrlPr>
+                                        </m:sSubPr>
+                                        <m:e>
+                                          <m:r>
+                                            <a:rPr lang="en-US" altLang="ko-KR" b="0" i="1" smtClean="0">
+                                              <a:latin typeface="Cambria Math" panose="02040503050406030204" pitchFamily="18" charset="0"/>
+                                            </a:rPr>
+                                            <m:t>𝑥</m:t>
+                                          </m:r>
+                                        </m:e>
+                                        <m:sub>
+                                          <m:r>
+                                            <a:rPr lang="en-US" altLang="ko-KR" b="0" i="1" smtClean="0">
+                                              <a:latin typeface="Cambria Math" panose="02040503050406030204" pitchFamily="18" charset="0"/>
+                                            </a:rPr>
+                                            <m:t>1</m:t>
+                                          </m:r>
+                                        </m:sub>
+                                      </m:sSub>
+                                    </m:sub>
+                                  </m:sSub>
+                                </m:e>
+                                <m:e>
+                                  <m:r>
+                                    <a:rPr lang="en-US" altLang="ko-KR" b="0" i="1" smtClean="0">
+                                      <a:latin typeface="Cambria Math" panose="02040503050406030204" pitchFamily="18" charset="0"/>
+                                    </a:rPr>
+                                    <m:t>⋯</m:t>
+                                  </m:r>
+                                </m:e>
+                                <m:e>
+                                  <m:sSub>
+                                    <m:sSubPr>
+                                      <m:ctrlPr>
+                                        <a:rPr lang="en-US" altLang="ko-KR" i="1">
+                                          <a:latin typeface="Cambria Math" panose="02040503050406030204" pitchFamily="18" charset="0"/>
+                                        </a:rPr>
+                                      </m:ctrlPr>
+                                    </m:sSubPr>
+                                    <m:e>
+                                      <m:r>
+                                        <a:rPr lang="en-US" altLang="ko-KR" b="0" i="1" smtClean="0">
+                                          <a:latin typeface="Cambria Math" panose="02040503050406030204" pitchFamily="18" charset="0"/>
+                                        </a:rPr>
+                                        <m:t>𝑟</m:t>
+                                      </m:r>
+                                    </m:e>
+                                    <m:sub>
+                                      <m:sSub>
+                                        <m:sSubPr>
+                                          <m:ctrlPr>
+                                            <a:rPr lang="en-US" altLang="ko-KR" i="1">
+                                              <a:latin typeface="Cambria Math" panose="02040503050406030204" pitchFamily="18" charset="0"/>
+                                            </a:rPr>
+                                          </m:ctrlPr>
+                                        </m:sSubPr>
+                                        <m:e>
+                                          <m:r>
+                                            <a:rPr lang="en-US" altLang="ko-KR" i="1">
+                                              <a:latin typeface="Cambria Math" panose="02040503050406030204" pitchFamily="18" charset="0"/>
+                                            </a:rPr>
+                                            <m:t>𝑥</m:t>
+                                          </m:r>
+                                        </m:e>
+                                        <m:sub>
+                                          <m:r>
+                                            <a:rPr lang="en-US" altLang="ko-KR" i="1">
+                                              <a:latin typeface="Cambria Math" panose="02040503050406030204" pitchFamily="18" charset="0"/>
+                                            </a:rPr>
+                                            <m:t>1</m:t>
+                                          </m:r>
+                                        </m:sub>
+                                      </m:sSub>
+                                      <m:sSub>
+                                        <m:sSubPr>
+                                          <m:ctrlPr>
+                                            <a:rPr lang="en-US" altLang="ko-KR" i="1">
+                                              <a:latin typeface="Cambria Math" panose="02040503050406030204" pitchFamily="18" charset="0"/>
+                                            </a:rPr>
+                                          </m:ctrlPr>
+                                        </m:sSubPr>
+                                        <m:e>
+                                          <m:r>
+                                            <a:rPr lang="en-US" altLang="ko-KR" i="1">
+                                              <a:latin typeface="Cambria Math" panose="02040503050406030204" pitchFamily="18" charset="0"/>
+                                            </a:rPr>
+                                            <m:t>𝑥</m:t>
+                                          </m:r>
+                                        </m:e>
+                                        <m:sub>
+                                          <m:r>
+                                            <a:rPr lang="en-US" altLang="ko-KR" b="0" i="1" smtClean="0">
+                                              <a:latin typeface="Cambria Math" panose="02040503050406030204" pitchFamily="18" charset="0"/>
+                                            </a:rPr>
+                                            <m:t>𝑛</m:t>
+                                          </m:r>
+                                        </m:sub>
+                                      </m:sSub>
+                                    </m:sub>
+                                  </m:sSub>
+                                </m:e>
+                              </m:mr>
+                              <m:mr>
+                                <m:e>
+                                  <m:r>
+                                    <a:rPr lang="en-US" altLang="ko-KR" b="0" i="1" smtClean="0">
+                                      <a:latin typeface="Cambria Math" panose="02040503050406030204" pitchFamily="18" charset="0"/>
+                                    </a:rPr>
+                                    <m:t>⋮</m:t>
+                                  </m:r>
+                                </m:e>
+                                <m:e>
+                                  <m:r>
+                                    <a:rPr lang="en-US" altLang="ko-KR" b="0" i="1" smtClean="0">
+                                      <a:latin typeface="Cambria Math" panose="02040503050406030204" pitchFamily="18" charset="0"/>
+                                    </a:rPr>
+                                    <m:t>⋱</m:t>
+                                  </m:r>
+                                </m:e>
+                                <m:e>
+                                  <m:r>
+                                    <a:rPr lang="en-US" altLang="ko-KR" b="0" i="1" smtClean="0">
+                                      <a:latin typeface="Cambria Math" panose="02040503050406030204" pitchFamily="18" charset="0"/>
+                                    </a:rPr>
+                                    <m:t>⋮</m:t>
+                                  </m:r>
+                                </m:e>
+                              </m:mr>
+                              <m:mr>
+                                <m:e>
+                                  <m:sSub>
+                                    <m:sSubPr>
+                                      <m:ctrlPr>
+                                        <a:rPr lang="en-US" altLang="ko-KR" i="1">
+                                          <a:latin typeface="Cambria Math" panose="02040503050406030204" pitchFamily="18" charset="0"/>
+                                        </a:rPr>
+                                      </m:ctrlPr>
+                                    </m:sSubPr>
+                                    <m:e>
+                                      <m:r>
+                                        <a:rPr lang="en-US" altLang="ko-KR" b="0" i="1" smtClean="0">
+                                          <a:latin typeface="Cambria Math" panose="02040503050406030204" pitchFamily="18" charset="0"/>
+                                        </a:rPr>
+                                        <m:t>𝑟</m:t>
+                                      </m:r>
+                                    </m:e>
+                                    <m:sub>
+                                      <m:sSub>
+                                        <m:sSubPr>
+                                          <m:ctrlPr>
+                                            <a:rPr lang="en-US" altLang="ko-KR" i="1">
+                                              <a:latin typeface="Cambria Math" panose="02040503050406030204" pitchFamily="18" charset="0"/>
+                                            </a:rPr>
+                                          </m:ctrlPr>
+                                        </m:sSubPr>
+                                        <m:e>
+                                          <m:r>
+                                            <a:rPr lang="en-US" altLang="ko-KR" i="1">
+                                              <a:latin typeface="Cambria Math" panose="02040503050406030204" pitchFamily="18" charset="0"/>
+                                            </a:rPr>
+                                            <m:t>𝑥</m:t>
+                                          </m:r>
+                                        </m:e>
+                                        <m:sub>
+                                          <m:r>
+                                            <a:rPr lang="en-US" altLang="ko-KR" b="0" i="1" smtClean="0">
+                                              <a:latin typeface="Cambria Math" panose="02040503050406030204" pitchFamily="18" charset="0"/>
+                                            </a:rPr>
+                                            <m:t>𝑛</m:t>
+                                          </m:r>
+                                        </m:sub>
+                                      </m:sSub>
+                                      <m:sSub>
+                                        <m:sSubPr>
+                                          <m:ctrlPr>
+                                            <a:rPr lang="en-US" altLang="ko-KR" i="1">
+                                              <a:latin typeface="Cambria Math" panose="02040503050406030204" pitchFamily="18" charset="0"/>
+                                            </a:rPr>
+                                          </m:ctrlPr>
+                                        </m:sSubPr>
+                                        <m:e>
+                                          <m:r>
+                                            <a:rPr lang="en-US" altLang="ko-KR" i="1">
+                                              <a:latin typeface="Cambria Math" panose="02040503050406030204" pitchFamily="18" charset="0"/>
+                                            </a:rPr>
+                                            <m:t>𝑥</m:t>
+                                          </m:r>
+                                        </m:e>
+                                        <m:sub>
+                                          <m:r>
+                                            <a:rPr lang="en-US" altLang="ko-KR" b="0" i="1" smtClean="0">
+                                              <a:latin typeface="Cambria Math" panose="02040503050406030204" pitchFamily="18" charset="0"/>
+                                            </a:rPr>
+                                            <m:t>1</m:t>
+                                          </m:r>
+                                        </m:sub>
+                                      </m:sSub>
+                                    </m:sub>
+                                  </m:sSub>
+                                </m:e>
+                                <m:e>
+                                  <m:r>
+                                    <a:rPr lang="en-US" altLang="ko-KR" b="0" i="1" smtClean="0">
+                                      <a:latin typeface="Cambria Math" panose="02040503050406030204" pitchFamily="18" charset="0"/>
+                                    </a:rPr>
+                                    <m:t>⋯</m:t>
+                                  </m:r>
+                                </m:e>
+                                <m:e>
+                                  <m:sSub>
+                                    <m:sSubPr>
+                                      <m:ctrlPr>
+                                        <a:rPr lang="en-US" altLang="ko-KR" i="1">
+                                          <a:latin typeface="Cambria Math" panose="02040503050406030204" pitchFamily="18" charset="0"/>
+                                        </a:rPr>
+                                      </m:ctrlPr>
+                                    </m:sSubPr>
+                                    <m:e>
+                                      <m:r>
+                                        <a:rPr lang="en-US" altLang="ko-KR" b="0" i="1" smtClean="0">
+                                          <a:latin typeface="Cambria Math" panose="02040503050406030204" pitchFamily="18" charset="0"/>
+                                        </a:rPr>
+                                        <m:t>𝑟</m:t>
+                                      </m:r>
+                                    </m:e>
+                                    <m:sub>
+                                      <m:sSub>
+                                        <m:sSubPr>
+                                          <m:ctrlPr>
+                                            <a:rPr lang="en-US" altLang="ko-KR" i="1">
+                                              <a:latin typeface="Cambria Math" panose="02040503050406030204" pitchFamily="18" charset="0"/>
+                                            </a:rPr>
+                                          </m:ctrlPr>
+                                        </m:sSubPr>
+                                        <m:e>
+                                          <m:r>
+                                            <a:rPr lang="en-US" altLang="ko-KR" i="1">
+                                              <a:latin typeface="Cambria Math" panose="02040503050406030204" pitchFamily="18" charset="0"/>
+                                            </a:rPr>
+                                            <m:t>𝑥</m:t>
+                                          </m:r>
+                                        </m:e>
+                                        <m:sub>
+                                          <m:r>
+                                            <a:rPr lang="en-US" altLang="ko-KR" b="0" i="1" smtClean="0">
+                                              <a:latin typeface="Cambria Math" panose="02040503050406030204" pitchFamily="18" charset="0"/>
+                                            </a:rPr>
+                                            <m:t>𝑛</m:t>
+                                          </m:r>
+                                        </m:sub>
+                                      </m:sSub>
+                                      <m:sSub>
+                                        <m:sSubPr>
+                                          <m:ctrlPr>
+                                            <a:rPr lang="en-US" altLang="ko-KR" i="1">
+                                              <a:latin typeface="Cambria Math" panose="02040503050406030204" pitchFamily="18" charset="0"/>
+                                            </a:rPr>
+                                          </m:ctrlPr>
+                                        </m:sSubPr>
+                                        <m:e>
+                                          <m:r>
+                                            <a:rPr lang="en-US" altLang="ko-KR" i="1">
+                                              <a:latin typeface="Cambria Math" panose="02040503050406030204" pitchFamily="18" charset="0"/>
+                                            </a:rPr>
+                                            <m:t>𝑥</m:t>
+                                          </m:r>
+                                        </m:e>
+                                        <m:sub>
+                                          <m:r>
+                                            <a:rPr lang="en-US" altLang="ko-KR" b="0" i="1" smtClean="0">
+                                              <a:latin typeface="Cambria Math" panose="02040503050406030204" pitchFamily="18" charset="0"/>
+                                            </a:rPr>
+                                            <m:t>𝑛</m:t>
+                                          </m:r>
+                                        </m:sub>
+                                      </m:sSub>
+                                    </m:sub>
+                                  </m:sSub>
+                                </m:e>
+                              </m:mr>
+                            </m:m>
+                          </m:e>
+                        </m:d>
+                      </m:e>
+                    </m:nary>
+                  </m:oMath>
+                </a14:m>
+                <a:endParaRPr lang="en-US" altLang="ko-KR" dirty="0"/>
+              </a:p>
+              <a:p>
+                <a14:m>
+                  <m:oMath xmlns:m="http://schemas.openxmlformats.org/officeDocument/2006/math">
+                    <m:sSub>
+                      <m:sSubPr>
+                        <m:ctrlPr>
+                          <a:rPr lang="en-US" altLang="ko-KR" i="1">
+                            <a:latin typeface="Cambria Math" panose="02040503050406030204" pitchFamily="18" charset="0"/>
+                          </a:rPr>
+                        </m:ctrlPr>
+                      </m:sSubPr>
+                      <m:e>
+                        <m:r>
+                          <a:rPr lang="en-US" altLang="ko-KR" i="1">
+                            <a:latin typeface="Cambria Math" panose="02040503050406030204" pitchFamily="18" charset="0"/>
+                          </a:rPr>
+                          <m:t>𝑟</m:t>
+                        </m:r>
+                      </m:e>
+                      <m:sub>
+                        <m:sSub>
+                          <m:sSubPr>
+                            <m:ctrlPr>
+                              <a:rPr lang="en-US" altLang="ko-KR" i="1">
+                                <a:latin typeface="Cambria Math" panose="02040503050406030204" pitchFamily="18" charset="0"/>
+                              </a:rPr>
+                            </m:ctrlPr>
+                          </m:sSubPr>
+                          <m:e>
+                            <m:r>
+                              <a:rPr lang="en-US" altLang="ko-KR" i="1">
+                                <a:latin typeface="Cambria Math" panose="02040503050406030204" pitchFamily="18" charset="0"/>
+                              </a:rPr>
+                              <m:t>𝑥</m:t>
+                            </m:r>
+                          </m:e>
+                          <m:sub>
+                            <m:r>
+                              <a:rPr lang="en-US" altLang="ko-KR" b="0" i="1" smtClean="0">
+                                <a:latin typeface="Cambria Math" panose="02040503050406030204" pitchFamily="18" charset="0"/>
+                              </a:rPr>
+                              <m:t>𝑖</m:t>
+                            </m:r>
+                          </m:sub>
+                        </m:sSub>
+                        <m:sSub>
+                          <m:sSubPr>
+                            <m:ctrlPr>
+                              <a:rPr lang="en-US" altLang="ko-KR" i="1">
+                                <a:latin typeface="Cambria Math" panose="02040503050406030204" pitchFamily="18" charset="0"/>
+                              </a:rPr>
+                            </m:ctrlPr>
+                          </m:sSubPr>
+                          <m:e>
+                            <m:r>
+                              <a:rPr lang="en-US" altLang="ko-KR" i="1">
+                                <a:latin typeface="Cambria Math" panose="02040503050406030204" pitchFamily="18" charset="0"/>
+                              </a:rPr>
+                              <m:t>𝑥</m:t>
+                            </m:r>
+                          </m:e>
+                          <m:sub>
+                            <m:r>
+                              <a:rPr lang="en-US" altLang="ko-KR" b="0" i="1" smtClean="0">
+                                <a:latin typeface="Cambria Math" panose="02040503050406030204" pitchFamily="18" charset="0"/>
+                              </a:rPr>
+                              <m:t>𝑗</m:t>
+                            </m:r>
+                          </m:sub>
+                        </m:sSub>
+                      </m:sub>
+                    </m:sSub>
+                    <m:r>
+                      <a:rPr lang="en-US" altLang="ko-KR" i="1">
+                        <a:latin typeface="Cambria Math" panose="02040503050406030204" pitchFamily="18" charset="0"/>
+                      </a:rPr>
+                      <m:t> </m:t>
+                    </m:r>
+                  </m:oMath>
+                </a14:m>
+                <a:r>
+                  <a:rPr lang="en-US" altLang="ko-KR" dirty="0"/>
+                  <a:t>represents the correlation of data point </a:t>
+                </a:r>
+                <a14:m>
+                  <m:oMath xmlns:m="http://schemas.openxmlformats.org/officeDocument/2006/math">
+                    <m:sSub>
+                      <m:sSubPr>
+                        <m:ctrlPr>
+                          <a:rPr lang="en-US" altLang="ko-KR" i="1">
+                            <a:latin typeface="Cambria Math" panose="02040503050406030204" pitchFamily="18" charset="0"/>
+                          </a:rPr>
+                        </m:ctrlPr>
+                      </m:sSubPr>
+                      <m:e>
+                        <m:r>
+                          <a:rPr lang="en-US" altLang="ko-KR" i="1">
+                            <a:latin typeface="Cambria Math" panose="02040503050406030204" pitchFamily="18" charset="0"/>
+                          </a:rPr>
+                          <m:t>𝑥</m:t>
+                        </m:r>
+                      </m:e>
+                      <m:sub>
+                        <m:r>
+                          <a:rPr lang="en-US" altLang="ko-KR" i="1">
+                            <a:latin typeface="Cambria Math" panose="02040503050406030204" pitchFamily="18" charset="0"/>
+                          </a:rPr>
+                          <m:t>𝑖</m:t>
+                        </m:r>
+                      </m:sub>
+                    </m:sSub>
+                  </m:oMath>
+                </a14:m>
+                <a:r>
+                  <a:rPr lang="en-US" altLang="ko-KR" dirty="0"/>
+                  <a:t> and </a:t>
+                </a:r>
+                <a14:m>
+                  <m:oMath xmlns:m="http://schemas.openxmlformats.org/officeDocument/2006/math">
+                    <m:sSub>
+                      <m:sSubPr>
+                        <m:ctrlPr>
+                          <a:rPr lang="en-US" altLang="ko-KR" i="1">
+                            <a:latin typeface="Cambria Math" panose="02040503050406030204" pitchFamily="18" charset="0"/>
+                          </a:rPr>
+                        </m:ctrlPr>
+                      </m:sSubPr>
+                      <m:e>
+                        <m:r>
+                          <a:rPr lang="en-US" altLang="ko-KR" i="1">
+                            <a:latin typeface="Cambria Math" panose="02040503050406030204" pitchFamily="18" charset="0"/>
+                          </a:rPr>
+                          <m:t>𝑥</m:t>
+                        </m:r>
+                      </m:e>
+                      <m:sub>
+                        <m:r>
+                          <a:rPr lang="en-US" altLang="ko-KR" i="1">
+                            <a:latin typeface="Cambria Math" panose="02040503050406030204" pitchFamily="18" charset="0"/>
+                          </a:rPr>
+                          <m:t>𝑗</m:t>
+                        </m:r>
+                      </m:sub>
+                    </m:sSub>
+                  </m:oMath>
+                </a14:m>
+                <a:r>
+                  <a:rPr lang="ko-KR" altLang="en-US" dirty="0"/>
+                  <a:t> </a:t>
+                </a:r>
+              </a:p>
+            </p:txBody>
+          </p:sp>
+        </mc:Choice>
+        <mc:Fallback>
+          <p:sp>
+            <p:nvSpPr>
+              <p:cNvPr id="3" name="내용 개체 틀 2">
+                <a:extLst>
+                  <a:ext uri="{FF2B5EF4-FFF2-40B4-BE49-F238E27FC236}">
+                    <a16:creationId xmlns:a16="http://schemas.microsoft.com/office/drawing/2014/main" id="{95CEB723-4D47-4A31-B6AC-79A38743128B}"/>
+                  </a:ext>
+                </a:extLst>
+              </p:cNvPr>
+              <p:cNvSpPr>
+                <a:spLocks noGrp="1" noRot="1" noChangeAspect="1" noMove="1" noResize="1" noEditPoints="1" noAdjustHandles="1" noChangeArrowheads="1" noChangeShapeType="1" noTextEdit="1"/>
+              </p:cNvSpPr>
+              <p:nvPr>
+                <p:ph idx="1"/>
+              </p:nvPr>
+            </p:nvSpPr>
+            <p:spPr>
+              <a:blipFill>
+                <a:blip r:embed="rId2"/>
+                <a:stretch>
+                  <a:fillRect l="-1043" t="-2381"/>
+                </a:stretch>
+              </a:blipFill>
+            </p:spPr>
+            <p:txBody>
+              <a:bodyPr/>
+              <a:lstStyle/>
+              <a:p>
+                <a:r>
+                  <a:rPr lang="ko-KR" altLang="en-US">
+                    <a:noFill/>
+                  </a:rPr>
+                  <a:t> </a:t>
+                </a:r>
+              </a:p>
+            </p:txBody>
+          </p:sp>
+        </mc:Fallback>
+      </mc:AlternateContent>
+      <p:pic>
+        <p:nvPicPr>
+          <p:cNvPr id="4" name="그림 3">
+            <a:extLst>
+              <a:ext uri="{FF2B5EF4-FFF2-40B4-BE49-F238E27FC236}">
+                <a16:creationId xmlns:a16="http://schemas.microsoft.com/office/drawing/2014/main" id="{9C40C19B-6FA5-4EAD-A011-5807CEE34AA9}"/>
+              </a:ext>
+            </a:extLst>
+          </p:cNvPr>
+          <p:cNvPicPr>
+            <a:picLocks noChangeAspect="1"/>
+          </p:cNvPicPr>
+          <p:nvPr/>
+        </p:nvPicPr>
+        <p:blipFill>
+          <a:blip r:embed="rId3">
+            <a:extLst>
+              <a:ext uri="{28A0092B-C50C-407E-A947-70E740481C1C}">
+                <a14:useLocalDpi xmlns:a14="http://schemas.microsoft.com/office/drawing/2010/main" val="0"/>
+              </a:ext>
+            </a:extLst>
+          </a:blip>
+          <a:stretch>
+            <a:fillRect/>
+          </a:stretch>
+        </p:blipFill>
+        <p:spPr>
+          <a:xfrm>
+            <a:off x="9017429" y="6124103"/>
+            <a:ext cx="3031958" cy="733897"/>
+          </a:xfrm>
+          <a:prstGeom prst="rect">
+            <a:avLst/>
+          </a:prstGeom>
+        </p:spPr>
+      </p:pic>
+    </p:spTree>
+    <p:extLst>
+      <p:ext uri="{BB962C8B-B14F-4D97-AF65-F5344CB8AC3E}">
+        <p14:creationId xmlns:p14="http://schemas.microsoft.com/office/powerpoint/2010/main" val="2460749028"/>
+      </p:ext>
+    </p:extLst>
+  </p:cSld>
+  <p:clrMapOvr>
+    <a:masterClrMapping/>
+  </p:clrMapOvr>
+</p:sld>
+</file>
+
+<file path=ppt/slides/slide12.xml><?xml version="1.0" encoding="utf-8"?>
+<p:sld xmlns:a="http://schemas.openxmlformats.org/drawingml/2006/main" xmlns:r="http://schemas.openxmlformats.org/officeDocument/2006/relationships" xmlns:p="http://schemas.openxmlformats.org/presentationml/2006/main">
+  <p:cSld>
+    <p:spTree>
+      <p:nvGrpSpPr>
+        <p:cNvPr id="1" name=""/>
+        <p:cNvGrpSpPr/>
+        <p:nvPr/>
+      </p:nvGrpSpPr>
+      <p:grpSpPr>
+        <a:xfrm>
+          <a:off x="0" y="0"/>
+          <a:ext cx="0" cy="0"/>
+          <a:chOff x="0" y="0"/>
+          <a:chExt cx="0" cy="0"/>
+        </a:xfrm>
+      </p:grpSpPr>
+      <p:sp>
+        <p:nvSpPr>
+          <p:cNvPr id="2" name="제목 1">
+            <a:extLst>
+              <a:ext uri="{FF2B5EF4-FFF2-40B4-BE49-F238E27FC236}">
+                <a16:creationId xmlns:a16="http://schemas.microsoft.com/office/drawing/2014/main" id="{AD5F8CCD-B0A2-494C-BF20-BAAE2C5E65F2}"/>
+              </a:ext>
+            </a:extLst>
+          </p:cNvPr>
+          <p:cNvSpPr>
+            <a:spLocks noGrp="1"/>
+          </p:cNvSpPr>
+          <p:nvPr>
+            <p:ph type="title"/>
+          </p:nvPr>
+        </p:nvSpPr>
+        <p:spPr/>
+        <p:txBody>
+          <a:bodyPr/>
+          <a:lstStyle/>
+          <a:p>
+            <a:r>
+              <a:rPr lang="en-US" altLang="ko-KR" dirty="0"/>
+              <a:t>Algorithm</a:t>
+            </a:r>
+            <a:endParaRPr lang="ko-KR" altLang="en-US" dirty="0"/>
+          </a:p>
+        </p:txBody>
+      </p:sp>
+      <p:pic>
+        <p:nvPicPr>
+          <p:cNvPr id="8" name="내용 개체 틀 7">
+            <a:extLst>
+              <a:ext uri="{FF2B5EF4-FFF2-40B4-BE49-F238E27FC236}">
+                <a16:creationId xmlns:a16="http://schemas.microsoft.com/office/drawing/2014/main" id="{DCCD220B-CFF2-4C47-82E4-1DD24400E543}"/>
+              </a:ext>
+            </a:extLst>
+          </p:cNvPr>
+          <p:cNvPicPr>
+            <a:picLocks noGrp="1" noChangeAspect="1"/>
+          </p:cNvPicPr>
+          <p:nvPr>
+            <p:ph sz="half" idx="2"/>
+          </p:nvPr>
+        </p:nvPicPr>
+        <p:blipFill>
+          <a:blip r:embed="rId2">
+            <a:extLst>
+              <a:ext uri="{28A0092B-C50C-407E-A947-70E740481C1C}">
+                <a14:useLocalDpi xmlns:a14="http://schemas.microsoft.com/office/drawing/2010/main" val="0"/>
+              </a:ext>
+            </a:extLst>
+          </a:blip>
+          <a:stretch>
+            <a:fillRect/>
+          </a:stretch>
+        </p:blipFill>
+        <p:spPr>
+          <a:xfrm>
+            <a:off x="4303680" y="1466695"/>
+            <a:ext cx="7230979" cy="4067424"/>
+          </a:xfrm>
+        </p:spPr>
+      </p:pic>
+      <p:pic>
+        <p:nvPicPr>
+          <p:cNvPr id="9" name="그림 8">
+            <a:extLst>
+              <a:ext uri="{FF2B5EF4-FFF2-40B4-BE49-F238E27FC236}">
+                <a16:creationId xmlns:a16="http://schemas.microsoft.com/office/drawing/2014/main" id="{9F2044BE-0660-47AD-85CE-F20D9375138A}"/>
+              </a:ext>
+            </a:extLst>
+          </p:cNvPr>
+          <p:cNvPicPr>
+            <a:picLocks noChangeAspect="1"/>
+          </p:cNvPicPr>
+          <p:nvPr/>
+        </p:nvPicPr>
+        <p:blipFill>
+          <a:blip r:embed="rId3">
+            <a:extLst>
+              <a:ext uri="{28A0092B-C50C-407E-A947-70E740481C1C}">
+                <a14:useLocalDpi xmlns:a14="http://schemas.microsoft.com/office/drawing/2010/main" val="0"/>
+              </a:ext>
+            </a:extLst>
+          </a:blip>
+          <a:stretch>
+            <a:fillRect/>
+          </a:stretch>
+        </p:blipFill>
+        <p:spPr>
+          <a:xfrm>
+            <a:off x="9017429" y="6124103"/>
+            <a:ext cx="3031958" cy="733897"/>
+          </a:xfrm>
+          <a:prstGeom prst="rect">
+            <a:avLst/>
+          </a:prstGeom>
+        </p:spPr>
+      </p:pic>
+      <p:pic>
+        <p:nvPicPr>
+          <p:cNvPr id="6" name="내용 개체 틀 5">
+            <a:extLst>
+              <a:ext uri="{FF2B5EF4-FFF2-40B4-BE49-F238E27FC236}">
+                <a16:creationId xmlns:a16="http://schemas.microsoft.com/office/drawing/2014/main" id="{46C5E38E-C2C2-4B93-9A96-077C54313997}"/>
+              </a:ext>
+            </a:extLst>
+          </p:cNvPr>
+          <p:cNvPicPr>
+            <a:picLocks noGrp="1" noChangeAspect="1"/>
+          </p:cNvPicPr>
+          <p:nvPr>
+            <p:ph sz="half" idx="1"/>
+          </p:nvPr>
+        </p:nvPicPr>
+        <p:blipFill>
+          <a:blip r:embed="rId4">
+            <a:extLst>
+              <a:ext uri="{28A0092B-C50C-407E-A947-70E740481C1C}">
+                <a14:useLocalDpi xmlns:a14="http://schemas.microsoft.com/office/drawing/2010/main" val="0"/>
+              </a:ext>
+            </a:extLst>
+          </a:blip>
+          <a:stretch>
+            <a:fillRect/>
+          </a:stretch>
+        </p:blipFill>
+        <p:spPr>
+          <a:xfrm>
+            <a:off x="838200" y="2200020"/>
+            <a:ext cx="5181600" cy="2914649"/>
+          </a:xfrm>
+        </p:spPr>
+      </p:pic>
+    </p:spTree>
+    <p:extLst>
+      <p:ext uri="{BB962C8B-B14F-4D97-AF65-F5344CB8AC3E}">
+        <p14:creationId xmlns:p14="http://schemas.microsoft.com/office/powerpoint/2010/main" val="3116018592"/>
+      </p:ext>
+    </p:extLst>
+  </p:cSld>
+  <p:clrMapOvr>
+    <a:masterClrMapping/>
+  </p:clrMapOvr>
+</p:sld>
+</file>
+
+<file path=ppt/slides/slide13.xml><?xml version="1.0" encoding="utf-8"?>
+<p:sld xmlns:a="http://schemas.openxmlformats.org/drawingml/2006/main" xmlns:r="http://schemas.openxmlformats.org/officeDocument/2006/relationships" xmlns:p="http://schemas.openxmlformats.org/presentationml/2006/main">
+  <p:cSld>
+    <p:spTree>
+      <p:nvGrpSpPr>
+        <p:cNvPr id="1" name=""/>
+        <p:cNvGrpSpPr/>
+        <p:nvPr/>
+      </p:nvGrpSpPr>
+      <p:grpSpPr>
+        <a:xfrm>
+          <a:off x="0" y="0"/>
+          <a:ext cx="0" cy="0"/>
+          <a:chOff x="0" y="0"/>
+          <a:chExt cx="0" cy="0"/>
+        </a:xfrm>
+      </p:grpSpPr>
+      <p:sp>
+        <p:nvSpPr>
+          <p:cNvPr id="2" name="제목 1">
+            <a:extLst>
+              <a:ext uri="{FF2B5EF4-FFF2-40B4-BE49-F238E27FC236}">
+                <a16:creationId xmlns:a16="http://schemas.microsoft.com/office/drawing/2014/main" id="{C540CC04-1585-4064-8907-459537D39D09}"/>
+              </a:ext>
+            </a:extLst>
+          </p:cNvPr>
+          <p:cNvSpPr>
+            <a:spLocks noGrp="1"/>
+          </p:cNvSpPr>
+          <p:nvPr>
+            <p:ph type="title"/>
+          </p:nvPr>
+        </p:nvSpPr>
+        <p:spPr/>
+        <p:txBody>
+          <a:bodyPr/>
+          <a:lstStyle/>
+          <a:p>
+            <a:r>
+              <a:rPr lang="en-US" altLang="ko-KR" dirty="0"/>
+              <a:t>Algorithm</a:t>
+            </a:r>
+            <a:endParaRPr lang="ko-KR" altLang="en-US" dirty="0"/>
+          </a:p>
+        </p:txBody>
+      </p:sp>
+      <p:pic>
+        <p:nvPicPr>
+          <p:cNvPr id="4" name="그림 3">
+            <a:extLst>
+              <a:ext uri="{FF2B5EF4-FFF2-40B4-BE49-F238E27FC236}">
+                <a16:creationId xmlns:a16="http://schemas.microsoft.com/office/drawing/2014/main" id="{BD17100A-6263-4BAC-B87F-42153C247FDA}"/>
+              </a:ext>
+            </a:extLst>
+          </p:cNvPr>
+          <p:cNvPicPr>
+            <a:picLocks noChangeAspect="1"/>
+          </p:cNvPicPr>
+          <p:nvPr/>
+        </p:nvPicPr>
+        <p:blipFill>
+          <a:blip r:embed="rId2">
+            <a:extLst>
+              <a:ext uri="{28A0092B-C50C-407E-A947-70E740481C1C}">
+                <a14:useLocalDpi xmlns:a14="http://schemas.microsoft.com/office/drawing/2010/main" val="0"/>
+              </a:ext>
+            </a:extLst>
+          </a:blip>
+          <a:stretch>
+            <a:fillRect/>
+          </a:stretch>
+        </p:blipFill>
+        <p:spPr>
+          <a:xfrm>
+            <a:off x="9017429" y="6124103"/>
+            <a:ext cx="3031958" cy="733897"/>
+          </a:xfrm>
+          <a:prstGeom prst="rect">
+            <a:avLst/>
+          </a:prstGeom>
+        </p:spPr>
+      </p:pic>
+      <p:sp>
+        <p:nvSpPr>
+          <p:cNvPr id="5" name="내용 개체 틀 4">
+            <a:extLst>
+              <a:ext uri="{FF2B5EF4-FFF2-40B4-BE49-F238E27FC236}">
+                <a16:creationId xmlns:a16="http://schemas.microsoft.com/office/drawing/2014/main" id="{15A699E5-7E30-45BD-BE32-71C7AB56832A}"/>
+              </a:ext>
+            </a:extLst>
+          </p:cNvPr>
+          <p:cNvSpPr>
+            <a:spLocks noGrp="1"/>
+          </p:cNvSpPr>
+          <p:nvPr>
+            <p:ph idx="1"/>
+          </p:nvPr>
+        </p:nvSpPr>
+        <p:spPr/>
+        <p:txBody>
+          <a:bodyPr>
+            <a:normAutofit/>
+          </a:bodyPr>
+          <a:lstStyle/>
+          <a:p>
+            <a:pPr algn="l">
+              <a:buFont typeface="Arial" panose="020B0604020202020204" pitchFamily="34" charset="0"/>
+              <a:buChar char="•"/>
+            </a:pPr>
+            <a:r>
+              <a:rPr lang="en-US" altLang="ko-KR" b="0" i="0" dirty="0">
+                <a:solidFill>
+                  <a:srgbClr val="000000"/>
+                </a:solidFill>
+                <a:effectLst/>
+              </a:rPr>
+              <a:t>The direction of the data is related to the eigenvector.</a:t>
+            </a:r>
+          </a:p>
+          <a:p>
+            <a:pPr algn="l">
+              <a:buFont typeface="Arial" panose="020B0604020202020204" pitchFamily="34" charset="0"/>
+              <a:buChar char="•"/>
+            </a:pPr>
+            <a:r>
+              <a:rPr lang="en-US" altLang="ko-KR" b="0" i="0" dirty="0">
+                <a:solidFill>
+                  <a:srgbClr val="000000"/>
+                </a:solidFill>
+                <a:effectLst/>
+              </a:rPr>
+              <a:t>The importance of data is related to eigenvalues.</a:t>
+            </a:r>
+          </a:p>
+          <a:p>
+            <a:pPr algn="l">
+              <a:buFont typeface="Arial" panose="020B0604020202020204" pitchFamily="34" charset="0"/>
+              <a:buChar char="•"/>
+            </a:pPr>
+            <a:r>
+              <a:rPr lang="en-US" altLang="ko-KR" b="0" i="0" dirty="0">
+                <a:solidFill>
+                  <a:srgbClr val="000000"/>
+                </a:solidFill>
+                <a:effectLst/>
+              </a:rPr>
+              <a:t>If the eigenvalue calculated for each principal component is divided by the total sum of several eigenvalues, the importance of the principal component can be expressed as a ratio, which is called the contribution rate.</a:t>
+            </a:r>
+          </a:p>
+          <a:p>
+            <a:pPr algn="l">
+              <a:buFont typeface="Arial" panose="020B0604020202020204" pitchFamily="34" charset="0"/>
+              <a:buChar char="•"/>
+            </a:pPr>
+            <a:r>
+              <a:rPr lang="en-US" altLang="ko-KR" b="0" i="0" dirty="0">
+                <a:solidFill>
+                  <a:srgbClr val="000000"/>
+                </a:solidFill>
+                <a:effectLst/>
+              </a:rPr>
+              <a:t>The value obtained by adding the contribution rate sequentially from the first main component is called the cumulative contribution rate.</a:t>
+            </a:r>
+          </a:p>
+          <a:p>
+            <a:pPr algn="l">
+              <a:buFont typeface="Arial" panose="020B0604020202020204" pitchFamily="34" charset="0"/>
+              <a:buChar char="•"/>
+            </a:pPr>
+            <a:endParaRPr lang="en-US" altLang="ko-KR" b="0" i="0" dirty="0">
+              <a:solidFill>
+                <a:srgbClr val="000000"/>
+              </a:solidFill>
+              <a:effectLst/>
+            </a:endParaRPr>
+          </a:p>
+        </p:txBody>
+      </p:sp>
+    </p:spTree>
+    <p:extLst>
+      <p:ext uri="{BB962C8B-B14F-4D97-AF65-F5344CB8AC3E}">
+        <p14:creationId xmlns:p14="http://schemas.microsoft.com/office/powerpoint/2010/main" val="344945086"/>
+      </p:ext>
+    </p:extLst>
+  </p:cSld>
+  <p:clrMapOvr>
+    <a:masterClrMapping/>
+  </p:clrMapOvr>
+</p:sld>
+</file>
+
+<file path=ppt/slides/slide14.xml><?xml version="1.0" encoding="utf-8"?>
+<p:sld xmlns:a="http://schemas.openxmlformats.org/drawingml/2006/main" xmlns:r="http://schemas.openxmlformats.org/officeDocument/2006/relationships" xmlns:p="http://schemas.openxmlformats.org/presentationml/2006/main">
+  <p:cSld>
+    <p:spTree>
+      <p:nvGrpSpPr>
+        <p:cNvPr id="1" name=""/>
+        <p:cNvGrpSpPr/>
+        <p:nvPr/>
+      </p:nvGrpSpPr>
+      <p:grpSpPr>
+        <a:xfrm>
+          <a:off x="0" y="0"/>
+          <a:ext cx="0" cy="0"/>
+          <a:chOff x="0" y="0"/>
+          <a:chExt cx="0" cy="0"/>
+        </a:xfrm>
+      </p:grpSpPr>
+      <p:sp>
+        <p:nvSpPr>
+          <p:cNvPr id="2" name="제목 1">
+            <a:extLst>
+              <a:ext uri="{FF2B5EF4-FFF2-40B4-BE49-F238E27FC236}">
+                <a16:creationId xmlns:a16="http://schemas.microsoft.com/office/drawing/2014/main" id="{62708592-EF30-4991-864F-5C322588CC9B}"/>
+              </a:ext>
+            </a:extLst>
+          </p:cNvPr>
+          <p:cNvSpPr>
+            <a:spLocks noGrp="1"/>
+          </p:cNvSpPr>
+          <p:nvPr>
+            <p:ph type="title"/>
+          </p:nvPr>
+        </p:nvSpPr>
+        <p:spPr/>
+        <p:txBody>
+          <a:bodyPr/>
+          <a:lstStyle/>
+          <a:p>
+            <a:r>
+              <a:rPr lang="en-US" altLang="ko-KR" dirty="0"/>
+              <a:t>Sample Code</a:t>
+            </a:r>
+            <a:endParaRPr lang="ko-KR" altLang="en-US" dirty="0"/>
+          </a:p>
+        </p:txBody>
+      </p:sp>
+      <p:sp>
+        <p:nvSpPr>
+          <p:cNvPr id="3" name="내용 개체 틀 2">
+            <a:extLst>
+              <a:ext uri="{FF2B5EF4-FFF2-40B4-BE49-F238E27FC236}">
+                <a16:creationId xmlns:a16="http://schemas.microsoft.com/office/drawing/2014/main" id="{916DB3EE-75F3-4123-B1C8-20E2F1B4A660}"/>
+              </a:ext>
+            </a:extLst>
+          </p:cNvPr>
+          <p:cNvSpPr>
+            <a:spLocks noGrp="1"/>
+          </p:cNvSpPr>
+          <p:nvPr>
+            <p:ph sz="half" idx="1"/>
+          </p:nvPr>
+        </p:nvSpPr>
+        <p:spPr/>
+        <p:txBody>
+          <a:bodyPr/>
+          <a:lstStyle/>
+          <a:p>
+            <a:r>
+              <a:rPr lang="en-US" altLang="ko-KR" dirty="0"/>
+              <a:t>Import libraries</a:t>
+            </a:r>
+          </a:p>
+          <a:p>
+            <a:r>
+              <a:rPr lang="en-US" altLang="ko-KR" dirty="0"/>
+              <a:t>Get iris dataset</a:t>
+            </a:r>
+          </a:p>
+          <a:p>
+            <a:r>
+              <a:rPr lang="en-US" altLang="ko-KR" dirty="0"/>
+              <a:t>Make PCA model</a:t>
+            </a:r>
+          </a:p>
+          <a:p>
+            <a:r>
+              <a:rPr lang="en-US" altLang="ko-KR" dirty="0"/>
+              <a:t>Train data into model</a:t>
+            </a:r>
+          </a:p>
+          <a:p>
+            <a:r>
+              <a:rPr lang="en-US" altLang="ko-KR" dirty="0"/>
+              <a:t>Print transformed data</a:t>
+            </a:r>
+            <a:endParaRPr lang="ko-KR" altLang="en-US" dirty="0"/>
+          </a:p>
+        </p:txBody>
+      </p:sp>
+      <p:pic>
+        <p:nvPicPr>
+          <p:cNvPr id="7" name="내용 개체 틀 6">
+            <a:extLst>
+              <a:ext uri="{FF2B5EF4-FFF2-40B4-BE49-F238E27FC236}">
+                <a16:creationId xmlns:a16="http://schemas.microsoft.com/office/drawing/2014/main" id="{7C4B9EAC-38C8-45D7-AF4F-8441F24762F4}"/>
+              </a:ext>
+            </a:extLst>
+          </p:cNvPr>
+          <p:cNvPicPr>
+            <a:picLocks noGrp="1" noChangeAspect="1"/>
+          </p:cNvPicPr>
+          <p:nvPr>
+            <p:ph sz="half" idx="2"/>
+          </p:nvPr>
+        </p:nvPicPr>
+        <p:blipFill>
+          <a:blip r:embed="rId2">
+            <a:extLst>
+              <a:ext uri="{28A0092B-C50C-407E-A947-70E740481C1C}">
+                <a14:useLocalDpi xmlns:a14="http://schemas.microsoft.com/office/drawing/2010/main" val="0"/>
+              </a:ext>
+            </a:extLst>
+          </a:blip>
+          <a:stretch>
+            <a:fillRect/>
+          </a:stretch>
+        </p:blipFill>
+        <p:spPr>
+          <a:xfrm>
+            <a:off x="6172200" y="1850545"/>
+            <a:ext cx="5181600" cy="4301498"/>
+          </a:xfrm>
+        </p:spPr>
+      </p:pic>
+      <p:pic>
+        <p:nvPicPr>
+          <p:cNvPr id="5" name="그림 4">
+            <a:extLst>
+              <a:ext uri="{FF2B5EF4-FFF2-40B4-BE49-F238E27FC236}">
+                <a16:creationId xmlns:a16="http://schemas.microsoft.com/office/drawing/2014/main" id="{9959D615-DBE2-47BB-9FDC-C0C2A539D23C}"/>
+              </a:ext>
+            </a:extLst>
+          </p:cNvPr>
+          <p:cNvPicPr>
+            <a:picLocks noChangeAspect="1"/>
+          </p:cNvPicPr>
+          <p:nvPr/>
+        </p:nvPicPr>
+        <p:blipFill>
+          <a:blip r:embed="rId3">
+            <a:extLst>
+              <a:ext uri="{28A0092B-C50C-407E-A947-70E740481C1C}">
+                <a14:useLocalDpi xmlns:a14="http://schemas.microsoft.com/office/drawing/2010/main" val="0"/>
+              </a:ext>
+            </a:extLst>
+          </a:blip>
+          <a:stretch>
+            <a:fillRect/>
+          </a:stretch>
+        </p:blipFill>
+        <p:spPr>
+          <a:xfrm>
+            <a:off x="9017429" y="6124103"/>
+            <a:ext cx="3031958" cy="733897"/>
+          </a:xfrm>
+          <a:prstGeom prst="rect">
+            <a:avLst/>
+          </a:prstGeom>
+        </p:spPr>
+      </p:pic>
+    </p:spTree>
+    <p:extLst>
+      <p:ext uri="{BB962C8B-B14F-4D97-AF65-F5344CB8AC3E}">
+        <p14:creationId xmlns:p14="http://schemas.microsoft.com/office/powerpoint/2010/main" val="3643273581"/>
+      </p:ext>
+    </p:extLst>
+  </p:cSld>
+  <p:clrMapOvr>
+    <a:masterClrMapping/>
+  </p:clrMapOvr>
+</p:sld>
+</file>
+
+<file path=ppt/slides/slide2.xml><?xml version="1.0" encoding="utf-8"?>
+<p:sld xmlns:a="http://schemas.openxmlformats.org/drawingml/2006/main" xmlns:r="http://schemas.openxmlformats.org/officeDocument/2006/relationships" xmlns:p="http://schemas.openxmlformats.org/presentationml/2006/main">
+  <p:cSld>
+    <p:spTree>
+      <p:nvGrpSpPr>
+        <p:cNvPr id="1" name=""/>
+        <p:cNvGrpSpPr/>
+        <p:nvPr/>
+      </p:nvGrpSpPr>
+      <p:grpSpPr>
+        <a:xfrm>
+          <a:off x="0" y="0"/>
+          <a:ext cx="0" cy="0"/>
+          <a:chOff x="0" y="0"/>
+          <a:chExt cx="0" cy="0"/>
+        </a:xfrm>
+      </p:grpSpPr>
+      <p:sp>
+        <p:nvSpPr>
+          <p:cNvPr id="2" name="제목 1">
+            <a:extLst>
+              <a:ext uri="{FF2B5EF4-FFF2-40B4-BE49-F238E27FC236}">
+                <a16:creationId xmlns:a16="http://schemas.microsoft.com/office/drawing/2014/main" id="{C540CC04-1585-4064-8907-459537D39D09}"/>
+              </a:ext>
+            </a:extLst>
+          </p:cNvPr>
+          <p:cNvSpPr>
+            <a:spLocks noGrp="1"/>
+          </p:cNvSpPr>
+          <p:nvPr>
+            <p:ph type="title"/>
+          </p:nvPr>
+        </p:nvSpPr>
+        <p:spPr/>
+        <p:txBody>
+          <a:bodyPr/>
+          <a:lstStyle/>
+          <a:p>
+            <a:r>
+              <a:rPr lang="en-US" altLang="ko-KR" dirty="0"/>
+              <a:t>Fundamental Concept</a:t>
+            </a:r>
+            <a:endParaRPr lang="ko-KR" altLang="en-US" dirty="0"/>
+          </a:p>
+        </p:txBody>
+      </p:sp>
+      <p:pic>
+        <p:nvPicPr>
+          <p:cNvPr id="6" name="내용 개체 틀 5">
+            <a:extLst>
+              <a:ext uri="{FF2B5EF4-FFF2-40B4-BE49-F238E27FC236}">
+                <a16:creationId xmlns:a16="http://schemas.microsoft.com/office/drawing/2014/main" id="{8A7DF99F-BAA2-4E8C-B089-F97B1F0BD1F6}"/>
+              </a:ext>
+            </a:extLst>
+          </p:cNvPr>
+          <p:cNvPicPr>
+            <a:picLocks noGrp="1" noChangeAspect="1"/>
+          </p:cNvPicPr>
+          <p:nvPr>
+            <p:ph idx="1"/>
+          </p:nvPr>
+        </p:nvPicPr>
+        <p:blipFill>
+          <a:blip r:embed="rId2">
+            <a:extLst>
+              <a:ext uri="{28A0092B-C50C-407E-A947-70E740481C1C}">
+                <a14:useLocalDpi xmlns:a14="http://schemas.microsoft.com/office/drawing/2010/main" val="0"/>
+              </a:ext>
+            </a:extLst>
+          </a:blip>
+          <a:stretch>
+            <a:fillRect/>
+          </a:stretch>
+        </p:blipFill>
+        <p:spPr>
+          <a:xfrm>
+            <a:off x="3379892" y="1772765"/>
+            <a:ext cx="5432216" cy="4351338"/>
+          </a:xfrm>
+        </p:spPr>
+      </p:pic>
+      <p:pic>
+        <p:nvPicPr>
+          <p:cNvPr id="4" name="그림 3">
+            <a:extLst>
+              <a:ext uri="{FF2B5EF4-FFF2-40B4-BE49-F238E27FC236}">
+                <a16:creationId xmlns:a16="http://schemas.microsoft.com/office/drawing/2014/main" id="{BD17100A-6263-4BAC-B87F-42153C247FDA}"/>
+              </a:ext>
+            </a:extLst>
+          </p:cNvPr>
+          <p:cNvPicPr>
+            <a:picLocks noChangeAspect="1"/>
+          </p:cNvPicPr>
+          <p:nvPr/>
+        </p:nvPicPr>
+        <p:blipFill>
+          <a:blip r:embed="rId3">
+            <a:extLst>
+              <a:ext uri="{28A0092B-C50C-407E-A947-70E740481C1C}">
+                <a14:useLocalDpi xmlns:a14="http://schemas.microsoft.com/office/drawing/2010/main" val="0"/>
+              </a:ext>
+            </a:extLst>
+          </a:blip>
+          <a:stretch>
+            <a:fillRect/>
+          </a:stretch>
+        </p:blipFill>
+        <p:spPr>
+          <a:xfrm>
+            <a:off x="9017429" y="6124103"/>
+            <a:ext cx="3031958" cy="733897"/>
+          </a:xfrm>
+          <a:prstGeom prst="rect">
+            <a:avLst/>
+          </a:prstGeom>
+        </p:spPr>
+      </p:pic>
+    </p:spTree>
+    <p:extLst>
+      <p:ext uri="{BB962C8B-B14F-4D97-AF65-F5344CB8AC3E}">
+        <p14:creationId xmlns:p14="http://schemas.microsoft.com/office/powerpoint/2010/main" val="3104638744"/>
+      </p:ext>
+    </p:extLst>
+  </p:cSld>
+  <p:clrMapOvr>
+    <a:masterClrMapping/>
+  </p:clrMapOvr>
+</p:sld>
+</file>
+
+<file path=ppt/slides/slide3.xml><?xml version="1.0" encoding="utf-8"?>
+<p:sld xmlns:a="http://schemas.openxmlformats.org/drawingml/2006/main" xmlns:r="http://schemas.openxmlformats.org/officeDocument/2006/relationships" xmlns:p="http://schemas.openxmlformats.org/presentationml/2006/main">
+  <p:cSld>
+    <p:spTree>
+      <p:nvGrpSpPr>
+        <p:cNvPr id="1" name=""/>
+        <p:cNvGrpSpPr/>
+        <p:nvPr/>
+      </p:nvGrpSpPr>
+      <p:grpSpPr>
+        <a:xfrm>
+          <a:off x="0" y="0"/>
+          <a:ext cx="0" cy="0"/>
+          <a:chOff x="0" y="0"/>
+          <a:chExt cx="0" cy="0"/>
+        </a:xfrm>
+      </p:grpSpPr>
+      <p:sp>
+        <p:nvSpPr>
+          <p:cNvPr id="2" name="제목 1">
+            <a:extLst>
+              <a:ext uri="{FF2B5EF4-FFF2-40B4-BE49-F238E27FC236}">
+                <a16:creationId xmlns:a16="http://schemas.microsoft.com/office/drawing/2014/main" id="{C540CC04-1585-4064-8907-459537D39D09}"/>
+              </a:ext>
+            </a:extLst>
+          </p:cNvPr>
+          <p:cNvSpPr>
+            <a:spLocks noGrp="1"/>
+          </p:cNvSpPr>
+          <p:nvPr>
+            <p:ph type="title"/>
+          </p:nvPr>
+        </p:nvSpPr>
+        <p:spPr/>
+        <p:txBody>
+          <a:bodyPr/>
+          <a:lstStyle/>
+          <a:p>
+            <a:r>
+              <a:rPr lang="en-US" altLang="ko-KR" dirty="0"/>
+              <a:t>Fundamental Concept</a:t>
+            </a:r>
+            <a:endParaRPr lang="ko-KR" altLang="en-US" dirty="0"/>
+          </a:p>
+        </p:txBody>
+      </p:sp>
+      <p:pic>
+        <p:nvPicPr>
+          <p:cNvPr id="4" name="그림 3">
+            <a:extLst>
+              <a:ext uri="{FF2B5EF4-FFF2-40B4-BE49-F238E27FC236}">
+                <a16:creationId xmlns:a16="http://schemas.microsoft.com/office/drawing/2014/main" id="{BD17100A-6263-4BAC-B87F-42153C247FDA}"/>
+              </a:ext>
+            </a:extLst>
+          </p:cNvPr>
+          <p:cNvPicPr>
+            <a:picLocks noChangeAspect="1"/>
+          </p:cNvPicPr>
+          <p:nvPr/>
+        </p:nvPicPr>
+        <p:blipFill>
+          <a:blip r:embed="rId2">
+            <a:extLst>
+              <a:ext uri="{28A0092B-C50C-407E-A947-70E740481C1C}">
+                <a14:useLocalDpi xmlns:a14="http://schemas.microsoft.com/office/drawing/2010/main" val="0"/>
+              </a:ext>
+            </a:extLst>
+          </a:blip>
+          <a:stretch>
+            <a:fillRect/>
+          </a:stretch>
+        </p:blipFill>
+        <p:spPr>
+          <a:xfrm>
+            <a:off x="9017429" y="6124103"/>
+            <a:ext cx="3031958" cy="733897"/>
+          </a:xfrm>
+          <a:prstGeom prst="rect">
+            <a:avLst/>
+          </a:prstGeom>
+        </p:spPr>
+      </p:pic>
+      <p:sp>
+        <p:nvSpPr>
+          <p:cNvPr id="5" name="내용 개체 틀 4">
+            <a:extLst>
+              <a:ext uri="{FF2B5EF4-FFF2-40B4-BE49-F238E27FC236}">
+                <a16:creationId xmlns:a16="http://schemas.microsoft.com/office/drawing/2014/main" id="{15A699E5-7E30-45BD-BE32-71C7AB56832A}"/>
+              </a:ext>
+            </a:extLst>
+          </p:cNvPr>
+          <p:cNvSpPr>
+            <a:spLocks noGrp="1"/>
+          </p:cNvSpPr>
+          <p:nvPr>
+            <p:ph idx="1"/>
+          </p:nvPr>
+        </p:nvSpPr>
+        <p:spPr/>
+        <p:txBody>
+          <a:bodyPr/>
+          <a:lstStyle/>
+          <a:p>
+            <a:pPr algn="l">
+              <a:buFont typeface="Arial" panose="020B0604020202020204" pitchFamily="34" charset="0"/>
+              <a:buChar char="•"/>
+            </a:pPr>
+            <a:r>
+              <a:rPr lang="en-US" altLang="ko-KR" b="0" i="0" dirty="0">
+                <a:solidFill>
+                  <a:srgbClr val="000000"/>
+                </a:solidFill>
+                <a:effectLst/>
+              </a:rPr>
+              <a:t>Using PCA, correlated multivariate data can be concisely represented as the main component.</a:t>
+            </a:r>
+          </a:p>
+          <a:p>
+            <a:pPr algn="l">
+              <a:buFont typeface="Arial" panose="020B0604020202020204" pitchFamily="34" charset="0"/>
+              <a:buChar char="•"/>
+            </a:pPr>
+            <a:r>
+              <a:rPr lang="en-US" altLang="ko-KR" b="0" i="0" dirty="0">
+                <a:solidFill>
+                  <a:srgbClr val="000000"/>
+                </a:solidFill>
+                <a:effectLst/>
+              </a:rPr>
+              <a:t>PCA is a method used to reduce variables in data.</a:t>
+            </a:r>
+          </a:p>
+          <a:p>
+            <a:pPr algn="l">
+              <a:buFont typeface="Arial" panose="020B0604020202020204" pitchFamily="34" charset="0"/>
+              <a:buChar char="•"/>
+            </a:pPr>
+            <a:r>
+              <a:rPr lang="en-US" altLang="ko-KR" b="0" i="0" dirty="0">
+                <a:solidFill>
+                  <a:srgbClr val="000000"/>
+                </a:solidFill>
+                <a:effectLst/>
+              </a:rPr>
+              <a:t>It is a representative dimension reduction method that can be applied to data that is correlated between variables.</a:t>
+            </a:r>
+          </a:p>
+          <a:p>
+            <a:pPr algn="l">
+              <a:buFont typeface="Arial" panose="020B0604020202020204" pitchFamily="34" charset="0"/>
+              <a:buChar char="•"/>
+            </a:pPr>
+            <a:r>
+              <a:rPr lang="en-US" altLang="ko-KR" b="0" i="0" dirty="0">
+                <a:solidFill>
+                  <a:srgbClr val="000000"/>
+                </a:solidFill>
+                <a:effectLst/>
+              </a:rPr>
+              <a:t>Dimension reduction means 'It is expressed as several variables while maintaining the characteristics of data with many variables.'</a:t>
+            </a:r>
+          </a:p>
+          <a:p>
+            <a:pPr algn="l">
+              <a:buFont typeface="Arial" panose="020B0604020202020204" pitchFamily="34" charset="0"/>
+              <a:buChar char="•"/>
+            </a:pPr>
+            <a:r>
+              <a:rPr lang="en-US" altLang="ko-KR" b="0" i="0" dirty="0">
+                <a:solidFill>
+                  <a:srgbClr val="000000"/>
+                </a:solidFill>
+                <a:effectLst/>
+              </a:rPr>
+              <a:t>It helps reduce complexity when analyzing multivariate data.</a:t>
+            </a:r>
+          </a:p>
+        </p:txBody>
+      </p:sp>
+    </p:spTree>
+    <p:extLst>
+      <p:ext uri="{BB962C8B-B14F-4D97-AF65-F5344CB8AC3E}">
+        <p14:creationId xmlns:p14="http://schemas.microsoft.com/office/powerpoint/2010/main" val="301880539"/>
+      </p:ext>
+    </p:extLst>
+  </p:cSld>
+  <p:clrMapOvr>
+    <a:masterClrMapping/>
+  </p:clrMapOvr>
+</p:sld>
+</file>
+
+<file path=ppt/slides/slide4.xml><?xml version="1.0" encoding="utf-8"?>
+<p:sld xmlns:a="http://schemas.openxmlformats.org/drawingml/2006/main" xmlns:r="http://schemas.openxmlformats.org/officeDocument/2006/relationships" xmlns:p="http://schemas.openxmlformats.org/presentationml/2006/main">
+  <p:cSld>
+    <p:spTree>
+      <p:nvGrpSpPr>
+        <p:cNvPr id="1" name=""/>
+        <p:cNvGrpSpPr/>
+        <p:nvPr/>
+      </p:nvGrpSpPr>
+      <p:grpSpPr>
+        <a:xfrm>
+          <a:off x="0" y="0"/>
+          <a:ext cx="0" cy="0"/>
+          <a:chOff x="0" y="0"/>
+          <a:chExt cx="0" cy="0"/>
+        </a:xfrm>
+      </p:grpSpPr>
+      <p:sp>
+        <p:nvSpPr>
+          <p:cNvPr id="2" name="제목 1">
+            <a:extLst>
+              <a:ext uri="{FF2B5EF4-FFF2-40B4-BE49-F238E27FC236}">
+                <a16:creationId xmlns:a16="http://schemas.microsoft.com/office/drawing/2014/main" id="{C540CC04-1585-4064-8907-459537D39D09}"/>
+              </a:ext>
+            </a:extLst>
+          </p:cNvPr>
+          <p:cNvSpPr>
+            <a:spLocks noGrp="1"/>
+          </p:cNvSpPr>
+          <p:nvPr>
+            <p:ph type="title"/>
+          </p:nvPr>
+        </p:nvSpPr>
+        <p:spPr/>
+        <p:txBody>
+          <a:bodyPr/>
+          <a:lstStyle/>
+          <a:p>
+            <a:r>
+              <a:rPr lang="en-US" altLang="ko-KR" dirty="0"/>
+              <a:t>Fundamental Concept</a:t>
+            </a:r>
+            <a:endParaRPr lang="ko-KR" altLang="en-US" dirty="0"/>
+          </a:p>
+        </p:txBody>
+      </p:sp>
+      <p:pic>
+        <p:nvPicPr>
+          <p:cNvPr id="4" name="그림 3">
+            <a:extLst>
+              <a:ext uri="{FF2B5EF4-FFF2-40B4-BE49-F238E27FC236}">
+                <a16:creationId xmlns:a16="http://schemas.microsoft.com/office/drawing/2014/main" id="{BD17100A-6263-4BAC-B87F-42153C247FDA}"/>
+              </a:ext>
+            </a:extLst>
+          </p:cNvPr>
+          <p:cNvPicPr>
+            <a:picLocks noChangeAspect="1"/>
+          </p:cNvPicPr>
+          <p:nvPr/>
+        </p:nvPicPr>
+        <p:blipFill>
+          <a:blip r:embed="rId2">
+            <a:extLst>
+              <a:ext uri="{28A0092B-C50C-407E-A947-70E740481C1C}">
+                <a14:useLocalDpi xmlns:a14="http://schemas.microsoft.com/office/drawing/2010/main" val="0"/>
+              </a:ext>
+            </a:extLst>
+          </a:blip>
+          <a:stretch>
+            <a:fillRect/>
+          </a:stretch>
+        </p:blipFill>
+        <p:spPr>
+          <a:xfrm>
+            <a:off x="9017429" y="6124103"/>
+            <a:ext cx="3031958" cy="733897"/>
+          </a:xfrm>
+          <a:prstGeom prst="rect">
+            <a:avLst/>
+          </a:prstGeom>
+        </p:spPr>
+      </p:pic>
+      <p:sp>
+        <p:nvSpPr>
+          <p:cNvPr id="5" name="내용 개체 틀 4">
+            <a:extLst>
+              <a:ext uri="{FF2B5EF4-FFF2-40B4-BE49-F238E27FC236}">
+                <a16:creationId xmlns:a16="http://schemas.microsoft.com/office/drawing/2014/main" id="{15A699E5-7E30-45BD-BE32-71C7AB56832A}"/>
+              </a:ext>
+            </a:extLst>
+          </p:cNvPr>
+          <p:cNvSpPr>
+            <a:spLocks noGrp="1"/>
+          </p:cNvSpPr>
+          <p:nvPr>
+            <p:ph idx="1"/>
+          </p:nvPr>
+        </p:nvSpPr>
+        <p:spPr/>
+        <p:txBody>
+          <a:bodyPr/>
+          <a:lstStyle/>
+          <a:p>
+            <a:pPr algn="l">
+              <a:buFont typeface="Arial" panose="020B0604020202020204" pitchFamily="34" charset="0"/>
+              <a:buChar char="•"/>
+            </a:pPr>
+            <a:r>
+              <a:rPr lang="en-US" altLang="ko-KR" b="0" i="0" dirty="0">
+                <a:solidFill>
+                  <a:srgbClr val="000000"/>
+                </a:solidFill>
+                <a:effectLst/>
+              </a:rPr>
+              <a:t>Two ways to reduce variables</a:t>
+            </a:r>
+          </a:p>
+          <a:p>
+            <a:pPr marL="742950" lvl="1" indent="-285750" algn="l">
+              <a:buFont typeface="Arial" panose="020B0604020202020204" pitchFamily="34" charset="0"/>
+              <a:buChar char="•"/>
+            </a:pPr>
+            <a:r>
+              <a:rPr lang="en-US" altLang="ko-KR" b="0" i="0" dirty="0">
+                <a:solidFill>
+                  <a:srgbClr val="000000"/>
+                </a:solidFill>
+                <a:effectLst/>
+              </a:rPr>
+              <a:t>Choose only important variables and do not use the remaining variables.</a:t>
+            </a:r>
+          </a:p>
+          <a:p>
+            <a:pPr marL="742950" lvl="1" indent="-285750" algn="l">
+              <a:buFont typeface="Arial" panose="020B0604020202020204" pitchFamily="34" charset="0"/>
+              <a:buChar char="•"/>
+            </a:pPr>
+            <a:r>
+              <a:rPr lang="en-US" altLang="ko-KR" b="0" i="0" dirty="0">
+                <a:solidFill>
+                  <a:srgbClr val="000000"/>
+                </a:solidFill>
+                <a:effectLst/>
+              </a:rPr>
+              <a:t>constructing a new variable from the original data variable</a:t>
+            </a:r>
+          </a:p>
+          <a:p>
+            <a:pPr algn="l">
+              <a:buFont typeface="Arial" panose="020B0604020202020204" pitchFamily="34" charset="0"/>
+              <a:buChar char="•"/>
+            </a:pPr>
+            <a:r>
+              <a:rPr lang="en-US" altLang="ko-KR" b="0" i="0" dirty="0">
+                <a:solidFill>
+                  <a:srgbClr val="000000"/>
+                </a:solidFill>
+                <a:effectLst/>
+              </a:rPr>
+              <a:t>PCA reduces variables by constructing a new variable from the original data variable</a:t>
+            </a:r>
+          </a:p>
+          <a:p>
+            <a:pPr algn="l">
+              <a:buFont typeface="Arial" panose="020B0604020202020204" pitchFamily="34" charset="0"/>
+              <a:buChar char="•"/>
+            </a:pPr>
+            <a:r>
+              <a:rPr lang="en-US" altLang="ko-KR" b="0" i="0" dirty="0">
+                <a:solidFill>
+                  <a:srgbClr val="000000"/>
+                </a:solidFill>
+                <a:effectLst/>
+              </a:rPr>
+              <a:t>The data represented in a high-dimensional space is represented by a lower-dimensional variable.</a:t>
+            </a:r>
+          </a:p>
+          <a:p>
+            <a:pPr algn="l">
+              <a:buFont typeface="Arial" panose="020B0604020202020204" pitchFamily="34" charset="0"/>
+              <a:buChar char="•"/>
+            </a:pPr>
+            <a:r>
+              <a:rPr lang="en-US" altLang="ko-KR" b="0" i="0" dirty="0">
+                <a:solidFill>
+                  <a:srgbClr val="000000"/>
+                </a:solidFill>
+                <a:effectLst/>
+              </a:rPr>
+              <a:t>We call lower-dimensional axis as a principal component</a:t>
+            </a:r>
+          </a:p>
+          <a:p>
+            <a:pPr algn="l">
+              <a:buFont typeface="Arial" panose="020B0604020202020204" pitchFamily="34" charset="0"/>
+              <a:buChar char="•"/>
+            </a:pPr>
+            <a:endParaRPr lang="en-US" altLang="ko-KR" b="0" i="0" dirty="0">
+              <a:solidFill>
+                <a:srgbClr val="000000"/>
+              </a:solidFill>
+              <a:effectLst/>
+            </a:endParaRPr>
+          </a:p>
+        </p:txBody>
+      </p:sp>
+    </p:spTree>
+    <p:extLst>
+      <p:ext uri="{BB962C8B-B14F-4D97-AF65-F5344CB8AC3E}">
+        <p14:creationId xmlns:p14="http://schemas.microsoft.com/office/powerpoint/2010/main" val="3324600363"/>
+      </p:ext>
+    </p:extLst>
+  </p:cSld>
+  <p:clrMapOvr>
+    <a:masterClrMapping/>
+  </p:clrMapOvr>
+</p:sld>
+</file>
+
+<file path=ppt/slides/slide5.xml><?xml version="1.0" encoding="utf-8"?>
+<p:sld xmlns:a="http://schemas.openxmlformats.org/drawingml/2006/main" xmlns:r="http://schemas.openxmlformats.org/officeDocument/2006/relationships" xmlns:p="http://schemas.openxmlformats.org/presentationml/2006/main">
+  <p:cSld>
+    <p:spTree>
+      <p:nvGrpSpPr>
+        <p:cNvPr id="1" name=""/>
+        <p:cNvGrpSpPr/>
+        <p:nvPr/>
+      </p:nvGrpSpPr>
+      <p:grpSpPr>
+        <a:xfrm>
+          <a:off x="0" y="0"/>
+          <a:ext cx="0" cy="0"/>
+          <a:chOff x="0" y="0"/>
+          <a:chExt cx="0" cy="0"/>
+        </a:xfrm>
+      </p:grpSpPr>
+      <p:sp>
+        <p:nvSpPr>
+          <p:cNvPr id="2" name="제목 1">
+            <a:extLst>
+              <a:ext uri="{FF2B5EF4-FFF2-40B4-BE49-F238E27FC236}">
+                <a16:creationId xmlns:a16="http://schemas.microsoft.com/office/drawing/2014/main" id="{C540CC04-1585-4064-8907-459537D39D09}"/>
+              </a:ext>
+            </a:extLst>
+          </p:cNvPr>
+          <p:cNvSpPr>
+            <a:spLocks noGrp="1"/>
+          </p:cNvSpPr>
+          <p:nvPr>
+            <p:ph type="title"/>
+          </p:nvPr>
+        </p:nvSpPr>
+        <p:spPr/>
+        <p:txBody>
+          <a:bodyPr/>
+          <a:lstStyle/>
+          <a:p>
+            <a:r>
+              <a:rPr lang="en-US" altLang="ko-KR" dirty="0"/>
+              <a:t>Fundamental Concept</a:t>
+            </a:r>
+            <a:endParaRPr lang="ko-KR" altLang="en-US" dirty="0"/>
+          </a:p>
+        </p:txBody>
+      </p:sp>
+      <p:pic>
+        <p:nvPicPr>
+          <p:cNvPr id="4" name="그림 3">
+            <a:extLst>
+              <a:ext uri="{FF2B5EF4-FFF2-40B4-BE49-F238E27FC236}">
+                <a16:creationId xmlns:a16="http://schemas.microsoft.com/office/drawing/2014/main" id="{BD17100A-6263-4BAC-B87F-42153C247FDA}"/>
+              </a:ext>
+            </a:extLst>
+          </p:cNvPr>
+          <p:cNvPicPr>
+            <a:picLocks noChangeAspect="1"/>
+          </p:cNvPicPr>
+          <p:nvPr/>
+        </p:nvPicPr>
+        <p:blipFill>
+          <a:blip r:embed="rId2">
+            <a:extLst>
+              <a:ext uri="{28A0092B-C50C-407E-A947-70E740481C1C}">
+                <a14:useLocalDpi xmlns:a14="http://schemas.microsoft.com/office/drawing/2010/main" val="0"/>
+              </a:ext>
+            </a:extLst>
+          </a:blip>
+          <a:stretch>
+            <a:fillRect/>
+          </a:stretch>
+        </p:blipFill>
+        <p:spPr>
+          <a:xfrm>
+            <a:off x="9017429" y="6124103"/>
+            <a:ext cx="3031958" cy="733897"/>
+          </a:xfrm>
+          <a:prstGeom prst="rect">
+            <a:avLst/>
+          </a:prstGeom>
+        </p:spPr>
+      </p:pic>
+      <p:sp>
+        <p:nvSpPr>
+          <p:cNvPr id="5" name="내용 개체 틀 4">
+            <a:extLst>
+              <a:ext uri="{FF2B5EF4-FFF2-40B4-BE49-F238E27FC236}">
+                <a16:creationId xmlns:a16="http://schemas.microsoft.com/office/drawing/2014/main" id="{15A699E5-7E30-45BD-BE32-71C7AB56832A}"/>
+              </a:ext>
+            </a:extLst>
+          </p:cNvPr>
+          <p:cNvSpPr>
+            <a:spLocks noGrp="1"/>
+          </p:cNvSpPr>
+          <p:nvPr>
+            <p:ph idx="1"/>
+          </p:nvPr>
+        </p:nvSpPr>
+        <p:spPr/>
+        <p:txBody>
+          <a:bodyPr>
+            <a:normAutofit fontScale="92500" lnSpcReduction="10000"/>
+          </a:bodyPr>
+          <a:lstStyle/>
+          <a:p>
+            <a:pPr algn="l">
+              <a:buFont typeface="+mj-lt"/>
+              <a:buAutoNum type="arabicPeriod"/>
+            </a:pPr>
+            <a:r>
+              <a:rPr lang="en-US" altLang="ko-KR" b="0" i="0" dirty="0">
+                <a:solidFill>
+                  <a:srgbClr val="000000"/>
+                </a:solidFill>
+                <a:effectLst/>
+              </a:rPr>
+              <a:t>Find the direction and importance necessary for data principal component analysis.</a:t>
+            </a:r>
+          </a:p>
+          <a:p>
+            <a:pPr lvl="1"/>
+            <a:r>
+              <a:rPr lang="en-US" altLang="ko-KR" b="0" i="0" dirty="0">
+                <a:solidFill>
+                  <a:srgbClr val="000000"/>
+                </a:solidFill>
+                <a:effectLst/>
+              </a:rPr>
+              <a:t>The direction of the line is the direction of the data.</a:t>
+            </a:r>
+          </a:p>
+          <a:p>
+            <a:pPr lvl="1"/>
+            <a:r>
+              <a:rPr lang="en-US" altLang="ko-KR" b="0" i="0" dirty="0">
+                <a:solidFill>
+                  <a:srgbClr val="000000"/>
+                </a:solidFill>
+                <a:effectLst/>
+              </a:rPr>
+              <a:t>Length represents importance.</a:t>
+            </a:r>
+          </a:p>
+          <a:p>
+            <a:pPr marL="1143000" lvl="2" indent="-228600" algn="l">
+              <a:buFont typeface="+mj-lt"/>
+              <a:buAutoNum type="arabicPeriod"/>
+            </a:pPr>
+            <a:r>
+              <a:rPr lang="en-US" altLang="ko-KR" b="0" i="0" dirty="0">
+                <a:solidFill>
+                  <a:srgbClr val="000000"/>
+                </a:solidFill>
+                <a:effectLst/>
+              </a:rPr>
+              <a:t>The direction of the data is determined by how much weight is assigned to the data variable when configuring a new variable.</a:t>
+            </a:r>
+          </a:p>
+          <a:p>
+            <a:pPr marL="1143000" lvl="2" indent="-228600" algn="l">
+              <a:buFont typeface="+mj-lt"/>
+              <a:buAutoNum type="arabicPeriod"/>
+            </a:pPr>
+            <a:r>
+              <a:rPr lang="en-US" altLang="ko-KR" b="0" i="0" dirty="0">
+                <a:solidFill>
+                  <a:srgbClr val="000000"/>
+                </a:solidFill>
+                <a:effectLst/>
+              </a:rPr>
+              <a:t>The importance of data is related to changes in variables.</a:t>
+            </a:r>
+          </a:p>
+          <a:p>
+            <a:pPr algn="l">
+              <a:buFont typeface="+mj-lt"/>
+              <a:buAutoNum type="arabicPeriod"/>
+            </a:pPr>
+            <a:r>
+              <a:rPr lang="en-US" altLang="ko-KR" b="0" i="0" dirty="0">
+                <a:solidFill>
+                  <a:srgbClr val="000000"/>
+                </a:solidFill>
+                <a:effectLst/>
+              </a:rPr>
+              <a:t>The orthogonal line is used as a new axis and converted into original data.</a:t>
+            </a:r>
+          </a:p>
+          <a:p>
+            <a:pPr marL="742950" lvl="1" indent="-285750" algn="l">
+              <a:buFont typeface="+mj-lt"/>
+              <a:buAutoNum type="arabicPeriod"/>
+            </a:pPr>
+            <a:r>
+              <a:rPr lang="en-US" altLang="ko-KR" b="0" i="0" dirty="0">
+                <a:solidFill>
+                  <a:srgbClr val="000000"/>
+                </a:solidFill>
+                <a:effectLst/>
+              </a:rPr>
+              <a:t>The changed data at this time is called the principal component score.</a:t>
+            </a:r>
+          </a:p>
+          <a:p>
+            <a:pPr marL="742950" lvl="1" indent="-285750" algn="l">
+              <a:buFont typeface="+mj-lt"/>
+              <a:buAutoNum type="arabicPeriod"/>
+            </a:pPr>
+            <a:r>
+              <a:rPr lang="en-US" altLang="ko-KR" b="0" i="0" dirty="0">
+                <a:solidFill>
+                  <a:srgbClr val="000000"/>
+                </a:solidFill>
+                <a:effectLst/>
+              </a:rPr>
+              <a:t>It is called the first principal component and the second principal component from the value of the axis with the greatest importance among the principal components.</a:t>
+            </a:r>
+          </a:p>
+          <a:p>
+            <a:pPr algn="l">
+              <a:buFont typeface="Arial" panose="020B0604020202020204" pitchFamily="34" charset="0"/>
+              <a:buChar char="•"/>
+            </a:pPr>
+            <a:endParaRPr lang="en-US" altLang="ko-KR" b="0" i="0" dirty="0">
+              <a:solidFill>
+                <a:srgbClr val="000000"/>
+              </a:solidFill>
+              <a:effectLst/>
+            </a:endParaRPr>
+          </a:p>
+        </p:txBody>
+      </p:sp>
+    </p:spTree>
+    <p:extLst>
+      <p:ext uri="{BB962C8B-B14F-4D97-AF65-F5344CB8AC3E}">
+        <p14:creationId xmlns:p14="http://schemas.microsoft.com/office/powerpoint/2010/main" val="3884379556"/>
+      </p:ext>
+    </p:extLst>
+  </p:cSld>
+  <p:clrMapOvr>
+    <a:masterClrMapping/>
+  </p:clrMapOvr>
+</p:sld>
+</file>
+
+<file path=ppt/slides/slide6.xml><?xml version="1.0" encoding="utf-8"?>
+<p:sld xmlns:a="http://schemas.openxmlformats.org/drawingml/2006/main" xmlns:r="http://schemas.openxmlformats.org/officeDocument/2006/relationships" xmlns:p="http://schemas.openxmlformats.org/presentationml/2006/main">
+  <p:cSld>
+    <p:spTree>
+      <p:nvGrpSpPr>
+        <p:cNvPr id="1" name=""/>
+        <p:cNvGrpSpPr/>
+        <p:nvPr/>
+      </p:nvGrpSpPr>
+      <p:grpSpPr>
+        <a:xfrm>
+          <a:off x="0" y="0"/>
+          <a:ext cx="0" cy="0"/>
+          <a:chOff x="0" y="0"/>
+          <a:chExt cx="0" cy="0"/>
+        </a:xfrm>
+      </p:grpSpPr>
+      <p:sp>
+        <p:nvSpPr>
+          <p:cNvPr id="2" name="제목 1">
+            <a:extLst>
+              <a:ext uri="{FF2B5EF4-FFF2-40B4-BE49-F238E27FC236}">
+                <a16:creationId xmlns:a16="http://schemas.microsoft.com/office/drawing/2014/main" id="{C540CC04-1585-4064-8907-459537D39D09}"/>
+              </a:ext>
+            </a:extLst>
+          </p:cNvPr>
+          <p:cNvSpPr>
+            <a:spLocks noGrp="1"/>
+          </p:cNvSpPr>
+          <p:nvPr>
+            <p:ph type="title"/>
+          </p:nvPr>
+        </p:nvSpPr>
+        <p:spPr/>
+        <p:txBody>
+          <a:bodyPr/>
+          <a:lstStyle/>
+          <a:p>
+            <a:r>
+              <a:rPr lang="en-US" altLang="ko-KR" dirty="0"/>
+              <a:t>Algorithm</a:t>
+            </a:r>
+            <a:endParaRPr lang="ko-KR" altLang="en-US" dirty="0"/>
+          </a:p>
+        </p:txBody>
+      </p:sp>
+      <p:pic>
+        <p:nvPicPr>
+          <p:cNvPr id="4" name="그림 3">
+            <a:extLst>
+              <a:ext uri="{FF2B5EF4-FFF2-40B4-BE49-F238E27FC236}">
+                <a16:creationId xmlns:a16="http://schemas.microsoft.com/office/drawing/2014/main" id="{BD17100A-6263-4BAC-B87F-42153C247FDA}"/>
+              </a:ext>
+            </a:extLst>
+          </p:cNvPr>
+          <p:cNvPicPr>
+            <a:picLocks noChangeAspect="1"/>
+          </p:cNvPicPr>
+          <p:nvPr/>
+        </p:nvPicPr>
+        <p:blipFill>
+          <a:blip r:embed="rId2">
+            <a:extLst>
+              <a:ext uri="{28A0092B-C50C-407E-A947-70E740481C1C}">
+                <a14:useLocalDpi xmlns:a14="http://schemas.microsoft.com/office/drawing/2010/main" val="0"/>
+              </a:ext>
+            </a:extLst>
+          </a:blip>
+          <a:stretch>
+            <a:fillRect/>
+          </a:stretch>
+        </p:blipFill>
+        <p:spPr>
+          <a:xfrm>
+            <a:off x="9017429" y="6124103"/>
+            <a:ext cx="3031958" cy="733897"/>
+          </a:xfrm>
+          <a:prstGeom prst="rect">
+            <a:avLst/>
+          </a:prstGeom>
+        </p:spPr>
+      </p:pic>
+      <p:sp>
+        <p:nvSpPr>
+          <p:cNvPr id="5" name="내용 개체 틀 4">
+            <a:extLst>
+              <a:ext uri="{FF2B5EF4-FFF2-40B4-BE49-F238E27FC236}">
+                <a16:creationId xmlns:a16="http://schemas.microsoft.com/office/drawing/2014/main" id="{15A699E5-7E30-45BD-BE32-71C7AB56832A}"/>
+              </a:ext>
+            </a:extLst>
+          </p:cNvPr>
+          <p:cNvSpPr>
+            <a:spLocks noGrp="1"/>
+          </p:cNvSpPr>
+          <p:nvPr>
+            <p:ph idx="1"/>
+          </p:nvPr>
+        </p:nvSpPr>
+        <p:spPr/>
+        <p:txBody>
+          <a:bodyPr>
+            <a:normAutofit/>
+          </a:bodyPr>
+          <a:lstStyle/>
+          <a:p>
+            <a:pPr algn="l">
+              <a:buFont typeface="Arial" panose="020B0604020202020204" pitchFamily="34" charset="0"/>
+              <a:buChar char="•"/>
+            </a:pPr>
+            <a:r>
+              <a:rPr lang="en-US" altLang="ko-KR" b="0" i="0" dirty="0">
+                <a:solidFill>
+                  <a:srgbClr val="000000"/>
+                </a:solidFill>
+                <a:effectLst/>
+              </a:rPr>
+              <a:t>The principal component analysis calculates the principal component in the following order.</a:t>
+            </a:r>
+          </a:p>
+          <a:p>
+            <a:pPr marL="971550" lvl="1" indent="-514350">
+              <a:buFont typeface="+mj-lt"/>
+              <a:buAutoNum type="arabicPeriod"/>
+            </a:pPr>
+            <a:r>
+              <a:rPr lang="en-US" altLang="ko-KR" b="0" i="0" dirty="0">
+                <a:solidFill>
+                  <a:srgbClr val="000000"/>
+                </a:solidFill>
+                <a:effectLst/>
+              </a:rPr>
+              <a:t>Calculate variance covariance matrix</a:t>
+            </a:r>
+          </a:p>
+          <a:p>
+            <a:pPr marL="971550" lvl="1" indent="-514350">
+              <a:buFont typeface="+mj-lt"/>
+              <a:buAutoNum type="arabicPeriod"/>
+            </a:pPr>
+            <a:r>
+              <a:rPr lang="en-US" altLang="ko-KR" dirty="0">
+                <a:solidFill>
+                  <a:srgbClr val="000000"/>
+                </a:solidFill>
+              </a:rPr>
+              <a:t>Solve eigenvalue problems and calculate eigenvalue of eigenvectors</a:t>
+            </a:r>
+          </a:p>
+          <a:p>
+            <a:pPr marL="971550" lvl="1" indent="-514350">
+              <a:buFont typeface="+mj-lt"/>
+              <a:buAutoNum type="arabicPeriod"/>
+            </a:pPr>
+            <a:r>
+              <a:rPr lang="en-US" altLang="ko-KR" dirty="0">
+                <a:solidFill>
+                  <a:srgbClr val="000000"/>
+                </a:solidFill>
+              </a:rPr>
+              <a:t>Construct data in each principal component direction</a:t>
+            </a:r>
+            <a:endParaRPr lang="en-US" altLang="ko-KR" b="0" i="0" dirty="0">
+              <a:solidFill>
+                <a:srgbClr val="000000"/>
+              </a:solidFill>
+              <a:effectLst/>
+            </a:endParaRPr>
+          </a:p>
+        </p:txBody>
+      </p:sp>
+    </p:spTree>
+    <p:extLst>
+      <p:ext uri="{BB962C8B-B14F-4D97-AF65-F5344CB8AC3E}">
+        <p14:creationId xmlns:p14="http://schemas.microsoft.com/office/powerpoint/2010/main" val="3830762058"/>
+      </p:ext>
+    </p:extLst>
+  </p:cSld>
+  <p:clrMapOvr>
+    <a:masterClrMapping/>
+  </p:clrMapOvr>
+</p:sld>
+</file>
+
+<file path=ppt/slides/slide7.xml><?xml version="1.0" encoding="utf-8"?>
+<p:sld xmlns:a="http://schemas.openxmlformats.org/drawingml/2006/main" xmlns:r="http://schemas.openxmlformats.org/officeDocument/2006/relationships" xmlns:p="http://schemas.openxmlformats.org/presentationml/2006/main">
+  <p:cSld>
+    <p:spTree>
+      <p:nvGrpSpPr>
+        <p:cNvPr id="1" name=""/>
+        <p:cNvGrpSpPr/>
+        <p:nvPr/>
+      </p:nvGrpSpPr>
+      <p:grpSpPr>
+        <a:xfrm>
+          <a:off x="0" y="0"/>
+          <a:ext cx="0" cy="0"/>
+          <a:chOff x="0" y="0"/>
+          <a:chExt cx="0" cy="0"/>
+        </a:xfrm>
+      </p:grpSpPr>
+      <p:sp>
+        <p:nvSpPr>
+          <p:cNvPr id="2" name="제목 1">
+            <a:extLst>
+              <a:ext uri="{FF2B5EF4-FFF2-40B4-BE49-F238E27FC236}">
+                <a16:creationId xmlns:a16="http://schemas.microsoft.com/office/drawing/2014/main" id="{6166E8EE-6B62-48E8-9FF1-9D1DBC7A7802}"/>
+              </a:ext>
+            </a:extLst>
+          </p:cNvPr>
+          <p:cNvSpPr>
+            <a:spLocks noGrp="1"/>
+          </p:cNvSpPr>
+          <p:nvPr>
+            <p:ph type="title"/>
+          </p:nvPr>
+        </p:nvSpPr>
+        <p:spPr/>
+        <p:txBody>
+          <a:bodyPr/>
+          <a:lstStyle/>
+          <a:p>
+            <a:r>
+              <a:rPr lang="en-US" altLang="ko-KR" dirty="0"/>
+              <a:t>Algorithm</a:t>
+            </a:r>
+            <a:br>
+              <a:rPr lang="en-US" altLang="ko-KR" dirty="0"/>
+            </a:br>
+            <a:r>
+              <a:rPr lang="en-US" altLang="ko-KR" sz="2400" dirty="0"/>
+              <a:t>Covariance</a:t>
+            </a:r>
+            <a:endParaRPr lang="ko-KR" altLang="en-US" dirty="0"/>
+          </a:p>
+        </p:txBody>
+      </p:sp>
+      <mc:AlternateContent xmlns:mc="http://schemas.openxmlformats.org/markup-compatibility/2006">
+        <mc:Choice xmlns:a14="http://schemas.microsoft.com/office/drawing/2010/main" Requires="a14">
+          <p:sp>
+            <p:nvSpPr>
+              <p:cNvPr id="3" name="내용 개체 틀 2">
+                <a:extLst>
+                  <a:ext uri="{FF2B5EF4-FFF2-40B4-BE49-F238E27FC236}">
+                    <a16:creationId xmlns:a16="http://schemas.microsoft.com/office/drawing/2014/main" id="{95CEB723-4D47-4A31-B6AC-79A38743128B}"/>
+                  </a:ext>
+                </a:extLst>
+              </p:cNvPr>
+              <p:cNvSpPr>
+                <a:spLocks noGrp="1"/>
+              </p:cNvSpPr>
+              <p:nvPr>
+                <p:ph idx="1"/>
+              </p:nvPr>
+            </p:nvSpPr>
+            <p:spPr/>
+            <p:txBody>
+              <a:bodyPr>
+                <a:normAutofit lnSpcReduction="10000"/>
+              </a:bodyPr>
+              <a:lstStyle/>
+              <a:p>
+                <a:r>
+                  <a:rPr lang="en-US" altLang="ko-KR" b="0" i="0" dirty="0">
+                    <a:solidFill>
+                      <a:srgbClr val="000000"/>
+                    </a:solidFill>
+                    <a:effectLst/>
+                  </a:rPr>
+                  <a:t>The covariance is a value representing the relationship between data points </a:t>
+                </a:r>
+                <a14:m>
+                  <m:oMath xmlns:m="http://schemas.openxmlformats.org/officeDocument/2006/math">
+                    <m:r>
+                      <a:rPr lang="en-US" altLang="ko-KR" b="0" i="1" smtClean="0">
+                        <a:solidFill>
+                          <a:srgbClr val="000000"/>
+                        </a:solidFill>
+                        <a:effectLst/>
+                        <a:latin typeface="Cambria Math" panose="02040503050406030204" pitchFamily="18" charset="0"/>
+                      </a:rPr>
+                      <m:t>𝑥</m:t>
+                    </m:r>
+                  </m:oMath>
+                </a14:m>
+                <a:r>
+                  <a:rPr lang="en-US" altLang="ko-KR" b="0" i="0" dirty="0">
+                    <a:solidFill>
+                      <a:srgbClr val="000000"/>
+                    </a:solidFill>
+                    <a:effectLst/>
+                  </a:rPr>
+                  <a:t> and </a:t>
+                </a:r>
+                <a14:m>
+                  <m:oMath xmlns:m="http://schemas.openxmlformats.org/officeDocument/2006/math">
+                    <m:r>
+                      <a:rPr lang="en-US" altLang="ko-KR" b="0" i="1" dirty="0" smtClean="0">
+                        <a:solidFill>
+                          <a:srgbClr val="000000"/>
+                        </a:solidFill>
+                        <a:effectLst/>
+                        <a:latin typeface="Cambria Math" panose="02040503050406030204" pitchFamily="18" charset="0"/>
+                      </a:rPr>
+                      <m:t>𝑦</m:t>
+                    </m:r>
+                  </m:oMath>
+                </a14:m>
+                <a:r>
+                  <a:rPr lang="en-US" altLang="ko-KR" b="0" i="0" dirty="0">
+                    <a:solidFill>
+                      <a:srgbClr val="000000"/>
+                    </a:solidFill>
+                    <a:effectLst/>
+                  </a:rPr>
+                  <a:t>.</a:t>
+                </a:r>
+              </a:p>
+              <a:p>
+                <a:r>
+                  <a:rPr lang="en-US" altLang="ko-KR" b="0" i="0" dirty="0">
+                    <a:solidFill>
+                      <a:srgbClr val="000000"/>
+                    </a:solidFill>
+                    <a:effectLst/>
+                  </a:rPr>
+                  <a:t>The mean was calculated after multiplying the difference between the mean and the data point of each of </a:t>
+                </a:r>
+                <a14:m>
+                  <m:oMath xmlns:m="http://schemas.openxmlformats.org/officeDocument/2006/math">
+                    <m:r>
+                      <a:rPr lang="en-US" altLang="ko-KR" b="0" i="1" smtClean="0">
+                        <a:solidFill>
+                          <a:srgbClr val="000000"/>
+                        </a:solidFill>
+                        <a:effectLst/>
+                        <a:latin typeface="Cambria Math" panose="02040503050406030204" pitchFamily="18" charset="0"/>
+                      </a:rPr>
+                      <m:t>𝑥</m:t>
+                    </m:r>
+                  </m:oMath>
+                </a14:m>
+                <a:r>
+                  <a:rPr lang="en-US" altLang="ko-KR" b="0" i="0" dirty="0">
+                    <a:solidFill>
+                      <a:srgbClr val="000000"/>
+                    </a:solidFill>
+                    <a:effectLst/>
+                  </a:rPr>
+                  <a:t> and </a:t>
+                </a:r>
+                <a14:m>
+                  <m:oMath xmlns:m="http://schemas.openxmlformats.org/officeDocument/2006/math">
+                    <m:r>
+                      <a:rPr lang="en-US" altLang="ko-KR" i="1" dirty="0">
+                        <a:solidFill>
+                          <a:srgbClr val="000000"/>
+                        </a:solidFill>
+                        <a:latin typeface="Cambria Math" panose="02040503050406030204" pitchFamily="18" charset="0"/>
+                      </a:rPr>
+                      <m:t>𝑦</m:t>
+                    </m:r>
+                  </m:oMath>
+                </a14:m>
+                <a:r>
+                  <a:rPr lang="en-US" altLang="ko-KR" b="0" i="0" dirty="0">
+                    <a:solidFill>
+                      <a:srgbClr val="000000"/>
+                    </a:solidFill>
+                    <a:effectLst/>
+                  </a:rPr>
+                  <a:t>.</a:t>
+                </a:r>
+                <a:endParaRPr lang="en-US" altLang="ko-KR" dirty="0">
+                  <a:solidFill>
+                    <a:srgbClr val="000000"/>
+                  </a:solidFill>
+                </a:endParaRPr>
+              </a:p>
+              <a:p>
+                <a14:m>
+                  <m:oMath xmlns:m="http://schemas.openxmlformats.org/officeDocument/2006/math">
+                    <m:sSub>
+                      <m:sSubPr>
+                        <m:ctrlPr>
+                          <a:rPr lang="en-US" altLang="ko-KR" b="0" i="1" smtClean="0">
+                            <a:solidFill>
+                              <a:srgbClr val="000000"/>
+                            </a:solidFill>
+                            <a:effectLst/>
+                            <a:latin typeface="Cambria Math" panose="02040503050406030204" pitchFamily="18" charset="0"/>
+                          </a:rPr>
+                        </m:ctrlPr>
+                      </m:sSubPr>
+                      <m:e>
+                        <m:r>
+                          <a:rPr lang="en-US" altLang="ko-KR" b="0" i="1" smtClean="0">
+                            <a:solidFill>
+                              <a:srgbClr val="000000"/>
+                            </a:solidFill>
+                            <a:effectLst/>
+                            <a:latin typeface="Cambria Math" panose="02040503050406030204" pitchFamily="18" charset="0"/>
+                          </a:rPr>
+                          <m:t>𝐶𝑜𝑣</m:t>
+                        </m:r>
+                        <m:d>
+                          <m:dPr>
+                            <m:ctrlPr>
+                              <a:rPr lang="en-US" altLang="ko-KR" b="0" i="1" smtClean="0">
+                                <a:solidFill>
+                                  <a:srgbClr val="000000"/>
+                                </a:solidFill>
+                                <a:effectLst/>
+                                <a:latin typeface="Cambria Math" panose="02040503050406030204" pitchFamily="18" charset="0"/>
+                              </a:rPr>
+                            </m:ctrlPr>
+                          </m:dPr>
+                          <m:e>
+                            <m:r>
+                              <a:rPr lang="en-US" altLang="ko-KR" b="0" i="1" smtClean="0">
+                                <a:solidFill>
+                                  <a:srgbClr val="000000"/>
+                                </a:solidFill>
+                                <a:effectLst/>
+                                <a:latin typeface="Cambria Math" panose="02040503050406030204" pitchFamily="18" charset="0"/>
+                              </a:rPr>
+                              <m:t>𝑥</m:t>
+                            </m:r>
+                            <m:r>
+                              <a:rPr lang="en-US" altLang="ko-KR" b="0" i="1" smtClean="0">
+                                <a:solidFill>
+                                  <a:srgbClr val="000000"/>
+                                </a:solidFill>
+                                <a:effectLst/>
+                                <a:latin typeface="Cambria Math" panose="02040503050406030204" pitchFamily="18" charset="0"/>
+                              </a:rPr>
+                              <m:t>, </m:t>
+                            </m:r>
+                            <m:r>
+                              <a:rPr lang="en-US" altLang="ko-KR" b="0" i="1" smtClean="0">
+                                <a:solidFill>
+                                  <a:srgbClr val="000000"/>
+                                </a:solidFill>
+                                <a:effectLst/>
+                                <a:latin typeface="Cambria Math" panose="02040503050406030204" pitchFamily="18" charset="0"/>
+                              </a:rPr>
+                              <m:t>𝑦</m:t>
+                            </m:r>
+                          </m:e>
+                        </m:d>
+                        <m:r>
+                          <a:rPr lang="en-US" altLang="ko-KR" b="0" i="1" smtClean="0">
+                            <a:solidFill>
+                              <a:srgbClr val="000000"/>
+                            </a:solidFill>
+                            <a:effectLst/>
+                            <a:latin typeface="Cambria Math" panose="02040503050406030204" pitchFamily="18" charset="0"/>
+                          </a:rPr>
+                          <m:t>=</m:t>
+                        </m:r>
+                        <m:r>
+                          <a:rPr lang="en-US" altLang="ko-KR" b="0" i="1" smtClean="0">
+                            <a:solidFill>
+                              <a:srgbClr val="000000"/>
+                            </a:solidFill>
+                            <a:effectLst/>
+                            <a:latin typeface="Cambria Math" panose="02040503050406030204" pitchFamily="18" charset="0"/>
+                          </a:rPr>
+                          <m:t>𝑠</m:t>
+                        </m:r>
+                      </m:e>
+                      <m:sub>
+                        <m:r>
+                          <a:rPr lang="en-US" altLang="ko-KR" b="0" i="1" smtClean="0">
+                            <a:solidFill>
+                              <a:srgbClr val="000000"/>
+                            </a:solidFill>
+                            <a:effectLst/>
+                            <a:latin typeface="Cambria Math" panose="02040503050406030204" pitchFamily="18" charset="0"/>
+                          </a:rPr>
+                          <m:t>𝑥𝑦</m:t>
+                        </m:r>
+                      </m:sub>
+                    </m:sSub>
+                    <m:r>
+                      <a:rPr lang="en-US" altLang="ko-KR" b="0" i="1" smtClean="0">
+                        <a:solidFill>
+                          <a:srgbClr val="000000"/>
+                        </a:solidFill>
+                        <a:effectLst/>
+                        <a:latin typeface="Cambria Math" panose="02040503050406030204" pitchFamily="18" charset="0"/>
+                      </a:rPr>
+                      <m:t>=</m:t>
+                    </m:r>
+                    <m:f>
+                      <m:fPr>
+                        <m:ctrlPr>
+                          <a:rPr lang="en-US" altLang="ko-KR" b="0" i="1" smtClean="0">
+                            <a:solidFill>
+                              <a:srgbClr val="000000"/>
+                            </a:solidFill>
+                            <a:effectLst/>
+                            <a:latin typeface="Cambria Math" panose="02040503050406030204" pitchFamily="18" charset="0"/>
+                          </a:rPr>
+                        </m:ctrlPr>
+                      </m:fPr>
+                      <m:num>
+                        <m:r>
+                          <a:rPr lang="en-US" altLang="ko-KR" b="0" i="1" smtClean="0">
+                            <a:solidFill>
+                              <a:srgbClr val="000000"/>
+                            </a:solidFill>
+                            <a:effectLst/>
+                            <a:latin typeface="Cambria Math" panose="02040503050406030204" pitchFamily="18" charset="0"/>
+                          </a:rPr>
+                          <m:t>1</m:t>
+                        </m:r>
+                      </m:num>
+                      <m:den>
+                        <m:r>
+                          <a:rPr lang="en-US" altLang="ko-KR" b="0" i="1" smtClean="0">
+                            <a:solidFill>
+                              <a:srgbClr val="000000"/>
+                            </a:solidFill>
+                            <a:effectLst/>
+                            <a:latin typeface="Cambria Math" panose="02040503050406030204" pitchFamily="18" charset="0"/>
+                          </a:rPr>
+                          <m:t>𝑛</m:t>
+                        </m:r>
+                      </m:den>
+                    </m:f>
+                    <m:nary>
+                      <m:naryPr>
+                        <m:chr m:val="∑"/>
+                        <m:ctrlPr>
+                          <a:rPr lang="en-US" altLang="ko-KR" b="0" i="1" smtClean="0">
+                            <a:solidFill>
+                              <a:srgbClr val="000000"/>
+                            </a:solidFill>
+                            <a:effectLst/>
+                            <a:latin typeface="Cambria Math" panose="02040503050406030204" pitchFamily="18" charset="0"/>
+                          </a:rPr>
+                        </m:ctrlPr>
+                      </m:naryPr>
+                      <m:sub>
+                        <m:r>
+                          <m:rPr>
+                            <m:brk m:alnAt="23"/>
+                          </m:rPr>
+                          <a:rPr lang="en-US" altLang="ko-KR" b="0" i="1" smtClean="0">
+                            <a:solidFill>
+                              <a:srgbClr val="000000"/>
+                            </a:solidFill>
+                            <a:effectLst/>
+                            <a:latin typeface="Cambria Math" panose="02040503050406030204" pitchFamily="18" charset="0"/>
+                          </a:rPr>
+                          <m:t>𝑖</m:t>
+                        </m:r>
+                        <m:r>
+                          <a:rPr lang="en-US" altLang="ko-KR" b="0" i="1" smtClean="0">
+                            <a:solidFill>
+                              <a:srgbClr val="000000"/>
+                            </a:solidFill>
+                            <a:effectLst/>
+                            <a:latin typeface="Cambria Math" panose="02040503050406030204" pitchFamily="18" charset="0"/>
+                          </a:rPr>
+                          <m:t>=1</m:t>
+                        </m:r>
+                      </m:sub>
+                      <m:sup>
+                        <m:r>
+                          <a:rPr lang="en-US" altLang="ko-KR" b="0" i="1" smtClean="0">
+                            <a:solidFill>
+                              <a:srgbClr val="000000"/>
+                            </a:solidFill>
+                            <a:effectLst/>
+                            <a:latin typeface="Cambria Math" panose="02040503050406030204" pitchFamily="18" charset="0"/>
+                          </a:rPr>
+                          <m:t>𝑛</m:t>
+                        </m:r>
+                      </m:sup>
+                      <m:e>
+                        <m:r>
+                          <a:rPr lang="en-US" altLang="ko-KR" b="0" i="1" smtClean="0">
+                            <a:solidFill>
+                              <a:srgbClr val="000000"/>
+                            </a:solidFill>
+                            <a:effectLst/>
+                            <a:latin typeface="Cambria Math" panose="02040503050406030204" pitchFamily="18" charset="0"/>
+                          </a:rPr>
+                          <m:t>(</m:t>
+                        </m:r>
+                        <m:sSub>
+                          <m:sSubPr>
+                            <m:ctrlPr>
+                              <a:rPr lang="en-US" altLang="ko-KR" b="0" i="1" smtClean="0">
+                                <a:solidFill>
+                                  <a:srgbClr val="000000"/>
+                                </a:solidFill>
+                                <a:effectLst/>
+                                <a:latin typeface="Cambria Math" panose="02040503050406030204" pitchFamily="18" charset="0"/>
+                              </a:rPr>
+                            </m:ctrlPr>
+                          </m:sSubPr>
+                          <m:e>
+                            <m:r>
+                              <a:rPr lang="en-US" altLang="ko-KR" b="0" i="1" smtClean="0">
+                                <a:solidFill>
+                                  <a:srgbClr val="000000"/>
+                                </a:solidFill>
+                                <a:effectLst/>
+                                <a:latin typeface="Cambria Math" panose="02040503050406030204" pitchFamily="18" charset="0"/>
+                              </a:rPr>
+                              <m:t>𝑥</m:t>
+                            </m:r>
+                          </m:e>
+                          <m:sub>
+                            <m:r>
+                              <a:rPr lang="en-US" altLang="ko-KR" b="0" i="1" smtClean="0">
+                                <a:solidFill>
+                                  <a:srgbClr val="000000"/>
+                                </a:solidFill>
+                                <a:effectLst/>
+                                <a:latin typeface="Cambria Math" panose="02040503050406030204" pitchFamily="18" charset="0"/>
+                              </a:rPr>
+                              <m:t>𝑖</m:t>
+                            </m:r>
+                          </m:sub>
+                        </m:sSub>
+                        <m:r>
+                          <a:rPr lang="en-US" altLang="ko-KR" b="0" i="1" smtClean="0">
+                            <a:solidFill>
+                              <a:srgbClr val="000000"/>
+                            </a:solidFill>
+                            <a:effectLst/>
+                            <a:latin typeface="Cambria Math" panose="02040503050406030204" pitchFamily="18" charset="0"/>
+                          </a:rPr>
+                          <m:t>−</m:t>
+                        </m:r>
+                        <m:sSub>
+                          <m:sSubPr>
+                            <m:ctrlPr>
+                              <a:rPr lang="en-US" altLang="ko-KR" b="0" i="1" smtClean="0">
+                                <a:solidFill>
+                                  <a:srgbClr val="000000"/>
+                                </a:solidFill>
+                                <a:effectLst/>
+                                <a:latin typeface="Cambria Math" panose="02040503050406030204" pitchFamily="18" charset="0"/>
+                              </a:rPr>
+                            </m:ctrlPr>
+                          </m:sSubPr>
+                          <m:e>
+                            <m:r>
+                              <a:rPr lang="ko-KR" altLang="en-US" b="0" i="1" smtClean="0">
+                                <a:solidFill>
+                                  <a:srgbClr val="000000"/>
+                                </a:solidFill>
+                                <a:effectLst/>
+                                <a:latin typeface="Cambria Math" panose="02040503050406030204" pitchFamily="18" charset="0"/>
+                              </a:rPr>
+                              <m:t>𝜇</m:t>
+                            </m:r>
+                          </m:e>
+                          <m:sub>
+                            <m:r>
+                              <a:rPr lang="en-US" altLang="ko-KR" b="0" i="1" smtClean="0">
+                                <a:solidFill>
+                                  <a:srgbClr val="000000"/>
+                                </a:solidFill>
+                                <a:effectLst/>
+                                <a:latin typeface="Cambria Math" panose="02040503050406030204" pitchFamily="18" charset="0"/>
+                              </a:rPr>
+                              <m:t>𝑥</m:t>
+                            </m:r>
+                          </m:sub>
+                        </m:sSub>
+                        <m:r>
+                          <a:rPr lang="en-US" altLang="ko-KR" b="0" i="1" smtClean="0">
+                            <a:solidFill>
+                              <a:srgbClr val="000000"/>
+                            </a:solidFill>
+                            <a:effectLst/>
+                            <a:latin typeface="Cambria Math" panose="02040503050406030204" pitchFamily="18" charset="0"/>
+                          </a:rPr>
+                          <m:t>)(</m:t>
+                        </m:r>
+                        <m:sSub>
+                          <m:sSubPr>
+                            <m:ctrlPr>
+                              <a:rPr lang="en-US" altLang="ko-KR" b="0" i="1" smtClean="0">
+                                <a:solidFill>
+                                  <a:srgbClr val="000000"/>
+                                </a:solidFill>
+                                <a:effectLst/>
+                                <a:latin typeface="Cambria Math" panose="02040503050406030204" pitchFamily="18" charset="0"/>
+                              </a:rPr>
+                            </m:ctrlPr>
+                          </m:sSubPr>
+                          <m:e>
+                            <m:r>
+                              <a:rPr lang="en-US" altLang="ko-KR" b="0" i="1" smtClean="0">
+                                <a:solidFill>
+                                  <a:srgbClr val="000000"/>
+                                </a:solidFill>
+                                <a:effectLst/>
+                                <a:latin typeface="Cambria Math" panose="02040503050406030204" pitchFamily="18" charset="0"/>
+                              </a:rPr>
+                              <m:t>𝑦</m:t>
+                            </m:r>
+                          </m:e>
+                          <m:sub>
+                            <m:r>
+                              <a:rPr lang="en-US" altLang="ko-KR" b="0" i="1" smtClean="0">
+                                <a:solidFill>
+                                  <a:srgbClr val="000000"/>
+                                </a:solidFill>
+                                <a:effectLst/>
+                                <a:latin typeface="Cambria Math" panose="02040503050406030204" pitchFamily="18" charset="0"/>
+                              </a:rPr>
+                              <m:t>𝑖</m:t>
+                            </m:r>
+                          </m:sub>
+                        </m:sSub>
+                        <m:r>
+                          <a:rPr lang="en-US" altLang="ko-KR" b="0" i="1" smtClean="0">
+                            <a:solidFill>
+                              <a:srgbClr val="000000"/>
+                            </a:solidFill>
+                            <a:effectLst/>
+                            <a:latin typeface="Cambria Math" panose="02040503050406030204" pitchFamily="18" charset="0"/>
+                          </a:rPr>
+                          <m:t>−</m:t>
+                        </m:r>
+                        <m:sSub>
+                          <m:sSubPr>
+                            <m:ctrlPr>
+                              <a:rPr lang="en-US" altLang="ko-KR" b="0" i="1" smtClean="0">
+                                <a:solidFill>
+                                  <a:srgbClr val="000000"/>
+                                </a:solidFill>
+                                <a:effectLst/>
+                                <a:latin typeface="Cambria Math" panose="02040503050406030204" pitchFamily="18" charset="0"/>
+                              </a:rPr>
+                            </m:ctrlPr>
+                          </m:sSubPr>
+                          <m:e>
+                            <m:r>
+                              <a:rPr lang="ko-KR" altLang="en-US" b="0" i="1" smtClean="0">
+                                <a:solidFill>
+                                  <a:srgbClr val="000000"/>
+                                </a:solidFill>
+                                <a:effectLst/>
+                                <a:latin typeface="Cambria Math" panose="02040503050406030204" pitchFamily="18" charset="0"/>
+                              </a:rPr>
+                              <m:t>𝜇</m:t>
+                            </m:r>
+                          </m:e>
+                          <m:sub>
+                            <m:r>
+                              <a:rPr lang="en-US" altLang="ko-KR" b="0" i="1" smtClean="0">
+                                <a:solidFill>
+                                  <a:srgbClr val="000000"/>
+                                </a:solidFill>
+                                <a:effectLst/>
+                                <a:latin typeface="Cambria Math" panose="02040503050406030204" pitchFamily="18" charset="0"/>
+                              </a:rPr>
+                              <m:t>𝑦</m:t>
+                            </m:r>
+                          </m:sub>
+                        </m:sSub>
+                        <m:r>
+                          <a:rPr lang="en-US" altLang="ko-KR" b="0" i="1" smtClean="0">
+                            <a:solidFill>
+                              <a:srgbClr val="000000"/>
+                            </a:solidFill>
+                            <a:effectLst/>
+                            <a:latin typeface="Cambria Math" panose="02040503050406030204" pitchFamily="18" charset="0"/>
+                          </a:rPr>
+                          <m:t>)</m:t>
+                        </m:r>
+                      </m:e>
+                    </m:nary>
+                    <m:r>
+                      <a:rPr lang="en-US" altLang="ko-KR" i="1">
+                        <a:solidFill>
+                          <a:srgbClr val="000000"/>
+                        </a:solidFill>
+                        <a:latin typeface="Cambria Math" panose="02040503050406030204" pitchFamily="18" charset="0"/>
+                      </a:rPr>
+                      <m:t>=</m:t>
+                    </m:r>
+                    <m:r>
+                      <a:rPr lang="en-US" altLang="ko-KR" i="1">
+                        <a:solidFill>
+                          <a:srgbClr val="000000"/>
+                        </a:solidFill>
+                        <a:latin typeface="Cambria Math" panose="02040503050406030204" pitchFamily="18" charset="0"/>
+                      </a:rPr>
+                      <m:t>𝐸</m:t>
+                    </m:r>
+                    <m:r>
+                      <a:rPr lang="en-US" altLang="ko-KR" i="1">
+                        <a:solidFill>
+                          <a:srgbClr val="000000"/>
+                        </a:solidFill>
+                        <a:latin typeface="Cambria Math" panose="02040503050406030204" pitchFamily="18" charset="0"/>
+                      </a:rPr>
+                      <m:t>(</m:t>
+                    </m:r>
+                    <m:r>
+                      <a:rPr lang="en-US" altLang="ko-KR" i="1">
+                        <a:solidFill>
+                          <a:srgbClr val="000000"/>
+                        </a:solidFill>
+                        <a:latin typeface="Cambria Math" panose="02040503050406030204" pitchFamily="18" charset="0"/>
+                      </a:rPr>
+                      <m:t>𝑋</m:t>
+                    </m:r>
+                    <m:r>
+                      <a:rPr lang="en-US" altLang="ko-KR" i="1">
+                        <a:solidFill>
+                          <a:srgbClr val="000000"/>
+                        </a:solidFill>
+                        <a:latin typeface="Cambria Math" panose="02040503050406030204" pitchFamily="18" charset="0"/>
+                      </a:rPr>
+                      <m:t>−</m:t>
+                    </m:r>
+                    <m:sSub>
+                      <m:sSubPr>
+                        <m:ctrlPr>
+                          <a:rPr lang="en-US" altLang="ko-KR" i="1" smtClean="0">
+                            <a:solidFill>
+                              <a:srgbClr val="000000"/>
+                            </a:solidFill>
+                            <a:latin typeface="Cambria Math" panose="02040503050406030204" pitchFamily="18" charset="0"/>
+                          </a:rPr>
+                        </m:ctrlPr>
+                      </m:sSubPr>
+                      <m:e>
+                        <m:r>
+                          <a:rPr lang="ko-KR" altLang="en-US" i="1" smtClean="0">
+                            <a:solidFill>
+                              <a:srgbClr val="000000"/>
+                            </a:solidFill>
+                            <a:latin typeface="Cambria Math" panose="02040503050406030204" pitchFamily="18" charset="0"/>
+                          </a:rPr>
+                          <m:t>𝜇</m:t>
+                        </m:r>
+                      </m:e>
+                      <m:sub>
+                        <m:r>
+                          <a:rPr lang="en-US" altLang="ko-KR" b="0" i="1" smtClean="0">
+                            <a:solidFill>
+                              <a:srgbClr val="000000"/>
+                            </a:solidFill>
+                            <a:latin typeface="Cambria Math" panose="02040503050406030204" pitchFamily="18" charset="0"/>
+                          </a:rPr>
+                          <m:t>𝑥</m:t>
+                        </m:r>
+                      </m:sub>
+                    </m:sSub>
+                    <m:r>
+                      <a:rPr lang="en-US" altLang="ko-KR" i="1">
+                        <a:solidFill>
+                          <a:srgbClr val="000000"/>
+                        </a:solidFill>
+                        <a:latin typeface="Cambria Math" panose="02040503050406030204" pitchFamily="18" charset="0"/>
+                      </a:rPr>
+                      <m:t>)(</m:t>
+                    </m:r>
+                    <m:r>
+                      <a:rPr lang="en-US" altLang="ko-KR" i="1">
+                        <a:solidFill>
+                          <a:srgbClr val="000000"/>
+                        </a:solidFill>
+                        <a:latin typeface="Cambria Math" panose="02040503050406030204" pitchFamily="18" charset="0"/>
+                      </a:rPr>
+                      <m:t>𝑌</m:t>
+                    </m:r>
+                    <m:r>
+                      <a:rPr lang="en-US" altLang="ko-KR" i="1">
+                        <a:solidFill>
+                          <a:srgbClr val="000000"/>
+                        </a:solidFill>
+                        <a:latin typeface="Cambria Math" panose="02040503050406030204" pitchFamily="18" charset="0"/>
+                      </a:rPr>
+                      <m:t>−</m:t>
+                    </m:r>
+                    <m:sSub>
+                      <m:sSubPr>
+                        <m:ctrlPr>
+                          <a:rPr lang="en-US" altLang="ko-KR" i="1" smtClean="0">
+                            <a:solidFill>
+                              <a:srgbClr val="000000"/>
+                            </a:solidFill>
+                            <a:latin typeface="Cambria Math" panose="02040503050406030204" pitchFamily="18" charset="0"/>
+                          </a:rPr>
+                        </m:ctrlPr>
+                      </m:sSubPr>
+                      <m:e>
+                        <m:r>
+                          <a:rPr lang="ko-KR" altLang="en-US" i="1" smtClean="0">
+                            <a:solidFill>
+                              <a:srgbClr val="000000"/>
+                            </a:solidFill>
+                            <a:latin typeface="Cambria Math" panose="02040503050406030204" pitchFamily="18" charset="0"/>
+                          </a:rPr>
+                          <m:t>𝜇</m:t>
+                        </m:r>
+                      </m:e>
+                      <m:sub>
+                        <m:r>
+                          <a:rPr lang="en-US" altLang="ko-KR" b="0" i="1" smtClean="0">
+                            <a:solidFill>
+                              <a:srgbClr val="000000"/>
+                            </a:solidFill>
+                            <a:latin typeface="Cambria Math" panose="02040503050406030204" pitchFamily="18" charset="0"/>
+                          </a:rPr>
+                          <m:t>𝑦</m:t>
+                        </m:r>
+                      </m:sub>
+                    </m:sSub>
+                    <m:r>
+                      <a:rPr lang="en-US" altLang="ko-KR" i="1">
+                        <a:solidFill>
+                          <a:srgbClr val="000000"/>
+                        </a:solidFill>
+                        <a:latin typeface="Cambria Math" panose="02040503050406030204" pitchFamily="18" charset="0"/>
+                      </a:rPr>
+                      <m:t>)</m:t>
+                    </m:r>
+                  </m:oMath>
+                </a14:m>
+                <a:endParaRPr lang="en-US" altLang="ko-KR" dirty="0">
+                  <a:solidFill>
+                    <a:srgbClr val="000000"/>
+                  </a:solidFill>
+                </a:endParaRPr>
+              </a:p>
+              <a:p>
+                <a:r>
+                  <a:rPr lang="en-US" altLang="ko-KR" b="0" i="0" dirty="0">
+                    <a:solidFill>
+                      <a:srgbClr val="000000"/>
+                    </a:solidFill>
+                    <a:effectLst/>
+                  </a:rPr>
+                  <a:t>In this case, </a:t>
+                </a:r>
+                <a14:m>
+                  <m:oMath xmlns:m="http://schemas.openxmlformats.org/officeDocument/2006/math">
+                    <m:r>
+                      <a:rPr lang="ko-KR" altLang="en-US" b="0" i="1" smtClean="0">
+                        <a:solidFill>
+                          <a:srgbClr val="000000"/>
+                        </a:solidFill>
+                        <a:effectLst/>
+                        <a:latin typeface="Cambria Math" panose="02040503050406030204" pitchFamily="18" charset="0"/>
+                      </a:rPr>
+                      <m:t>𝜇</m:t>
+                    </m:r>
+                  </m:oMath>
+                </a14:m>
+                <a:r>
+                  <a:rPr lang="en-US" altLang="ko-KR" b="0" i="0" dirty="0">
+                    <a:solidFill>
+                      <a:srgbClr val="000000"/>
+                    </a:solidFill>
+                    <a:effectLst/>
+                    <a:latin typeface="noto"/>
+                  </a:rPr>
+                  <a:t> </a:t>
+                </a:r>
+                <a:r>
+                  <a:rPr lang="en-US" altLang="ko-KR" b="0" i="0" dirty="0">
+                    <a:solidFill>
+                      <a:srgbClr val="000000"/>
+                    </a:solidFill>
+                    <a:effectLst/>
+                  </a:rPr>
+                  <a:t>represents the average of each of </a:t>
+                </a:r>
+                <a14:m>
+                  <m:oMath xmlns:m="http://schemas.openxmlformats.org/officeDocument/2006/math">
+                    <m:r>
+                      <a:rPr lang="en-US" altLang="ko-KR" i="1">
+                        <a:solidFill>
+                          <a:srgbClr val="000000"/>
+                        </a:solidFill>
+                        <a:latin typeface="Cambria Math" panose="02040503050406030204" pitchFamily="18" charset="0"/>
+                      </a:rPr>
+                      <m:t>𝑋</m:t>
+                    </m:r>
+                  </m:oMath>
+                </a14:m>
+                <a:r>
+                  <a:rPr lang="en-US" altLang="ko-KR" b="0" i="0" dirty="0">
+                    <a:solidFill>
+                      <a:srgbClr val="000000"/>
+                    </a:solidFill>
+                    <a:effectLst/>
+                  </a:rPr>
+                  <a:t> and </a:t>
+                </a:r>
+                <a14:m>
+                  <m:oMath xmlns:m="http://schemas.openxmlformats.org/officeDocument/2006/math">
+                    <m:r>
+                      <a:rPr lang="en-US" altLang="ko-KR" i="1">
+                        <a:solidFill>
+                          <a:srgbClr val="000000"/>
+                        </a:solidFill>
+                        <a:latin typeface="Cambria Math" panose="02040503050406030204" pitchFamily="18" charset="0"/>
+                      </a:rPr>
+                      <m:t>𝑌</m:t>
+                    </m:r>
+                  </m:oMath>
+                </a14:m>
+                <a:r>
+                  <a:rPr lang="en-US" altLang="ko-KR" b="0" i="0" dirty="0">
+                    <a:solidFill>
+                      <a:srgbClr val="000000"/>
+                    </a:solidFill>
+                    <a:effectLst/>
+                  </a:rPr>
+                  <a:t>.</a:t>
+                </a:r>
+              </a:p>
+              <a:p>
+                <a:r>
+                  <a:rPr lang="en-US" altLang="ko-KR" dirty="0">
+                    <a:solidFill>
+                      <a:srgbClr val="000000"/>
+                    </a:solidFill>
+                  </a:rPr>
+                  <a:t>If </a:t>
+                </a:r>
+                <a14:m>
+                  <m:oMath xmlns:m="http://schemas.openxmlformats.org/officeDocument/2006/math">
+                    <m:r>
+                      <a:rPr lang="en-US" altLang="ko-KR" b="0" i="1" smtClean="0">
+                        <a:solidFill>
+                          <a:srgbClr val="000000"/>
+                        </a:solidFill>
+                        <a:effectLst/>
+                        <a:latin typeface="Cambria Math" panose="02040503050406030204" pitchFamily="18" charset="0"/>
+                      </a:rPr>
+                      <m:t>𝐶𝑜𝑣</m:t>
+                    </m:r>
+                    <m:d>
+                      <m:dPr>
+                        <m:ctrlPr>
+                          <a:rPr lang="en-US" altLang="ko-KR" b="0" i="1" smtClean="0">
+                            <a:solidFill>
+                              <a:srgbClr val="000000"/>
+                            </a:solidFill>
+                            <a:effectLst/>
+                            <a:latin typeface="Cambria Math" panose="02040503050406030204" pitchFamily="18" charset="0"/>
+                          </a:rPr>
+                        </m:ctrlPr>
+                      </m:dPr>
+                      <m:e>
+                        <m:r>
+                          <a:rPr lang="en-US" altLang="ko-KR" b="0" i="1" smtClean="0">
+                            <a:solidFill>
+                              <a:srgbClr val="000000"/>
+                            </a:solidFill>
+                            <a:effectLst/>
+                            <a:latin typeface="Cambria Math" panose="02040503050406030204" pitchFamily="18" charset="0"/>
+                          </a:rPr>
+                          <m:t>𝑥</m:t>
+                        </m:r>
+                        <m:r>
+                          <a:rPr lang="en-US" altLang="ko-KR" b="0" i="1" smtClean="0">
+                            <a:solidFill>
+                              <a:srgbClr val="000000"/>
+                            </a:solidFill>
+                            <a:effectLst/>
+                            <a:latin typeface="Cambria Math" panose="02040503050406030204" pitchFamily="18" charset="0"/>
+                          </a:rPr>
+                          <m:t>, </m:t>
+                        </m:r>
+                        <m:r>
+                          <a:rPr lang="en-US" altLang="ko-KR" b="0" i="1" smtClean="0">
+                            <a:solidFill>
+                              <a:srgbClr val="000000"/>
+                            </a:solidFill>
+                            <a:effectLst/>
+                            <a:latin typeface="Cambria Math" panose="02040503050406030204" pitchFamily="18" charset="0"/>
+                          </a:rPr>
+                          <m:t>𝑦</m:t>
+                        </m:r>
+                      </m:e>
+                    </m:d>
+                    <m:r>
+                      <a:rPr lang="en-US" altLang="ko-KR" b="0" i="1" smtClean="0">
+                        <a:solidFill>
+                          <a:srgbClr val="000000"/>
+                        </a:solidFill>
+                        <a:effectLst/>
+                        <a:latin typeface="Cambria Math" panose="02040503050406030204" pitchFamily="18" charset="0"/>
+                      </a:rPr>
+                      <m:t>&gt;0</m:t>
+                    </m:r>
+                  </m:oMath>
+                </a14:m>
+                <a:r>
+                  <a:rPr lang="en-US" altLang="ko-KR" b="0" i="0" dirty="0">
+                    <a:solidFill>
+                      <a:srgbClr val="000000"/>
+                    </a:solidFill>
+                    <a:effectLst/>
+                  </a:rPr>
+                  <a:t> than </a:t>
+                </a:r>
+                <a14:m>
+                  <m:oMath xmlns:m="http://schemas.openxmlformats.org/officeDocument/2006/math">
+                    <m:r>
+                      <a:rPr lang="en-US" altLang="ko-KR" i="1">
+                        <a:solidFill>
+                          <a:srgbClr val="000000"/>
+                        </a:solidFill>
+                        <a:latin typeface="Cambria Math" panose="02040503050406030204" pitchFamily="18" charset="0"/>
+                      </a:rPr>
+                      <m:t>𝑋</m:t>
+                    </m:r>
+                  </m:oMath>
+                </a14:m>
+                <a:r>
+                  <a:rPr lang="en-US" altLang="ko-KR" dirty="0"/>
+                  <a:t> increases, so does </a:t>
+                </a:r>
+                <a14:m>
+                  <m:oMath xmlns:m="http://schemas.openxmlformats.org/officeDocument/2006/math">
+                    <m:r>
+                      <a:rPr lang="en-US" altLang="ko-KR" i="1">
+                        <a:solidFill>
+                          <a:srgbClr val="000000"/>
+                        </a:solidFill>
+                        <a:latin typeface="Cambria Math" panose="02040503050406030204" pitchFamily="18" charset="0"/>
+                      </a:rPr>
+                      <m:t>𝑌</m:t>
+                    </m:r>
+                  </m:oMath>
+                </a14:m>
+                <a:r>
+                  <a:rPr lang="en-US" altLang="ko-KR" dirty="0"/>
+                  <a:t>.</a:t>
+                </a:r>
+              </a:p>
+              <a:p>
+                <a:r>
+                  <a:rPr lang="en-US" altLang="ko-KR" dirty="0">
+                    <a:solidFill>
+                      <a:srgbClr val="000000"/>
+                    </a:solidFill>
+                  </a:rPr>
+                  <a:t>If </a:t>
+                </a:r>
+                <a14:m>
+                  <m:oMath xmlns:m="http://schemas.openxmlformats.org/officeDocument/2006/math">
+                    <m:r>
+                      <a:rPr lang="en-US" altLang="ko-KR" b="0" i="1" smtClean="0">
+                        <a:solidFill>
+                          <a:srgbClr val="000000"/>
+                        </a:solidFill>
+                        <a:effectLst/>
+                        <a:latin typeface="Cambria Math" panose="02040503050406030204" pitchFamily="18" charset="0"/>
+                      </a:rPr>
+                      <m:t>𝐶𝑜𝑣</m:t>
+                    </m:r>
+                    <m:d>
+                      <m:dPr>
+                        <m:ctrlPr>
+                          <a:rPr lang="en-US" altLang="ko-KR" b="0" i="1" smtClean="0">
+                            <a:solidFill>
+                              <a:srgbClr val="000000"/>
+                            </a:solidFill>
+                            <a:effectLst/>
+                            <a:latin typeface="Cambria Math" panose="02040503050406030204" pitchFamily="18" charset="0"/>
+                          </a:rPr>
+                        </m:ctrlPr>
+                      </m:dPr>
+                      <m:e>
+                        <m:r>
+                          <a:rPr lang="en-US" altLang="ko-KR" b="0" i="1" smtClean="0">
+                            <a:solidFill>
+                              <a:srgbClr val="000000"/>
+                            </a:solidFill>
+                            <a:effectLst/>
+                            <a:latin typeface="Cambria Math" panose="02040503050406030204" pitchFamily="18" charset="0"/>
+                          </a:rPr>
+                          <m:t>𝑥</m:t>
+                        </m:r>
+                        <m:r>
+                          <a:rPr lang="en-US" altLang="ko-KR" b="0" i="1" smtClean="0">
+                            <a:solidFill>
+                              <a:srgbClr val="000000"/>
+                            </a:solidFill>
+                            <a:effectLst/>
+                            <a:latin typeface="Cambria Math" panose="02040503050406030204" pitchFamily="18" charset="0"/>
+                          </a:rPr>
+                          <m:t>, </m:t>
+                        </m:r>
+                        <m:r>
+                          <a:rPr lang="en-US" altLang="ko-KR" b="0" i="1" smtClean="0">
+                            <a:solidFill>
+                              <a:srgbClr val="000000"/>
+                            </a:solidFill>
+                            <a:effectLst/>
+                            <a:latin typeface="Cambria Math" panose="02040503050406030204" pitchFamily="18" charset="0"/>
+                          </a:rPr>
+                          <m:t>𝑦</m:t>
+                        </m:r>
+                      </m:e>
+                    </m:d>
+                    <m:r>
+                      <a:rPr lang="en-US" altLang="ko-KR" b="0" i="1" smtClean="0">
+                        <a:solidFill>
+                          <a:srgbClr val="000000"/>
+                        </a:solidFill>
+                        <a:effectLst/>
+                        <a:latin typeface="Cambria Math" panose="02040503050406030204" pitchFamily="18" charset="0"/>
+                      </a:rPr>
+                      <m:t>&lt;</m:t>
+                    </m:r>
+                    <m:r>
+                      <a:rPr lang="en-US" altLang="ko-KR" b="0" i="1" smtClean="0">
+                        <a:solidFill>
+                          <a:srgbClr val="000000"/>
+                        </a:solidFill>
+                        <a:effectLst/>
+                        <a:latin typeface="Cambria Math" panose="02040503050406030204" pitchFamily="18" charset="0"/>
+                      </a:rPr>
+                      <m:t>0</m:t>
+                    </m:r>
+                  </m:oMath>
+                </a14:m>
+                <a:r>
+                  <a:rPr lang="en-US" altLang="ko-KR" b="0" i="0" dirty="0">
+                    <a:solidFill>
+                      <a:srgbClr val="000000"/>
+                    </a:solidFill>
+                    <a:effectLst/>
+                  </a:rPr>
+                  <a:t> than </a:t>
+                </a:r>
+                <a14:m>
+                  <m:oMath xmlns:m="http://schemas.openxmlformats.org/officeDocument/2006/math">
+                    <m:r>
+                      <a:rPr lang="en-US" altLang="ko-KR" i="1">
+                        <a:solidFill>
+                          <a:srgbClr val="000000"/>
+                        </a:solidFill>
+                        <a:latin typeface="Cambria Math" panose="02040503050406030204" pitchFamily="18" charset="0"/>
+                      </a:rPr>
+                      <m:t>𝑋</m:t>
+                    </m:r>
+                  </m:oMath>
+                </a14:m>
+                <a:r>
+                  <a:rPr lang="en-US" altLang="ko-KR" dirty="0"/>
+                  <a:t> increases, </a:t>
+                </a:r>
+                <a14:m>
+                  <m:oMath xmlns:m="http://schemas.openxmlformats.org/officeDocument/2006/math">
+                    <m:r>
+                      <a:rPr lang="en-US" altLang="ko-KR" i="1">
+                        <a:solidFill>
+                          <a:srgbClr val="000000"/>
+                        </a:solidFill>
+                        <a:latin typeface="Cambria Math" panose="02040503050406030204" pitchFamily="18" charset="0"/>
+                      </a:rPr>
+                      <m:t>𝑌</m:t>
+                    </m:r>
+                  </m:oMath>
+                </a14:m>
+                <a:r>
+                  <a:rPr lang="en-US" altLang="ko-KR" dirty="0"/>
+                  <a:t> decreases.</a:t>
+                </a:r>
+                <a:endParaRPr lang="en-US" altLang="ko-KR" b="0" i="0" dirty="0">
+                  <a:solidFill>
+                    <a:srgbClr val="000000"/>
+                  </a:solidFill>
+                  <a:effectLst/>
+                </a:endParaRPr>
+              </a:p>
+              <a:p>
+                <a:r>
+                  <a:rPr lang="en-US" altLang="ko-KR" dirty="0">
+                    <a:solidFill>
+                      <a:srgbClr val="000000"/>
+                    </a:solidFill>
+                  </a:rPr>
+                  <a:t>If </a:t>
+                </a:r>
+                <a14:m>
+                  <m:oMath xmlns:m="http://schemas.openxmlformats.org/officeDocument/2006/math">
+                    <m:r>
+                      <a:rPr lang="en-US" altLang="ko-KR" b="0" i="1" smtClean="0">
+                        <a:solidFill>
+                          <a:srgbClr val="000000"/>
+                        </a:solidFill>
+                        <a:effectLst/>
+                        <a:latin typeface="Cambria Math" panose="02040503050406030204" pitchFamily="18" charset="0"/>
+                      </a:rPr>
+                      <m:t>𝐶𝑜𝑣</m:t>
+                    </m:r>
+                    <m:d>
+                      <m:dPr>
+                        <m:ctrlPr>
+                          <a:rPr lang="en-US" altLang="ko-KR" b="0" i="1" smtClean="0">
+                            <a:solidFill>
+                              <a:srgbClr val="000000"/>
+                            </a:solidFill>
+                            <a:effectLst/>
+                            <a:latin typeface="Cambria Math" panose="02040503050406030204" pitchFamily="18" charset="0"/>
+                          </a:rPr>
+                        </m:ctrlPr>
+                      </m:dPr>
+                      <m:e>
+                        <m:r>
+                          <a:rPr lang="en-US" altLang="ko-KR" b="0" i="1" smtClean="0">
+                            <a:solidFill>
+                              <a:srgbClr val="000000"/>
+                            </a:solidFill>
+                            <a:effectLst/>
+                            <a:latin typeface="Cambria Math" panose="02040503050406030204" pitchFamily="18" charset="0"/>
+                          </a:rPr>
+                          <m:t>𝑥</m:t>
+                        </m:r>
+                        <m:r>
+                          <a:rPr lang="en-US" altLang="ko-KR" b="0" i="1" smtClean="0">
+                            <a:solidFill>
+                              <a:srgbClr val="000000"/>
+                            </a:solidFill>
+                            <a:effectLst/>
+                            <a:latin typeface="Cambria Math" panose="02040503050406030204" pitchFamily="18" charset="0"/>
+                          </a:rPr>
+                          <m:t>, </m:t>
+                        </m:r>
+                        <m:r>
+                          <a:rPr lang="en-US" altLang="ko-KR" b="0" i="1" smtClean="0">
+                            <a:solidFill>
+                              <a:srgbClr val="000000"/>
+                            </a:solidFill>
+                            <a:effectLst/>
+                            <a:latin typeface="Cambria Math" panose="02040503050406030204" pitchFamily="18" charset="0"/>
+                          </a:rPr>
+                          <m:t>𝑦</m:t>
+                        </m:r>
+                      </m:e>
+                    </m:d>
+                    <m:r>
+                      <a:rPr lang="en-US" altLang="ko-KR" b="0" i="1" smtClean="0">
+                        <a:solidFill>
+                          <a:srgbClr val="000000"/>
+                        </a:solidFill>
+                        <a:effectLst/>
+                        <a:latin typeface="Cambria Math" panose="02040503050406030204" pitchFamily="18" charset="0"/>
+                      </a:rPr>
+                      <m:t>=</m:t>
+                    </m:r>
+                    <m:r>
+                      <a:rPr lang="en-US" altLang="ko-KR" b="0" i="1" smtClean="0">
+                        <a:solidFill>
+                          <a:srgbClr val="000000"/>
+                        </a:solidFill>
+                        <a:effectLst/>
+                        <a:latin typeface="Cambria Math" panose="02040503050406030204" pitchFamily="18" charset="0"/>
+                      </a:rPr>
+                      <m:t>0</m:t>
+                    </m:r>
+                  </m:oMath>
+                </a14:m>
+                <a:r>
+                  <a:rPr lang="en-US" altLang="ko-KR" b="0" i="0" dirty="0">
+                    <a:solidFill>
+                      <a:srgbClr val="000000"/>
+                    </a:solidFill>
+                    <a:effectLst/>
+                  </a:rPr>
+                  <a:t> than </a:t>
+                </a:r>
+                <a14:m>
+                  <m:oMath xmlns:m="http://schemas.openxmlformats.org/officeDocument/2006/math">
+                    <m:r>
+                      <a:rPr lang="en-US" altLang="ko-KR" i="1">
+                        <a:solidFill>
+                          <a:srgbClr val="000000"/>
+                        </a:solidFill>
+                        <a:latin typeface="Cambria Math" panose="02040503050406030204" pitchFamily="18" charset="0"/>
+                      </a:rPr>
+                      <m:t>𝑋</m:t>
+                    </m:r>
+                  </m:oMath>
+                </a14:m>
+                <a:r>
+                  <a:rPr lang="en-US" altLang="ko-KR" dirty="0"/>
+                  <a:t> and </a:t>
+                </a:r>
+                <a14:m>
+                  <m:oMath xmlns:m="http://schemas.openxmlformats.org/officeDocument/2006/math">
+                    <m:r>
+                      <a:rPr lang="en-US" altLang="ko-KR" i="1">
+                        <a:solidFill>
+                          <a:srgbClr val="000000"/>
+                        </a:solidFill>
+                        <a:latin typeface="Cambria Math" panose="02040503050406030204" pitchFamily="18" charset="0"/>
+                      </a:rPr>
+                      <m:t>𝑌</m:t>
+                    </m:r>
+                  </m:oMath>
+                </a14:m>
+                <a:r>
+                  <a:rPr lang="en-US" altLang="ko-KR" dirty="0"/>
+                  <a:t> has no correlation.</a:t>
+                </a:r>
+                <a:endParaRPr lang="en-US" altLang="ko-KR" b="0" i="0" dirty="0">
+                  <a:solidFill>
+                    <a:srgbClr val="000000"/>
+                  </a:solidFill>
+                  <a:effectLst/>
+                </a:endParaRPr>
+              </a:p>
+              <a:p>
+                <a:endParaRPr lang="en-US" altLang="ko-KR" b="0" i="0" dirty="0">
+                  <a:solidFill>
+                    <a:srgbClr val="000000"/>
+                  </a:solidFill>
+                  <a:effectLst/>
+                </a:endParaRPr>
+              </a:p>
+              <a:p>
+                <a:endParaRPr lang="ko-KR" altLang="en-US" dirty="0"/>
+              </a:p>
+            </p:txBody>
+          </p:sp>
+        </mc:Choice>
+        <mc:Fallback>
+          <p:sp>
+            <p:nvSpPr>
+              <p:cNvPr id="3" name="내용 개체 틀 2">
+                <a:extLst>
+                  <a:ext uri="{FF2B5EF4-FFF2-40B4-BE49-F238E27FC236}">
+                    <a16:creationId xmlns:a16="http://schemas.microsoft.com/office/drawing/2014/main" id="{95CEB723-4D47-4A31-B6AC-79A38743128B}"/>
+                  </a:ext>
+                </a:extLst>
+              </p:cNvPr>
+              <p:cNvSpPr>
+                <a:spLocks noGrp="1" noRot="1" noChangeAspect="1" noMove="1" noResize="1" noEditPoints="1" noAdjustHandles="1" noChangeArrowheads="1" noChangeShapeType="1" noTextEdit="1"/>
+              </p:cNvSpPr>
+              <p:nvPr>
+                <p:ph idx="1"/>
+              </p:nvPr>
+            </p:nvSpPr>
+            <p:spPr>
+              <a:blipFill>
+                <a:blip r:embed="rId2"/>
+                <a:stretch>
+                  <a:fillRect l="-1043" t="-3361"/>
+                </a:stretch>
+              </a:blipFill>
+            </p:spPr>
+            <p:txBody>
+              <a:bodyPr/>
+              <a:lstStyle/>
+              <a:p>
+                <a:r>
+                  <a:rPr lang="ko-KR" altLang="en-US">
+                    <a:noFill/>
+                  </a:rPr>
+                  <a:t> </a:t>
+                </a:r>
+              </a:p>
+            </p:txBody>
+          </p:sp>
+        </mc:Fallback>
+      </mc:AlternateContent>
+      <p:pic>
+        <p:nvPicPr>
+          <p:cNvPr id="4" name="그림 3">
+            <a:extLst>
+              <a:ext uri="{FF2B5EF4-FFF2-40B4-BE49-F238E27FC236}">
+                <a16:creationId xmlns:a16="http://schemas.microsoft.com/office/drawing/2014/main" id="{9C40C19B-6FA5-4EAD-A011-5807CEE34AA9}"/>
+              </a:ext>
+            </a:extLst>
+          </p:cNvPr>
+          <p:cNvPicPr>
+            <a:picLocks noChangeAspect="1"/>
+          </p:cNvPicPr>
+          <p:nvPr/>
+        </p:nvPicPr>
+        <p:blipFill>
+          <a:blip r:embed="rId3">
+            <a:extLst>
+              <a:ext uri="{28A0092B-C50C-407E-A947-70E740481C1C}">
+                <a14:useLocalDpi xmlns:a14="http://schemas.microsoft.com/office/drawing/2010/main" val="0"/>
+              </a:ext>
+            </a:extLst>
+          </a:blip>
+          <a:stretch>
+            <a:fillRect/>
+          </a:stretch>
+        </p:blipFill>
+        <p:spPr>
+          <a:xfrm>
+            <a:off x="9017429" y="6124103"/>
+            <a:ext cx="3031958" cy="733897"/>
+          </a:xfrm>
+          <a:prstGeom prst="rect">
+            <a:avLst/>
+          </a:prstGeom>
+        </p:spPr>
+      </p:pic>
+    </p:spTree>
+    <p:extLst>
+      <p:ext uri="{BB962C8B-B14F-4D97-AF65-F5344CB8AC3E}">
+        <p14:creationId xmlns:p14="http://schemas.microsoft.com/office/powerpoint/2010/main" val="3684789721"/>
+      </p:ext>
+    </p:extLst>
+  </p:cSld>
+  <p:clrMapOvr>
+    <a:masterClrMapping/>
+  </p:clrMapOvr>
+</p:sld>
+</file>
+
+<file path=ppt/slides/slide8.xml><?xml version="1.0" encoding="utf-8"?>
+<p:sld xmlns:a="http://schemas.openxmlformats.org/drawingml/2006/main" xmlns:r="http://schemas.openxmlformats.org/officeDocument/2006/relationships" xmlns:p="http://schemas.openxmlformats.org/presentationml/2006/main">
+  <p:cSld>
+    <p:spTree>
+      <p:nvGrpSpPr>
+        <p:cNvPr id="1" name=""/>
+        <p:cNvGrpSpPr/>
+        <p:nvPr/>
+      </p:nvGrpSpPr>
+      <p:grpSpPr>
+        <a:xfrm>
+          <a:off x="0" y="0"/>
+          <a:ext cx="0" cy="0"/>
+          <a:chOff x="0" y="0"/>
+          <a:chExt cx="0" cy="0"/>
+        </a:xfrm>
+      </p:grpSpPr>
+      <p:sp>
+        <p:nvSpPr>
+          <p:cNvPr id="2" name="제목 1">
+            <a:extLst>
+              <a:ext uri="{FF2B5EF4-FFF2-40B4-BE49-F238E27FC236}">
+                <a16:creationId xmlns:a16="http://schemas.microsoft.com/office/drawing/2014/main" id="{6166E8EE-6B62-48E8-9FF1-9D1DBC7A7802}"/>
+              </a:ext>
+            </a:extLst>
+          </p:cNvPr>
+          <p:cNvSpPr>
+            <a:spLocks noGrp="1"/>
+          </p:cNvSpPr>
+          <p:nvPr>
+            <p:ph type="title"/>
+          </p:nvPr>
+        </p:nvSpPr>
+        <p:spPr/>
+        <p:txBody>
+          <a:bodyPr/>
+          <a:lstStyle/>
+          <a:p>
+            <a:r>
+              <a:rPr lang="en-US" altLang="ko-KR" dirty="0"/>
+              <a:t>Algorithm</a:t>
+            </a:r>
+            <a:br>
+              <a:rPr lang="en-US" altLang="ko-KR" dirty="0"/>
+            </a:br>
+            <a:r>
+              <a:rPr lang="en-US" altLang="ko-KR" sz="2400" dirty="0"/>
+              <a:t>Covariance</a:t>
+            </a:r>
+            <a:endParaRPr lang="ko-KR" altLang="en-US" dirty="0"/>
+          </a:p>
+        </p:txBody>
+      </p:sp>
+      <p:pic>
+        <p:nvPicPr>
+          <p:cNvPr id="6" name="내용 개체 틀 5">
+            <a:extLst>
+              <a:ext uri="{FF2B5EF4-FFF2-40B4-BE49-F238E27FC236}">
+                <a16:creationId xmlns:a16="http://schemas.microsoft.com/office/drawing/2014/main" id="{D09461FF-D4DA-4EC1-9775-795C71BD503A}"/>
+              </a:ext>
+            </a:extLst>
+          </p:cNvPr>
+          <p:cNvPicPr>
+            <a:picLocks noGrp="1" noChangeAspect="1"/>
+          </p:cNvPicPr>
+          <p:nvPr>
+            <p:ph idx="1"/>
+          </p:nvPr>
+        </p:nvPicPr>
+        <p:blipFill>
+          <a:blip r:embed="rId2">
+            <a:extLst>
+              <a:ext uri="{28A0092B-C50C-407E-A947-70E740481C1C}">
+                <a14:useLocalDpi xmlns:a14="http://schemas.microsoft.com/office/drawing/2010/main" val="0"/>
+              </a:ext>
+            </a:extLst>
+          </a:blip>
+          <a:stretch>
+            <a:fillRect/>
+          </a:stretch>
+        </p:blipFill>
+        <p:spPr>
+          <a:xfrm>
+            <a:off x="1929581" y="2114025"/>
+            <a:ext cx="8332838" cy="3271707"/>
+          </a:xfrm>
+        </p:spPr>
+      </p:pic>
+      <p:pic>
+        <p:nvPicPr>
+          <p:cNvPr id="4" name="그림 3">
+            <a:extLst>
+              <a:ext uri="{FF2B5EF4-FFF2-40B4-BE49-F238E27FC236}">
+                <a16:creationId xmlns:a16="http://schemas.microsoft.com/office/drawing/2014/main" id="{9C40C19B-6FA5-4EAD-A011-5807CEE34AA9}"/>
+              </a:ext>
+            </a:extLst>
+          </p:cNvPr>
+          <p:cNvPicPr>
+            <a:picLocks noChangeAspect="1"/>
+          </p:cNvPicPr>
+          <p:nvPr/>
+        </p:nvPicPr>
+        <p:blipFill>
+          <a:blip r:embed="rId3">
+            <a:extLst>
+              <a:ext uri="{28A0092B-C50C-407E-A947-70E740481C1C}">
+                <a14:useLocalDpi xmlns:a14="http://schemas.microsoft.com/office/drawing/2010/main" val="0"/>
+              </a:ext>
+            </a:extLst>
+          </a:blip>
+          <a:stretch>
+            <a:fillRect/>
+          </a:stretch>
+        </p:blipFill>
+        <p:spPr>
+          <a:xfrm>
+            <a:off x="9017429" y="6124103"/>
+            <a:ext cx="3031958" cy="733897"/>
+          </a:xfrm>
+          <a:prstGeom prst="rect">
+            <a:avLst/>
+          </a:prstGeom>
+        </p:spPr>
+      </p:pic>
+    </p:spTree>
+    <p:extLst>
+      <p:ext uri="{BB962C8B-B14F-4D97-AF65-F5344CB8AC3E}">
+        <p14:creationId xmlns:p14="http://schemas.microsoft.com/office/powerpoint/2010/main" val="478043781"/>
+      </p:ext>
+    </p:extLst>
+  </p:cSld>
+  <p:clrMapOvr>
+    <a:masterClrMapping/>
+  </p:clrMapOvr>
+</p:sld>
+</file>
+
+<file path=ppt/slides/slide9.xml><?xml version="1.0" encoding="utf-8"?>
+<p:sld xmlns:a="http://schemas.openxmlformats.org/drawingml/2006/main" xmlns:r="http://schemas.openxmlformats.org/officeDocument/2006/relationships" xmlns:p="http://schemas.openxmlformats.org/presentationml/2006/main">
+  <p:cSld>
+    <p:spTree>
+      <p:nvGrpSpPr>
+        <p:cNvPr id="1" name=""/>
+        <p:cNvGrpSpPr/>
+        <p:nvPr/>
+      </p:nvGrpSpPr>
+      <p:grpSpPr>
+        <a:xfrm>
+          <a:off x="0" y="0"/>
+          <a:ext cx="0" cy="0"/>
+          <a:chOff x="0" y="0"/>
+          <a:chExt cx="0" cy="0"/>
+        </a:xfrm>
+      </p:grpSpPr>
+      <p:sp>
+        <p:nvSpPr>
+          <p:cNvPr id="2" name="제목 1">
+            <a:extLst>
+              <a:ext uri="{FF2B5EF4-FFF2-40B4-BE49-F238E27FC236}">
+                <a16:creationId xmlns:a16="http://schemas.microsoft.com/office/drawing/2014/main" id="{6166E8EE-6B62-48E8-9FF1-9D1DBC7A7802}"/>
+              </a:ext>
+            </a:extLst>
+          </p:cNvPr>
+          <p:cNvSpPr>
+            <a:spLocks noGrp="1"/>
+          </p:cNvSpPr>
+          <p:nvPr>
+            <p:ph type="title"/>
+          </p:nvPr>
+        </p:nvSpPr>
+        <p:spPr/>
+        <p:txBody>
+          <a:bodyPr/>
+          <a:lstStyle/>
+          <a:p>
+            <a:r>
+              <a:rPr lang="en-US" altLang="ko-KR" dirty="0"/>
+              <a:t>Algorithm</a:t>
+            </a:r>
+            <a:br>
+              <a:rPr lang="en-US" altLang="ko-KR" dirty="0"/>
+            </a:br>
+            <a:r>
+              <a:rPr lang="en-US" altLang="ko-KR" sz="2400" dirty="0"/>
+              <a:t>Correlation</a:t>
+            </a:r>
+            <a:endParaRPr lang="ko-KR" altLang="en-US" dirty="0"/>
+          </a:p>
+        </p:txBody>
+      </p:sp>
+      <p:pic>
+        <p:nvPicPr>
+          <p:cNvPr id="4" name="그림 3">
+            <a:extLst>
+              <a:ext uri="{FF2B5EF4-FFF2-40B4-BE49-F238E27FC236}">
+                <a16:creationId xmlns:a16="http://schemas.microsoft.com/office/drawing/2014/main" id="{9C40C19B-6FA5-4EAD-A011-5807CEE34AA9}"/>
+              </a:ext>
+            </a:extLst>
+          </p:cNvPr>
+          <p:cNvPicPr>
+            <a:picLocks noChangeAspect="1"/>
+          </p:cNvPicPr>
+          <p:nvPr/>
+        </p:nvPicPr>
+        <p:blipFill>
+          <a:blip r:embed="rId2">
+            <a:extLst>
+              <a:ext uri="{28A0092B-C50C-407E-A947-70E740481C1C}">
+                <a14:useLocalDpi xmlns:a14="http://schemas.microsoft.com/office/drawing/2010/main" val="0"/>
+              </a:ext>
+            </a:extLst>
+          </a:blip>
+          <a:stretch>
+            <a:fillRect/>
+          </a:stretch>
+        </p:blipFill>
+        <p:spPr>
+          <a:xfrm>
+            <a:off x="9017429" y="6124103"/>
+            <a:ext cx="3031958" cy="733897"/>
+          </a:xfrm>
+          <a:prstGeom prst="rect">
+            <a:avLst/>
+          </a:prstGeom>
+        </p:spPr>
+      </p:pic>
+      <mc:AlternateContent xmlns:mc="http://schemas.openxmlformats.org/markup-compatibility/2006">
+        <mc:Choice xmlns:a14="http://schemas.microsoft.com/office/drawing/2010/main" Requires="a14">
+          <p:sp>
+            <p:nvSpPr>
+              <p:cNvPr id="5" name="내용 개체 틀 4">
+                <a:extLst>
+                  <a:ext uri="{FF2B5EF4-FFF2-40B4-BE49-F238E27FC236}">
+                    <a16:creationId xmlns:a16="http://schemas.microsoft.com/office/drawing/2014/main" id="{9A145EEF-778A-4D7E-8BC0-10B9D82A9B24}"/>
+                  </a:ext>
+                </a:extLst>
+              </p:cNvPr>
+              <p:cNvSpPr>
+                <a:spLocks noGrp="1"/>
+              </p:cNvSpPr>
+              <p:nvPr>
+                <p:ph idx="1"/>
+              </p:nvPr>
+            </p:nvSpPr>
+            <p:spPr/>
+            <p:txBody>
+              <a:bodyPr/>
+              <a:lstStyle/>
+              <a:p>
+                <a:r>
+                  <a:rPr lang="en-US" altLang="ko-KR" b="0" i="0" dirty="0">
+                    <a:solidFill>
+                      <a:srgbClr val="000000"/>
+                    </a:solidFill>
+                    <a:effectLst/>
+                  </a:rPr>
+                  <a:t>An index that does not depend on the size of the variance represents a correlation coefficient.</a:t>
+                </a:r>
+              </a:p>
+              <a:p>
+                <a:r>
+                  <a:rPr lang="en-US" altLang="ko-KR" b="0" i="0" dirty="0">
+                    <a:solidFill>
+                      <a:srgbClr val="000000"/>
+                    </a:solidFill>
+                    <a:effectLst/>
+                  </a:rPr>
+                  <a:t>The covariance </a:t>
+                </a:r>
+                <a14:m>
+                  <m:oMath xmlns:m="http://schemas.openxmlformats.org/officeDocument/2006/math">
+                    <m:sSub>
+                      <m:sSubPr>
+                        <m:ctrlPr>
+                          <a:rPr lang="en-US" altLang="ko-KR" b="0" i="1" dirty="0" smtClean="0">
+                            <a:solidFill>
+                              <a:srgbClr val="000000"/>
+                            </a:solidFill>
+                            <a:effectLst/>
+                            <a:latin typeface="Cambria Math" panose="02040503050406030204" pitchFamily="18" charset="0"/>
+                          </a:rPr>
+                        </m:ctrlPr>
+                      </m:sSubPr>
+                      <m:e>
+                        <m:r>
+                          <a:rPr lang="en-US" altLang="ko-KR" b="0" i="1" dirty="0" smtClean="0">
+                            <a:solidFill>
+                              <a:srgbClr val="000000"/>
+                            </a:solidFill>
+                            <a:effectLst/>
+                            <a:latin typeface="Cambria Math" panose="02040503050406030204" pitchFamily="18" charset="0"/>
+                          </a:rPr>
+                          <m:t>𝑠</m:t>
+                        </m:r>
+                      </m:e>
+                      <m:sub>
+                        <m:r>
+                          <a:rPr lang="en-US" altLang="ko-KR" b="0" i="1" dirty="0" smtClean="0">
+                            <a:solidFill>
+                              <a:srgbClr val="000000"/>
+                            </a:solidFill>
+                            <a:effectLst/>
+                            <a:latin typeface="Cambria Math" panose="02040503050406030204" pitchFamily="18" charset="0"/>
+                          </a:rPr>
+                          <m:t>𝑥𝑦</m:t>
+                        </m:r>
+                      </m:sub>
+                    </m:sSub>
+                    <m:r>
+                      <a:rPr lang="en-US" altLang="ko-KR" b="0" i="1" dirty="0" smtClean="0">
+                        <a:solidFill>
+                          <a:srgbClr val="000000"/>
+                        </a:solidFill>
+                        <a:effectLst/>
+                        <a:latin typeface="Cambria Math" panose="02040503050406030204" pitchFamily="18" charset="0"/>
+                      </a:rPr>
+                      <m:t> </m:t>
+                    </m:r>
+                  </m:oMath>
+                </a14:m>
+                <a:r>
+                  <a:rPr lang="en-US" altLang="ko-KR" b="0" i="0" dirty="0">
+                    <a:solidFill>
+                      <a:srgbClr val="000000"/>
+                    </a:solidFill>
+                    <a:effectLst/>
+                  </a:rPr>
+                  <a:t>of the two data </a:t>
+                </a:r>
+                <a14:m>
+                  <m:oMath xmlns:m="http://schemas.openxmlformats.org/officeDocument/2006/math">
+                    <m:r>
+                      <a:rPr lang="en-US" altLang="ko-KR" i="1">
+                        <a:solidFill>
+                          <a:srgbClr val="000000"/>
+                        </a:solidFill>
+                        <a:latin typeface="Cambria Math" panose="02040503050406030204" pitchFamily="18" charset="0"/>
+                      </a:rPr>
+                      <m:t>𝑥</m:t>
+                    </m:r>
+                  </m:oMath>
+                </a14:m>
+                <a:r>
+                  <a:rPr lang="en-US" altLang="ko-KR" b="0" i="0" dirty="0">
+                    <a:solidFill>
+                      <a:srgbClr val="000000"/>
+                    </a:solidFill>
+                    <a:effectLst/>
+                  </a:rPr>
+                  <a:t> and </a:t>
+                </a:r>
+                <a14:m>
+                  <m:oMath xmlns:m="http://schemas.openxmlformats.org/officeDocument/2006/math">
+                    <m:r>
+                      <a:rPr lang="en-US" altLang="ko-KR" i="1" dirty="0">
+                        <a:solidFill>
+                          <a:srgbClr val="000000"/>
+                        </a:solidFill>
+                        <a:latin typeface="Cambria Math" panose="02040503050406030204" pitchFamily="18" charset="0"/>
+                      </a:rPr>
+                      <m:t>𝑦</m:t>
+                    </m:r>
+                  </m:oMath>
+                </a14:m>
+                <a:r>
+                  <a:rPr lang="en-US" altLang="ko-KR" b="0" i="0" dirty="0">
+                    <a:solidFill>
+                      <a:srgbClr val="000000"/>
+                    </a:solidFill>
+                    <a:effectLst/>
+                  </a:rPr>
+                  <a:t> is divided by the standard deviations </a:t>
+                </a:r>
+                <a14:m>
+                  <m:oMath xmlns:m="http://schemas.openxmlformats.org/officeDocument/2006/math">
+                    <m:sSub>
+                      <m:sSubPr>
+                        <m:ctrlPr>
+                          <a:rPr lang="en-US" altLang="ko-KR" b="0" i="1" smtClean="0">
+                            <a:solidFill>
+                              <a:srgbClr val="000000"/>
+                            </a:solidFill>
+                            <a:effectLst/>
+                            <a:latin typeface="Cambria Math" panose="02040503050406030204" pitchFamily="18" charset="0"/>
+                          </a:rPr>
+                        </m:ctrlPr>
+                      </m:sSubPr>
+                      <m:e>
+                        <m:r>
+                          <a:rPr lang="en-US" altLang="ko-KR" b="0" i="1" smtClean="0">
+                            <a:solidFill>
+                              <a:srgbClr val="000000"/>
+                            </a:solidFill>
+                            <a:effectLst/>
+                            <a:latin typeface="Cambria Math" panose="02040503050406030204" pitchFamily="18" charset="0"/>
+                          </a:rPr>
+                          <m:t>𝑠</m:t>
+                        </m:r>
+                      </m:e>
+                      <m:sub>
+                        <m:r>
+                          <a:rPr lang="en-US" altLang="ko-KR" b="0" i="1" smtClean="0">
+                            <a:solidFill>
+                              <a:srgbClr val="000000"/>
+                            </a:solidFill>
+                            <a:effectLst/>
+                            <a:latin typeface="Cambria Math" panose="02040503050406030204" pitchFamily="18" charset="0"/>
+                          </a:rPr>
+                          <m:t>𝑥</m:t>
+                        </m:r>
+                      </m:sub>
+                    </m:sSub>
+                  </m:oMath>
+                </a14:m>
+                <a:r>
+                  <a:rPr lang="en-US" altLang="ko-KR" b="0" i="0" dirty="0">
+                    <a:solidFill>
+                      <a:srgbClr val="000000"/>
+                    </a:solidFill>
+                    <a:effectLst/>
+                  </a:rPr>
+                  <a:t> and </a:t>
+                </a:r>
+                <a14:m>
+                  <m:oMath xmlns:m="http://schemas.openxmlformats.org/officeDocument/2006/math">
+                    <m:sSub>
+                      <m:sSubPr>
+                        <m:ctrlPr>
+                          <a:rPr lang="en-US" altLang="ko-KR" b="0" i="1" smtClean="0">
+                            <a:solidFill>
+                              <a:srgbClr val="000000"/>
+                            </a:solidFill>
+                            <a:effectLst/>
+                            <a:latin typeface="Cambria Math" panose="02040503050406030204" pitchFamily="18" charset="0"/>
+                          </a:rPr>
+                        </m:ctrlPr>
+                      </m:sSubPr>
+                      <m:e>
+                        <m:r>
+                          <a:rPr lang="en-US" altLang="ko-KR" b="0" i="1" smtClean="0">
+                            <a:solidFill>
+                              <a:srgbClr val="000000"/>
+                            </a:solidFill>
+                            <a:effectLst/>
+                            <a:latin typeface="Cambria Math" panose="02040503050406030204" pitchFamily="18" charset="0"/>
+                          </a:rPr>
+                          <m:t>𝑠</m:t>
+                        </m:r>
+                      </m:e>
+                      <m:sub>
+                        <m:r>
+                          <a:rPr lang="en-US" altLang="ko-KR" b="0" i="1" smtClean="0">
+                            <a:solidFill>
+                              <a:srgbClr val="000000"/>
+                            </a:solidFill>
+                            <a:effectLst/>
+                            <a:latin typeface="Cambria Math" panose="02040503050406030204" pitchFamily="18" charset="0"/>
+                          </a:rPr>
+                          <m:t>𝑦</m:t>
+                        </m:r>
+                      </m:sub>
+                    </m:sSub>
+                  </m:oMath>
+                </a14:m>
+                <a:r>
+                  <a:rPr lang="en-US" altLang="ko-KR" b="0" i="0" dirty="0">
+                    <a:solidFill>
+                      <a:srgbClr val="000000"/>
+                    </a:solidFill>
+                    <a:effectLst/>
+                  </a:rPr>
+                  <a:t>.</a:t>
+                </a:r>
+              </a:p>
+              <a:p>
+                <a14:m>
+                  <m:oMath xmlns:m="http://schemas.openxmlformats.org/officeDocument/2006/math">
+                    <m:sSub>
+                      <m:sSubPr>
+                        <m:ctrlPr>
+                          <a:rPr lang="en-US" altLang="ko-KR" i="1" smtClean="0">
+                            <a:latin typeface="Cambria Math" panose="02040503050406030204" pitchFamily="18" charset="0"/>
+                          </a:rPr>
+                        </m:ctrlPr>
+                      </m:sSubPr>
+                      <m:e>
+                        <m:r>
+                          <a:rPr lang="en-US" altLang="ko-KR" b="0" i="1" smtClean="0">
+                            <a:latin typeface="Cambria Math" panose="02040503050406030204" pitchFamily="18" charset="0"/>
+                          </a:rPr>
+                          <m:t>𝑟</m:t>
+                        </m:r>
+                      </m:e>
+                      <m:sub>
+                        <m:r>
+                          <a:rPr lang="en-US" altLang="ko-KR" b="0" i="1" smtClean="0">
+                            <a:latin typeface="Cambria Math" panose="02040503050406030204" pitchFamily="18" charset="0"/>
+                          </a:rPr>
+                          <m:t>𝑥𝑦</m:t>
+                        </m:r>
+                      </m:sub>
+                    </m:sSub>
+                    <m:r>
+                      <a:rPr lang="en-US" altLang="ko-KR" b="0" i="1" smtClean="0">
+                        <a:latin typeface="Cambria Math" panose="02040503050406030204" pitchFamily="18" charset="0"/>
+                      </a:rPr>
+                      <m:t>=</m:t>
+                    </m:r>
+                    <m:f>
+                      <m:fPr>
+                        <m:ctrlPr>
+                          <a:rPr lang="en-US" altLang="ko-KR" b="0" i="1" smtClean="0">
+                            <a:latin typeface="Cambria Math" panose="02040503050406030204" pitchFamily="18" charset="0"/>
+                          </a:rPr>
+                        </m:ctrlPr>
+                      </m:fPr>
+                      <m:num>
+                        <m:sSub>
+                          <m:sSubPr>
+                            <m:ctrlPr>
+                              <a:rPr lang="en-US" altLang="ko-KR" b="0" i="1" smtClean="0">
+                                <a:latin typeface="Cambria Math" panose="02040503050406030204" pitchFamily="18" charset="0"/>
+                              </a:rPr>
+                            </m:ctrlPr>
+                          </m:sSubPr>
+                          <m:e>
+                            <m:r>
+                              <a:rPr lang="en-US" altLang="ko-KR" b="0" i="1" smtClean="0">
+                                <a:latin typeface="Cambria Math" panose="02040503050406030204" pitchFamily="18" charset="0"/>
+                              </a:rPr>
+                              <m:t>𝑠</m:t>
+                            </m:r>
+                          </m:e>
+                          <m:sub>
+                            <m:r>
+                              <a:rPr lang="en-US" altLang="ko-KR" b="0" i="1" smtClean="0">
+                                <a:latin typeface="Cambria Math" panose="02040503050406030204" pitchFamily="18" charset="0"/>
+                              </a:rPr>
+                              <m:t>𝑥𝑦</m:t>
+                            </m:r>
+                          </m:sub>
+                        </m:sSub>
+                      </m:num>
+                      <m:den>
+                        <m:sSub>
+                          <m:sSubPr>
+                            <m:ctrlPr>
+                              <a:rPr lang="en-US" altLang="ko-KR" b="0" i="1" smtClean="0">
+                                <a:latin typeface="Cambria Math" panose="02040503050406030204" pitchFamily="18" charset="0"/>
+                              </a:rPr>
+                            </m:ctrlPr>
+                          </m:sSubPr>
+                          <m:e>
+                            <m:r>
+                              <a:rPr lang="en-US" altLang="ko-KR" b="0" i="1" smtClean="0">
+                                <a:latin typeface="Cambria Math" panose="02040503050406030204" pitchFamily="18" charset="0"/>
+                              </a:rPr>
+                              <m:t>𝑠</m:t>
+                            </m:r>
+                          </m:e>
+                          <m:sub>
+                            <m:r>
+                              <a:rPr lang="en-US" altLang="ko-KR" b="0" i="1" smtClean="0">
+                                <a:latin typeface="Cambria Math" panose="02040503050406030204" pitchFamily="18" charset="0"/>
+                              </a:rPr>
+                              <m:t>𝑥</m:t>
+                            </m:r>
+                          </m:sub>
+                        </m:sSub>
+                        <m:sSub>
+                          <m:sSubPr>
+                            <m:ctrlPr>
+                              <a:rPr lang="en-US" altLang="ko-KR" b="0" i="1" smtClean="0">
+                                <a:latin typeface="Cambria Math" panose="02040503050406030204" pitchFamily="18" charset="0"/>
+                              </a:rPr>
+                            </m:ctrlPr>
+                          </m:sSubPr>
+                          <m:e>
+                            <m:r>
+                              <a:rPr lang="en-US" altLang="ko-KR" b="0" i="1" smtClean="0">
+                                <a:latin typeface="Cambria Math" panose="02040503050406030204" pitchFamily="18" charset="0"/>
+                              </a:rPr>
+                              <m:t>𝑠</m:t>
+                            </m:r>
+                          </m:e>
+                          <m:sub>
+                            <m:r>
+                              <a:rPr lang="en-US" altLang="ko-KR" b="0" i="1" smtClean="0">
+                                <a:latin typeface="Cambria Math" panose="02040503050406030204" pitchFamily="18" charset="0"/>
+                              </a:rPr>
+                              <m:t>𝑦</m:t>
+                            </m:r>
+                          </m:sub>
+                        </m:sSub>
+                      </m:den>
+                    </m:f>
+                  </m:oMath>
+                </a14:m>
+                <a:endParaRPr lang="en-US" altLang="ko-KR" dirty="0"/>
+              </a:p>
+              <a:p>
+                <a:r>
+                  <a:rPr lang="en-US" altLang="ko-KR" b="0" i="0" dirty="0">
+                    <a:solidFill>
+                      <a:srgbClr val="000000"/>
+                    </a:solidFill>
+                    <a:effectLst/>
+                  </a:rPr>
+                  <a:t>The correlation coefficient represents the relationship between data like covariance, but since it is divided by each standard deviation, a value between -1 and 1 is obtained.</a:t>
+                </a:r>
+                <a:endParaRPr lang="ko-KR" altLang="en-US" dirty="0"/>
+              </a:p>
+            </p:txBody>
+          </p:sp>
+        </mc:Choice>
+        <mc:Fallback>
+          <p:sp>
+            <p:nvSpPr>
+              <p:cNvPr id="5" name="내용 개체 틀 4">
+                <a:extLst>
+                  <a:ext uri="{FF2B5EF4-FFF2-40B4-BE49-F238E27FC236}">
+                    <a16:creationId xmlns:a16="http://schemas.microsoft.com/office/drawing/2014/main" id="{9A145EEF-778A-4D7E-8BC0-10B9D82A9B24}"/>
+                  </a:ext>
+                </a:extLst>
+              </p:cNvPr>
+              <p:cNvSpPr>
+                <a:spLocks noGrp="1" noRot="1" noChangeAspect="1" noMove="1" noResize="1" noEditPoints="1" noAdjustHandles="1" noChangeArrowheads="1" noChangeShapeType="1" noTextEdit="1"/>
+              </p:cNvSpPr>
+              <p:nvPr>
+                <p:ph idx="1"/>
+              </p:nvPr>
+            </p:nvSpPr>
+            <p:spPr>
+              <a:blipFill>
+                <a:blip r:embed="rId3"/>
+                <a:stretch>
+                  <a:fillRect l="-1043" t="-2381"/>
+                </a:stretch>
+              </a:blipFill>
+            </p:spPr>
+            <p:txBody>
+              <a:bodyPr/>
+              <a:lstStyle/>
+              <a:p>
+                <a:r>
+                  <a:rPr lang="ko-KR" altLang="en-US">
+                    <a:noFill/>
+                  </a:rPr>
+                  <a:t> </a:t>
+                </a:r>
+              </a:p>
+            </p:txBody>
+          </p:sp>
+        </mc:Fallback>
+      </mc:AlternateContent>
+    </p:spTree>
+    <p:extLst>
+      <p:ext uri="{BB962C8B-B14F-4D97-AF65-F5344CB8AC3E}">
+        <p14:creationId xmlns:p14="http://schemas.microsoft.com/office/powerpoint/2010/main" val="3832908025"/>
+      </p:ext>
+    </p:extLst>
+  </p:cSld>
+  <p:clrMapOvr>
+    <a:masterClrMapping/>
+  </p:clrMapOvr>
+</p:sld>
+</file>
+
 <file path=ppt/theme/theme1.xml><?xml version="1.0" encoding="utf-8"?>
 <a:theme xmlns:a="http://schemas.openxmlformats.org/drawingml/2006/main" name="Office 테마">
   <a:themeElements>

--- a/3-10_PCA.pptx
+++ b/3-10_PCA.pptx
@@ -272,7 +272,7 @@
           <a:p>
             <a:fld id="{DE9039BF-D454-4A16-968E-9B3FD4D4FA31}" type="datetimeFigureOut">
               <a:rPr lang="ko-KR" altLang="en-US" smtClean="0"/>
-              <a:t>2022-04-05</a:t>
+              <a:t>2022-04-06</a:t>
             </a:fld>
             <a:endParaRPr lang="ko-KR" altLang="en-US"/>
           </a:p>
@@ -470,7 +470,7 @@
           <a:p>
             <a:fld id="{DE9039BF-D454-4A16-968E-9B3FD4D4FA31}" type="datetimeFigureOut">
               <a:rPr lang="ko-KR" altLang="en-US" smtClean="0"/>
-              <a:t>2022-04-05</a:t>
+              <a:t>2022-04-06</a:t>
             </a:fld>
             <a:endParaRPr lang="ko-KR" altLang="en-US"/>
           </a:p>
@@ -678,7 +678,7 @@
           <a:p>
             <a:fld id="{DE9039BF-D454-4A16-968E-9B3FD4D4FA31}" type="datetimeFigureOut">
               <a:rPr lang="ko-KR" altLang="en-US" smtClean="0"/>
-              <a:t>2022-04-05</a:t>
+              <a:t>2022-04-06</a:t>
             </a:fld>
             <a:endParaRPr lang="ko-KR" altLang="en-US"/>
           </a:p>
@@ -876,7 +876,7 @@
           <a:p>
             <a:fld id="{DE9039BF-D454-4A16-968E-9B3FD4D4FA31}" type="datetimeFigureOut">
               <a:rPr lang="ko-KR" altLang="en-US" smtClean="0"/>
-              <a:t>2022-04-05</a:t>
+              <a:t>2022-04-06</a:t>
             </a:fld>
             <a:endParaRPr lang="ko-KR" altLang="en-US"/>
           </a:p>
@@ -1151,7 +1151,7 @@
           <a:p>
             <a:fld id="{DE9039BF-D454-4A16-968E-9B3FD4D4FA31}" type="datetimeFigureOut">
               <a:rPr lang="ko-KR" altLang="en-US" smtClean="0"/>
-              <a:t>2022-04-05</a:t>
+              <a:t>2022-04-06</a:t>
             </a:fld>
             <a:endParaRPr lang="ko-KR" altLang="en-US"/>
           </a:p>
@@ -1416,7 +1416,7 @@
           <a:p>
             <a:fld id="{DE9039BF-D454-4A16-968E-9B3FD4D4FA31}" type="datetimeFigureOut">
               <a:rPr lang="ko-KR" altLang="en-US" smtClean="0"/>
-              <a:t>2022-04-05</a:t>
+              <a:t>2022-04-06</a:t>
             </a:fld>
             <a:endParaRPr lang="ko-KR" altLang="en-US"/>
           </a:p>
@@ -1828,7 +1828,7 @@
           <a:p>
             <a:fld id="{DE9039BF-D454-4A16-968E-9B3FD4D4FA31}" type="datetimeFigureOut">
               <a:rPr lang="ko-KR" altLang="en-US" smtClean="0"/>
-              <a:t>2022-04-05</a:t>
+              <a:t>2022-04-06</a:t>
             </a:fld>
             <a:endParaRPr lang="ko-KR" altLang="en-US"/>
           </a:p>
@@ -1969,7 +1969,7 @@
           <a:p>
             <a:fld id="{DE9039BF-D454-4A16-968E-9B3FD4D4FA31}" type="datetimeFigureOut">
               <a:rPr lang="ko-KR" altLang="en-US" smtClean="0"/>
-              <a:t>2022-04-05</a:t>
+              <a:t>2022-04-06</a:t>
             </a:fld>
             <a:endParaRPr lang="ko-KR" altLang="en-US"/>
           </a:p>
@@ -2082,7 +2082,7 @@
           <a:p>
             <a:fld id="{DE9039BF-D454-4A16-968E-9B3FD4D4FA31}" type="datetimeFigureOut">
               <a:rPr lang="ko-KR" altLang="en-US" smtClean="0"/>
-              <a:t>2022-04-05</a:t>
+              <a:t>2022-04-06</a:t>
             </a:fld>
             <a:endParaRPr lang="ko-KR" altLang="en-US"/>
           </a:p>
@@ -2393,7 +2393,7 @@
           <a:p>
             <a:fld id="{DE9039BF-D454-4A16-968E-9B3FD4D4FA31}" type="datetimeFigureOut">
               <a:rPr lang="ko-KR" altLang="en-US" smtClean="0"/>
-              <a:t>2022-04-05</a:t>
+              <a:t>2022-04-06</a:t>
             </a:fld>
             <a:endParaRPr lang="ko-KR" altLang="en-US"/>
           </a:p>
@@ -2681,7 +2681,7 @@
           <a:p>
             <a:fld id="{DE9039BF-D454-4A16-968E-9B3FD4D4FA31}" type="datetimeFigureOut">
               <a:rPr lang="ko-KR" altLang="en-US" smtClean="0"/>
-              <a:t>2022-04-05</a:t>
+              <a:t>2022-04-06</a:t>
             </a:fld>
             <a:endParaRPr lang="ko-KR" altLang="en-US"/>
           </a:p>
@@ -2922,7 +2922,7 @@
           <a:p>
             <a:fld id="{DE9039BF-D454-4A16-968E-9B3FD4D4FA31}" type="datetimeFigureOut">
               <a:rPr lang="ko-KR" altLang="en-US" smtClean="0"/>
-              <a:t>2022-04-05</a:t>
+              <a:t>2022-04-06</a:t>
             </a:fld>
             <a:endParaRPr lang="ko-KR" altLang="en-US"/>
           </a:p>
@@ -3499,8 +3499,8 @@
           </a:p>
         </p:txBody>
       </p:sp>
-      <mc:AlternateContent xmlns:mc="http://schemas.openxmlformats.org/markup-compatibility/2006">
-        <mc:Choice xmlns:a14="http://schemas.microsoft.com/office/drawing/2010/main" Requires="a14">
+      <mc:AlternateContent xmlns:mc="http://schemas.openxmlformats.org/markup-compatibility/2006" xmlns:a14="http://schemas.microsoft.com/office/drawing/2010/main">
+        <mc:Choice Requires="a14">
           <p:sp>
             <p:nvSpPr>
               <p:cNvPr id="3" name="내용 개체 틀 2">
@@ -4071,7 +4071,7 @@
             </p:txBody>
           </p:sp>
         </mc:Choice>
-        <mc:Fallback>
+        <mc:Fallback xmlns="">
           <p:sp>
             <p:nvSpPr>
               <p:cNvPr id="3" name="내용 개체 틀 2">
@@ -4213,8 +4213,8 @@
           </a:p>
         </p:txBody>
       </p:sp>
-      <mc:AlternateContent xmlns:mc="http://schemas.openxmlformats.org/markup-compatibility/2006">
-        <mc:Choice xmlns:a14="http://schemas.microsoft.com/office/drawing/2010/main" Requires="a14">
+      <mc:AlternateContent xmlns:mc="http://schemas.openxmlformats.org/markup-compatibility/2006" xmlns:a14="http://schemas.microsoft.com/office/drawing/2010/main">
+        <mc:Choice Requires="a14">
           <p:sp>
             <p:nvSpPr>
               <p:cNvPr id="3" name="내용 개체 틀 2">
@@ -4791,7 +4791,7 @@
             </p:txBody>
           </p:sp>
         </mc:Choice>
-        <mc:Fallback>
+        <mc:Fallback xmlns="">
           <p:sp>
             <p:nvSpPr>
               <p:cNvPr id="3" name="내용 개체 틀 2">
@@ -5027,11 +5027,165 @@
         </p:blipFill>
         <p:spPr>
           <a:xfrm>
-            <a:off x="838200" y="2200020"/>
+            <a:off x="657341" y="2200019"/>
             <a:ext cx="5181600" cy="2914649"/>
           </a:xfrm>
         </p:spPr>
       </p:pic>
+      <p:sp>
+        <p:nvSpPr>
+          <p:cNvPr id="3" name="화살표: 오른쪽 2">
+            <a:extLst>
+              <a:ext uri="{FF2B5EF4-FFF2-40B4-BE49-F238E27FC236}">
+                <a16:creationId xmlns:a16="http://schemas.microsoft.com/office/drawing/2014/main" id="{3D9575A8-7D68-4EEC-BE04-FEF146CA187C}"/>
+              </a:ext>
+            </a:extLst>
+          </p:cNvPr>
+          <p:cNvSpPr/>
+          <p:nvPr/>
+        </p:nvSpPr>
+        <p:spPr>
+          <a:xfrm>
+            <a:off x="6019800" y="3934437"/>
+            <a:ext cx="968229" cy="453005"/>
+          </a:xfrm>
+          <a:prstGeom prst="rightArrow">
+            <a:avLst/>
+          </a:prstGeom>
+        </p:spPr>
+        <p:style>
+          <a:lnRef idx="2">
+            <a:schemeClr val="accent4">
+              <a:shade val="50000"/>
+            </a:schemeClr>
+          </a:lnRef>
+          <a:fillRef idx="1">
+            <a:schemeClr val="accent4"/>
+          </a:fillRef>
+          <a:effectRef idx="0">
+            <a:schemeClr val="accent4"/>
+          </a:effectRef>
+          <a:fontRef idx="minor">
+            <a:schemeClr val="lt1"/>
+          </a:fontRef>
+        </p:style>
+        <p:txBody>
+          <a:bodyPr rtlCol="0" anchor="ctr"/>
+          <a:lstStyle/>
+          <a:p>
+            <a:pPr algn="ctr"/>
+            <a:endParaRPr lang="ko-KR" altLang="en-US"/>
+          </a:p>
+        </p:txBody>
+      </p:sp>
+      <p:sp>
+        <p:nvSpPr>
+          <p:cNvPr id="4" name="직사각형 3">
+            <a:extLst>
+              <a:ext uri="{FF2B5EF4-FFF2-40B4-BE49-F238E27FC236}">
+                <a16:creationId xmlns:a16="http://schemas.microsoft.com/office/drawing/2014/main" id="{BE853261-FA43-484B-96D9-AA96D7A7B6E3}"/>
+              </a:ext>
+            </a:extLst>
+          </p:cNvPr>
+          <p:cNvSpPr/>
+          <p:nvPr/>
+        </p:nvSpPr>
+        <p:spPr>
+          <a:xfrm>
+            <a:off x="5486400" y="4748169"/>
+            <a:ext cx="609600" cy="553673"/>
+          </a:xfrm>
+          <a:prstGeom prst="rect">
+            <a:avLst/>
+          </a:prstGeom>
+          <a:solidFill>
+            <a:schemeClr val="bg1"/>
+          </a:solidFill>
+          <a:ln>
+            <a:solidFill>
+              <a:schemeClr val="bg1"/>
+            </a:solidFill>
+          </a:ln>
+        </p:spPr>
+        <p:style>
+          <a:lnRef idx="2">
+            <a:schemeClr val="accent1">
+              <a:shade val="50000"/>
+            </a:schemeClr>
+          </a:lnRef>
+          <a:fillRef idx="1">
+            <a:schemeClr val="accent1"/>
+          </a:fillRef>
+          <a:effectRef idx="0">
+            <a:schemeClr val="accent1"/>
+          </a:effectRef>
+          <a:fontRef idx="minor">
+            <a:schemeClr val="lt1"/>
+          </a:fontRef>
+        </p:style>
+        <p:txBody>
+          <a:bodyPr rtlCol="0" anchor="ctr"/>
+          <a:lstStyle/>
+          <a:p>
+            <a:pPr algn="ctr"/>
+            <a:endParaRPr lang="ko-KR" altLang="en-US"/>
+          </a:p>
+        </p:txBody>
+      </p:sp>
+      <p:sp>
+        <p:nvSpPr>
+          <p:cNvPr id="10" name="직사각형 9">
+            <a:extLst>
+              <a:ext uri="{FF2B5EF4-FFF2-40B4-BE49-F238E27FC236}">
+                <a16:creationId xmlns:a16="http://schemas.microsoft.com/office/drawing/2014/main" id="{115B517A-5AE5-47C2-B23C-C08AF44A6953}"/>
+              </a:ext>
+            </a:extLst>
+          </p:cNvPr>
+          <p:cNvSpPr/>
+          <p:nvPr/>
+        </p:nvSpPr>
+        <p:spPr>
+          <a:xfrm>
+            <a:off x="11070672" y="5114468"/>
+            <a:ext cx="609600" cy="553673"/>
+          </a:xfrm>
+          <a:prstGeom prst="rect">
+            <a:avLst/>
+          </a:prstGeom>
+          <a:solidFill>
+            <a:schemeClr val="bg1"/>
+          </a:solidFill>
+          <a:ln>
+            <a:solidFill>
+              <a:schemeClr val="bg1"/>
+            </a:solidFill>
+          </a:ln>
+        </p:spPr>
+        <p:style>
+          <a:lnRef idx="2">
+            <a:schemeClr val="accent1">
+              <a:shade val="50000"/>
+            </a:schemeClr>
+          </a:lnRef>
+          <a:fillRef idx="1">
+            <a:schemeClr val="accent1"/>
+          </a:fillRef>
+          <a:effectRef idx="0">
+            <a:schemeClr val="accent1"/>
+          </a:effectRef>
+          <a:fontRef idx="minor">
+            <a:schemeClr val="lt1"/>
+          </a:fontRef>
+        </p:style>
+        <p:txBody>
+          <a:bodyPr rtlCol="0" anchor="ctr"/>
+          <a:lstStyle/>
+          <a:p>
+            <a:pPr algn="ctr"/>
+            <a:endParaRPr lang="ko-KR" altLang="en-US"/>
+          </a:p>
+        </p:txBody>
+      </p:sp>
     </p:spTree>
     <p:extLst>
       <p:ext uri="{BB962C8B-B14F-4D97-AF65-F5344CB8AC3E}">
@@ -6441,8 +6595,8 @@
           </a:p>
         </p:txBody>
       </p:sp>
-      <mc:AlternateContent xmlns:mc="http://schemas.openxmlformats.org/markup-compatibility/2006">
-        <mc:Choice xmlns:a14="http://schemas.microsoft.com/office/drawing/2010/main" Requires="a14">
+      <mc:AlternateContent xmlns:mc="http://schemas.openxmlformats.org/markup-compatibility/2006" xmlns:a14="http://schemas.microsoft.com/office/drawing/2010/main">
+        <mc:Choice Requires="a14">
           <p:sp>
             <p:nvSpPr>
               <p:cNvPr id="3" name="내용 개체 틀 2">
@@ -7427,17 +7581,7 @@
                         <a:effectLst/>
                         <a:latin typeface="Cambria Math" panose="02040503050406030204" pitchFamily="18" charset="0"/>
                       </a:rPr>
-                      <m:t>&lt;</m:t>
-                    </m:r>
-                    <m:r>
-                      <a:rPr lang="en-US" altLang="ko-KR" b="0" i="1" smtClean="0">
-                        <a:solidFill>
-                          <a:srgbClr val="000000"/>
-                        </a:solidFill>
-                        <a:effectLst/>
-                        <a:latin typeface="Cambria Math" panose="02040503050406030204" pitchFamily="18" charset="0"/>
-                      </a:rPr>
-                      <m:t>0</m:t>
+                      <m:t>&lt;0</m:t>
                     </m:r>
                   </m:oMath>
                 </a14:m>
@@ -7565,17 +7709,7 @@
                         <a:effectLst/>
                         <a:latin typeface="Cambria Math" panose="02040503050406030204" pitchFamily="18" charset="0"/>
                       </a:rPr>
-                      <m:t>=</m:t>
-                    </m:r>
-                    <m:r>
-                      <a:rPr lang="en-US" altLang="ko-KR" b="0" i="1" smtClean="0">
-                        <a:solidFill>
-                          <a:srgbClr val="000000"/>
-                        </a:solidFill>
-                        <a:effectLst/>
-                        <a:latin typeface="Cambria Math" panose="02040503050406030204" pitchFamily="18" charset="0"/>
-                      </a:rPr>
-                      <m:t>0</m:t>
+                      <m:t>=0</m:t>
                     </m:r>
                   </m:oMath>
                 </a14:m>
@@ -7643,7 +7777,7 @@
             </p:txBody>
           </p:sp>
         </mc:Choice>
-        <mc:Fallback>
+        <mc:Fallback xmlns="">
           <p:sp>
             <p:nvSpPr>
               <p:cNvPr id="3" name="내용 개체 틀 2">
@@ -7958,8 +8092,8 @@
           </a:prstGeom>
         </p:spPr>
       </p:pic>
-      <mc:AlternateContent xmlns:mc="http://schemas.openxmlformats.org/markup-compatibility/2006">
-        <mc:Choice xmlns:a14="http://schemas.microsoft.com/office/drawing/2010/main" Requires="a14">
+      <mc:AlternateContent xmlns:mc="http://schemas.openxmlformats.org/markup-compatibility/2006" xmlns:a14="http://schemas.microsoft.com/office/drawing/2010/main">
+        <mc:Choice Requires="a14">
           <p:sp>
             <p:nvSpPr>
               <p:cNvPr id="5" name="내용 개체 틀 4">
@@ -8347,7 +8481,7 @@
             </p:txBody>
           </p:sp>
         </mc:Choice>
-        <mc:Fallback>
+        <mc:Fallback xmlns="">
           <p:sp>
             <p:nvSpPr>
               <p:cNvPr id="5" name="내용 개체 틀 4">

--- a/3-10_PCA.pptx
+++ b/3-10_PCA.pptx
@@ -272,7 +272,7 @@
           <a:p>
             <a:fld id="{DE9039BF-D454-4A16-968E-9B3FD4D4FA31}" type="datetimeFigureOut">
               <a:rPr lang="ko-KR" altLang="en-US" smtClean="0"/>
-              <a:t>2022-04-06</a:t>
+              <a:t>2022-04-12</a:t>
             </a:fld>
             <a:endParaRPr lang="ko-KR" altLang="en-US"/>
           </a:p>
@@ -470,7 +470,7 @@
           <a:p>
             <a:fld id="{DE9039BF-D454-4A16-968E-9B3FD4D4FA31}" type="datetimeFigureOut">
               <a:rPr lang="ko-KR" altLang="en-US" smtClean="0"/>
-              <a:t>2022-04-06</a:t>
+              <a:t>2022-04-12</a:t>
             </a:fld>
             <a:endParaRPr lang="ko-KR" altLang="en-US"/>
           </a:p>
@@ -678,7 +678,7 @@
           <a:p>
             <a:fld id="{DE9039BF-D454-4A16-968E-9B3FD4D4FA31}" type="datetimeFigureOut">
               <a:rPr lang="ko-KR" altLang="en-US" smtClean="0"/>
-              <a:t>2022-04-06</a:t>
+              <a:t>2022-04-12</a:t>
             </a:fld>
             <a:endParaRPr lang="ko-KR" altLang="en-US"/>
           </a:p>
@@ -876,7 +876,7 @@
           <a:p>
             <a:fld id="{DE9039BF-D454-4A16-968E-9B3FD4D4FA31}" type="datetimeFigureOut">
               <a:rPr lang="ko-KR" altLang="en-US" smtClean="0"/>
-              <a:t>2022-04-06</a:t>
+              <a:t>2022-04-12</a:t>
             </a:fld>
             <a:endParaRPr lang="ko-KR" altLang="en-US"/>
           </a:p>
@@ -1151,7 +1151,7 @@
           <a:p>
             <a:fld id="{DE9039BF-D454-4A16-968E-9B3FD4D4FA31}" type="datetimeFigureOut">
               <a:rPr lang="ko-KR" altLang="en-US" smtClean="0"/>
-              <a:t>2022-04-06</a:t>
+              <a:t>2022-04-12</a:t>
             </a:fld>
             <a:endParaRPr lang="ko-KR" altLang="en-US"/>
           </a:p>
@@ -1416,7 +1416,7 @@
           <a:p>
             <a:fld id="{DE9039BF-D454-4A16-968E-9B3FD4D4FA31}" type="datetimeFigureOut">
               <a:rPr lang="ko-KR" altLang="en-US" smtClean="0"/>
-              <a:t>2022-04-06</a:t>
+              <a:t>2022-04-12</a:t>
             </a:fld>
             <a:endParaRPr lang="ko-KR" altLang="en-US"/>
           </a:p>
@@ -1828,7 +1828,7 @@
           <a:p>
             <a:fld id="{DE9039BF-D454-4A16-968E-9B3FD4D4FA31}" type="datetimeFigureOut">
               <a:rPr lang="ko-KR" altLang="en-US" smtClean="0"/>
-              <a:t>2022-04-06</a:t>
+              <a:t>2022-04-12</a:t>
             </a:fld>
             <a:endParaRPr lang="ko-KR" altLang="en-US"/>
           </a:p>
@@ -1969,7 +1969,7 @@
           <a:p>
             <a:fld id="{DE9039BF-D454-4A16-968E-9B3FD4D4FA31}" type="datetimeFigureOut">
               <a:rPr lang="ko-KR" altLang="en-US" smtClean="0"/>
-              <a:t>2022-04-06</a:t>
+              <a:t>2022-04-12</a:t>
             </a:fld>
             <a:endParaRPr lang="ko-KR" altLang="en-US"/>
           </a:p>
@@ -2082,7 +2082,7 @@
           <a:p>
             <a:fld id="{DE9039BF-D454-4A16-968E-9B3FD4D4FA31}" type="datetimeFigureOut">
               <a:rPr lang="ko-KR" altLang="en-US" smtClean="0"/>
-              <a:t>2022-04-06</a:t>
+              <a:t>2022-04-12</a:t>
             </a:fld>
             <a:endParaRPr lang="ko-KR" altLang="en-US"/>
           </a:p>
@@ -2393,7 +2393,7 @@
           <a:p>
             <a:fld id="{DE9039BF-D454-4A16-968E-9B3FD4D4FA31}" type="datetimeFigureOut">
               <a:rPr lang="ko-KR" altLang="en-US" smtClean="0"/>
-              <a:t>2022-04-06</a:t>
+              <a:t>2022-04-12</a:t>
             </a:fld>
             <a:endParaRPr lang="ko-KR" altLang="en-US"/>
           </a:p>
@@ -2681,7 +2681,7 @@
           <a:p>
             <a:fld id="{DE9039BF-D454-4A16-968E-9B3FD4D4FA31}" type="datetimeFigureOut">
               <a:rPr lang="ko-KR" altLang="en-US" smtClean="0"/>
-              <a:t>2022-04-06</a:t>
+              <a:t>2022-04-12</a:t>
             </a:fld>
             <a:endParaRPr lang="ko-KR" altLang="en-US"/>
           </a:p>
@@ -2922,7 +2922,7 @@
           <a:p>
             <a:fld id="{DE9039BF-D454-4A16-968E-9B3FD4D4FA31}" type="datetimeFigureOut">
               <a:rPr lang="ko-KR" altLang="en-US" smtClean="0"/>
-              <a:t>2022-04-06</a:t>
+              <a:t>2022-04-12</a:t>
             </a:fld>
             <a:endParaRPr lang="ko-KR" altLang="en-US"/>
           </a:p>
@@ -3433,6 +3433,52 @@
           </a:prstGeom>
         </p:spPr>
       </p:pic>
+      <p:sp>
+        <p:nvSpPr>
+          <p:cNvPr id="5" name="TextBox 4">
+            <a:extLst>
+              <a:ext uri="{FF2B5EF4-FFF2-40B4-BE49-F238E27FC236}">
+                <a16:creationId xmlns:a16="http://schemas.microsoft.com/office/drawing/2014/main" id="{938E29A0-A2E0-427C-8C2E-440F35184278}"/>
+              </a:ext>
+            </a:extLst>
+          </p:cNvPr>
+          <p:cNvSpPr txBox="1"/>
+          <p:nvPr/>
+        </p:nvSpPr>
+        <p:spPr>
+          <a:xfrm>
+            <a:off x="0" y="6211669"/>
+            <a:ext cx="2805576" cy="646331"/>
+          </a:xfrm>
+          <a:prstGeom prst="rect">
+            <a:avLst/>
+          </a:prstGeom>
+          <a:noFill/>
+        </p:spPr>
+        <p:txBody>
+          <a:bodyPr wrap="none" rtlCol="0">
+            <a:spAutoFit/>
+          </a:bodyPr>
+          <a:lstStyle/>
+          <a:p>
+            <a:r>
+              <a:rPr lang="ko-KR" altLang="en-US" dirty="0"/>
+              <a:t>경희대학교 컴퓨터공학과</a:t>
+            </a:r>
+            <a:endParaRPr lang="en-US" altLang="ko-KR" dirty="0"/>
+          </a:p>
+          <a:p>
+            <a:r>
+              <a:rPr lang="en-US" altLang="ko-KR" dirty="0"/>
+              <a:t>2019102191 </a:t>
+            </a:r>
+            <a:r>
+              <a:rPr lang="ko-KR" altLang="en-US" dirty="0"/>
+              <a:t>신주영</a:t>
+            </a:r>
+          </a:p>
+        </p:txBody>
+      </p:sp>
     </p:spTree>
     <p:extLst>
       <p:ext uri="{BB962C8B-B14F-4D97-AF65-F5344CB8AC3E}">
